--- a/terraform_test_AWS/RDSendpoint/images/architecture.pptx
+++ b/terraform_test_AWS/RDSendpoint/images/architecture.pptx
@@ -7,6 +7,9 @@
   <p:sldIdLst>
     <p:sldId id="257" r:id="rId2"/>
     <p:sldId id="258" r:id="rId3"/>
+    <p:sldId id="259" r:id="rId4"/>
+    <p:sldId id="260" r:id="rId5"/>
+    <p:sldId id="261" r:id="rId6"/>
   </p:sldIdLst>
   <p:sldSz cx="12192000" cy="6858000"/>
   <p:notesSz cx="6858000" cy="9144000"/>
@@ -262,7 +265,7 @@
           <a:p>
             <a:fld id="{038AA72E-CE08-9B48-AD11-F05CDD148325}" type="datetimeFigureOut">
               <a:rPr lang="en-IT" smtClean="0"/>
-              <a:t>11/11/2020</a:t>
+              <a:t>14/11/2020</a:t>
             </a:fld>
             <a:endParaRPr lang="en-IT"/>
           </a:p>
@@ -462,7 +465,7 @@
           <a:p>
             <a:fld id="{038AA72E-CE08-9B48-AD11-F05CDD148325}" type="datetimeFigureOut">
               <a:rPr lang="en-IT" smtClean="0"/>
-              <a:t>11/11/2020</a:t>
+              <a:t>14/11/2020</a:t>
             </a:fld>
             <a:endParaRPr lang="en-IT"/>
           </a:p>
@@ -672,7 +675,7 @@
           <a:p>
             <a:fld id="{038AA72E-CE08-9B48-AD11-F05CDD148325}" type="datetimeFigureOut">
               <a:rPr lang="en-IT" smtClean="0"/>
-              <a:t>11/11/2020</a:t>
+              <a:t>14/11/2020</a:t>
             </a:fld>
             <a:endParaRPr lang="en-IT"/>
           </a:p>
@@ -872,7 +875,7 @@
           <a:p>
             <a:fld id="{038AA72E-CE08-9B48-AD11-F05CDD148325}" type="datetimeFigureOut">
               <a:rPr lang="en-IT" smtClean="0"/>
-              <a:t>11/11/2020</a:t>
+              <a:t>14/11/2020</a:t>
             </a:fld>
             <a:endParaRPr lang="en-IT"/>
           </a:p>
@@ -1148,7 +1151,7 @@
           <a:p>
             <a:fld id="{038AA72E-CE08-9B48-AD11-F05CDD148325}" type="datetimeFigureOut">
               <a:rPr lang="en-IT" smtClean="0"/>
-              <a:t>11/11/2020</a:t>
+              <a:t>14/11/2020</a:t>
             </a:fld>
             <a:endParaRPr lang="en-IT"/>
           </a:p>
@@ -1416,7 +1419,7 @@
           <a:p>
             <a:fld id="{038AA72E-CE08-9B48-AD11-F05CDD148325}" type="datetimeFigureOut">
               <a:rPr lang="en-IT" smtClean="0"/>
-              <a:t>11/11/2020</a:t>
+              <a:t>14/11/2020</a:t>
             </a:fld>
             <a:endParaRPr lang="en-IT"/>
           </a:p>
@@ -1831,7 +1834,7 @@
           <a:p>
             <a:fld id="{038AA72E-CE08-9B48-AD11-F05CDD148325}" type="datetimeFigureOut">
               <a:rPr lang="en-IT" smtClean="0"/>
-              <a:t>11/11/2020</a:t>
+              <a:t>14/11/2020</a:t>
             </a:fld>
             <a:endParaRPr lang="en-IT"/>
           </a:p>
@@ -1973,7 +1976,7 @@
           <a:p>
             <a:fld id="{038AA72E-CE08-9B48-AD11-F05CDD148325}" type="datetimeFigureOut">
               <a:rPr lang="en-IT" smtClean="0"/>
-              <a:t>11/11/2020</a:t>
+              <a:t>14/11/2020</a:t>
             </a:fld>
             <a:endParaRPr lang="en-IT"/>
           </a:p>
@@ -2086,7 +2089,7 @@
           <a:p>
             <a:fld id="{038AA72E-CE08-9B48-AD11-F05CDD148325}" type="datetimeFigureOut">
               <a:rPr lang="en-IT" smtClean="0"/>
-              <a:t>11/11/2020</a:t>
+              <a:t>14/11/2020</a:t>
             </a:fld>
             <a:endParaRPr lang="en-IT"/>
           </a:p>
@@ -2399,7 +2402,7 @@
           <a:p>
             <a:fld id="{038AA72E-CE08-9B48-AD11-F05CDD148325}" type="datetimeFigureOut">
               <a:rPr lang="en-IT" smtClean="0"/>
-              <a:t>11/11/2020</a:t>
+              <a:t>14/11/2020</a:t>
             </a:fld>
             <a:endParaRPr lang="en-IT"/>
           </a:p>
@@ -2688,7 +2691,7 @@
           <a:p>
             <a:fld id="{038AA72E-CE08-9B48-AD11-F05CDD148325}" type="datetimeFigureOut">
               <a:rPr lang="en-IT" smtClean="0"/>
-              <a:t>11/11/2020</a:t>
+              <a:t>14/11/2020</a:t>
             </a:fld>
             <a:endParaRPr lang="en-IT"/>
           </a:p>
@@ -2931,7 +2934,7 @@
           <a:p>
             <a:fld id="{038AA72E-CE08-9B48-AD11-F05CDD148325}" type="datetimeFigureOut">
               <a:rPr lang="en-IT" smtClean="0"/>
-              <a:t>11/11/2020</a:t>
+              <a:t>14/11/2020</a:t>
             </a:fld>
             <a:endParaRPr lang="en-IT"/>
           </a:p>
@@ -6077,8 +6080,8 @@
         </p:nvCxnSpPr>
         <p:spPr>
           <a:xfrm flipV="1">
-            <a:off x="5376820" y="4430759"/>
-            <a:ext cx="0" cy="1656000"/>
+            <a:off x="5376820" y="4430760"/>
+            <a:ext cx="845024" cy="1655999"/>
           </a:xfrm>
           <a:prstGeom prst="straightConnector1">
             <a:avLst/>
@@ -8270,6 +8273,9034 @@
     <p:extLst>
       <p:ext uri="{BB962C8B-B14F-4D97-AF65-F5344CB8AC3E}">
         <p14:creationId xmlns:p14="http://schemas.microsoft.com/office/powerpoint/2010/main" val="1461769863"/>
+      </p:ext>
+    </p:extLst>
+  </p:cSld>
+  <p:clrMapOvr>
+    <a:masterClrMapping/>
+  </p:clrMapOvr>
+</p:sld>
+</file>
+
+<file path=ppt/slides/slide3.xml><?xml version="1.0" encoding="utf-8"?>
+<p:sld xmlns:a="http://schemas.openxmlformats.org/drawingml/2006/main" xmlns:r="http://schemas.openxmlformats.org/officeDocument/2006/relationships" xmlns:p="http://schemas.openxmlformats.org/presentationml/2006/main">
+  <p:cSld>
+    <p:spTree>
+      <p:nvGrpSpPr>
+        <p:cNvPr id="1" name=""/>
+        <p:cNvGrpSpPr/>
+        <p:nvPr/>
+      </p:nvGrpSpPr>
+      <p:grpSpPr>
+        <a:xfrm>
+          <a:off x="0" y="0"/>
+          <a:ext cx="0" cy="0"/>
+          <a:chOff x="0" y="0"/>
+          <a:chExt cx="0" cy="0"/>
+        </a:xfrm>
+      </p:grpSpPr>
+      <p:sp>
+        <p:nvSpPr>
+          <p:cNvPr id="48" name="Rectangle 47">
+            <a:extLst>
+              <a:ext uri="{FF2B5EF4-FFF2-40B4-BE49-F238E27FC236}">
+                <a16:creationId xmlns:a16="http://schemas.microsoft.com/office/drawing/2014/main" id="{0DEE68AC-6067-A14D-98CD-C81F5AA123FF}"/>
+              </a:ext>
+            </a:extLst>
+          </p:cNvPr>
+          <p:cNvSpPr/>
+          <p:nvPr/>
+        </p:nvSpPr>
+        <p:spPr>
+          <a:xfrm>
+            <a:off x="1793130" y="2527944"/>
+            <a:ext cx="10182422" cy="2240616"/>
+          </a:xfrm>
+          <a:prstGeom prst="rect">
+            <a:avLst/>
+          </a:prstGeom>
+          <a:solidFill>
+            <a:schemeClr val="bg1">
+              <a:lumMod val="95000"/>
+            </a:schemeClr>
+          </a:solidFill>
+          <a:ln>
+            <a:noFill/>
+          </a:ln>
+        </p:spPr>
+        <p:style>
+          <a:lnRef idx="2">
+            <a:schemeClr val="accent1">
+              <a:shade val="50000"/>
+            </a:schemeClr>
+          </a:lnRef>
+          <a:fillRef idx="1">
+            <a:schemeClr val="accent1"/>
+          </a:fillRef>
+          <a:effectRef idx="0">
+            <a:schemeClr val="accent1"/>
+          </a:effectRef>
+          <a:fontRef idx="minor">
+            <a:schemeClr val="lt1"/>
+          </a:fontRef>
+        </p:style>
+        <p:txBody>
+          <a:bodyPr rtlCol="0" anchor="t"/>
+          <a:lstStyle/>
+          <a:p>
+            <a:pPr algn="ctr"/>
+            <a:r>
+              <a:rPr lang="en-GB" sz="1000" i="1" dirty="0">
+                <a:solidFill>
+                  <a:schemeClr val="tx1"/>
+                </a:solidFill>
+                <a:latin typeface="IBM Plex Sans Condensed" panose="020B0506050203000203" pitchFamily="34" charset="77"/>
+              </a:rPr>
+              <a:t>e</a:t>
+            </a:r>
+            <a:r>
+              <a:rPr lang="en-IT" sz="1000" i="1" dirty="0">
+                <a:solidFill>
+                  <a:schemeClr val="tx1"/>
+                </a:solidFill>
+                <a:latin typeface="IBM Plex Sans Condensed" panose="020B0506050203000203" pitchFamily="34" charset="77"/>
+              </a:rPr>
+              <a:t>u-central-1a</a:t>
+            </a:r>
+          </a:p>
+        </p:txBody>
+      </p:sp>
+      <p:sp>
+        <p:nvSpPr>
+          <p:cNvPr id="11" name="Rectangle 10">
+            <a:extLst>
+              <a:ext uri="{FF2B5EF4-FFF2-40B4-BE49-F238E27FC236}">
+                <a16:creationId xmlns:a16="http://schemas.microsoft.com/office/drawing/2014/main" id="{BE2E7BEF-E8C7-3D4F-8A82-C7E1832EF413}"/>
+              </a:ext>
+            </a:extLst>
+          </p:cNvPr>
+          <p:cNvSpPr/>
+          <p:nvPr/>
+        </p:nvSpPr>
+        <p:spPr>
+          <a:xfrm>
+            <a:off x="1793130" y="992566"/>
+            <a:ext cx="10182422" cy="586378"/>
+          </a:xfrm>
+          <a:prstGeom prst="rect">
+            <a:avLst/>
+          </a:prstGeom>
+          <a:solidFill>
+            <a:schemeClr val="bg1">
+              <a:lumMod val="95000"/>
+            </a:schemeClr>
+          </a:solidFill>
+          <a:ln>
+            <a:noFill/>
+          </a:ln>
+        </p:spPr>
+        <p:style>
+          <a:lnRef idx="2">
+            <a:schemeClr val="accent1">
+              <a:shade val="50000"/>
+            </a:schemeClr>
+          </a:lnRef>
+          <a:fillRef idx="1">
+            <a:schemeClr val="accent1"/>
+          </a:fillRef>
+          <a:effectRef idx="0">
+            <a:schemeClr val="accent1"/>
+          </a:effectRef>
+          <a:fontRef idx="minor">
+            <a:schemeClr val="lt1"/>
+          </a:fontRef>
+        </p:style>
+        <p:txBody>
+          <a:bodyPr rtlCol="0" anchor="t"/>
+          <a:lstStyle/>
+          <a:p>
+            <a:pPr algn="ctr"/>
+            <a:r>
+              <a:rPr lang="en-GB" sz="1050" i="1" dirty="0">
+                <a:solidFill>
+                  <a:schemeClr val="tx1"/>
+                </a:solidFill>
+                <a:latin typeface="IBM Plex Sans" panose="020B0503050203000203" pitchFamily="34" charset="0"/>
+              </a:rPr>
+              <a:t>e</a:t>
+            </a:r>
+            <a:r>
+              <a:rPr lang="en-IT" sz="1050" i="1" dirty="0">
+                <a:solidFill>
+                  <a:schemeClr val="tx1"/>
+                </a:solidFill>
+                <a:latin typeface="IBM Plex Sans" panose="020B0503050203000203" pitchFamily="34" charset="0"/>
+              </a:rPr>
+              <a:t>u-central-1c</a:t>
+            </a:r>
+          </a:p>
+        </p:txBody>
+      </p:sp>
+      <p:sp>
+        <p:nvSpPr>
+          <p:cNvPr id="47" name="Rectangle 46">
+            <a:extLst>
+              <a:ext uri="{FF2B5EF4-FFF2-40B4-BE49-F238E27FC236}">
+                <a16:creationId xmlns:a16="http://schemas.microsoft.com/office/drawing/2014/main" id="{F5002E7A-9483-B84C-B313-EFA912F861E4}"/>
+              </a:ext>
+            </a:extLst>
+          </p:cNvPr>
+          <p:cNvSpPr/>
+          <p:nvPr/>
+        </p:nvSpPr>
+        <p:spPr>
+          <a:xfrm>
+            <a:off x="1793130" y="1727140"/>
+            <a:ext cx="10182422" cy="586378"/>
+          </a:xfrm>
+          <a:prstGeom prst="rect">
+            <a:avLst/>
+          </a:prstGeom>
+          <a:solidFill>
+            <a:schemeClr val="bg1">
+              <a:lumMod val="95000"/>
+            </a:schemeClr>
+          </a:solidFill>
+          <a:ln>
+            <a:noFill/>
+          </a:ln>
+        </p:spPr>
+        <p:style>
+          <a:lnRef idx="2">
+            <a:schemeClr val="accent1">
+              <a:shade val="50000"/>
+            </a:schemeClr>
+          </a:lnRef>
+          <a:fillRef idx="1">
+            <a:schemeClr val="accent1"/>
+          </a:fillRef>
+          <a:effectRef idx="0">
+            <a:schemeClr val="accent1"/>
+          </a:effectRef>
+          <a:fontRef idx="minor">
+            <a:schemeClr val="lt1"/>
+          </a:fontRef>
+        </p:style>
+        <p:txBody>
+          <a:bodyPr rtlCol="0" anchor="t"/>
+          <a:lstStyle/>
+          <a:p>
+            <a:pPr algn="ctr"/>
+            <a:r>
+              <a:rPr lang="en-IT" sz="1000" i="1" dirty="0">
+                <a:solidFill>
+                  <a:schemeClr val="tx1"/>
+                </a:solidFill>
+                <a:latin typeface="IBM Plex Sans Condensed" panose="020B0506050203000203" pitchFamily="34" charset="77"/>
+              </a:rPr>
+              <a:t>eu-central-1b</a:t>
+            </a:r>
+          </a:p>
+        </p:txBody>
+      </p:sp>
+      <p:sp>
+        <p:nvSpPr>
+          <p:cNvPr id="4" name="Rectangle 3">
+            <a:extLst>
+              <a:ext uri="{FF2B5EF4-FFF2-40B4-BE49-F238E27FC236}">
+                <a16:creationId xmlns:a16="http://schemas.microsoft.com/office/drawing/2014/main" id="{99EA56B7-9651-EB49-AD5D-7C010C17A6ED}"/>
+              </a:ext>
+            </a:extLst>
+          </p:cNvPr>
+          <p:cNvSpPr/>
+          <p:nvPr/>
+        </p:nvSpPr>
+        <p:spPr>
+          <a:xfrm>
+            <a:off x="1888762" y="548759"/>
+            <a:ext cx="6372835" cy="5400671"/>
+          </a:xfrm>
+          <a:prstGeom prst="rect">
+            <a:avLst/>
+          </a:prstGeom>
+          <a:noFill/>
+          <a:ln>
+            <a:solidFill>
+              <a:schemeClr val="tx1"/>
+            </a:solidFill>
+            <a:prstDash val="dash"/>
+          </a:ln>
+        </p:spPr>
+        <p:style>
+          <a:lnRef idx="2">
+            <a:schemeClr val="accent1">
+              <a:shade val="50000"/>
+            </a:schemeClr>
+          </a:lnRef>
+          <a:fillRef idx="1">
+            <a:schemeClr val="accent1"/>
+          </a:fillRef>
+          <a:effectRef idx="0">
+            <a:schemeClr val="accent1"/>
+          </a:effectRef>
+          <a:fontRef idx="minor">
+            <a:schemeClr val="lt1"/>
+          </a:fontRef>
+        </p:style>
+        <p:txBody>
+          <a:bodyPr rtlCol="0" anchor="t"/>
+          <a:lstStyle/>
+          <a:p>
+            <a:r>
+              <a:rPr lang="en-GB" sz="1050" i="1" dirty="0">
+                <a:solidFill>
+                  <a:schemeClr val="tx1"/>
+                </a:solidFill>
+                <a:latin typeface="IBM Plex Sans Condensed" panose="020B0506050203000203" pitchFamily="34" charset="77"/>
+              </a:rPr>
+              <a:t>v</a:t>
+            </a:r>
+            <a:r>
+              <a:rPr lang="en-IT" sz="1050" i="1" dirty="0">
+                <a:solidFill>
+                  <a:schemeClr val="tx1"/>
+                </a:solidFill>
+                <a:latin typeface="IBM Plex Sans Condensed" panose="020B0506050203000203" pitchFamily="34" charset="77"/>
+              </a:rPr>
+              <a:t>pc 10.0.0.0/16</a:t>
+            </a:r>
+          </a:p>
+        </p:txBody>
+      </p:sp>
+      <p:pic>
+        <p:nvPicPr>
+          <p:cNvPr id="8" name="Graphic 7" descr="Laptop">
+            <a:extLst>
+              <a:ext uri="{FF2B5EF4-FFF2-40B4-BE49-F238E27FC236}">
+                <a16:creationId xmlns:a16="http://schemas.microsoft.com/office/drawing/2014/main" id="{147498BC-685A-F248-B469-F4F62E3A43D1}"/>
+              </a:ext>
+            </a:extLst>
+          </p:cNvPr>
+          <p:cNvPicPr>
+            <a:picLocks noChangeAspect="1"/>
+          </p:cNvPicPr>
+          <p:nvPr/>
+        </p:nvPicPr>
+        <p:blipFill>
+          <a:blip r:embed="rId2">
+            <a:extLst>
+              <a:ext uri="{96DAC541-7B7A-43D3-8B79-37D633B846F1}">
+                <asvg:svgBlip xmlns:asvg="http://schemas.microsoft.com/office/drawing/2016/SVG/main" r:embed="rId3"/>
+              </a:ext>
+            </a:extLst>
+          </a:blip>
+          <a:stretch>
+            <a:fillRect/>
+          </a:stretch>
+        </p:blipFill>
+        <p:spPr>
+          <a:xfrm>
+            <a:off x="103172" y="5301682"/>
+            <a:ext cx="716123" cy="716123"/>
+          </a:xfrm>
+          <a:prstGeom prst="rect">
+            <a:avLst/>
+          </a:prstGeom>
+        </p:spPr>
+      </p:pic>
+      <p:sp>
+        <p:nvSpPr>
+          <p:cNvPr id="9" name="Rounded Rectangle 8">
+            <a:extLst>
+              <a:ext uri="{FF2B5EF4-FFF2-40B4-BE49-F238E27FC236}">
+                <a16:creationId xmlns:a16="http://schemas.microsoft.com/office/drawing/2014/main" id="{6EF756E3-D2A9-4447-A114-B2105EDD2ACA}"/>
+              </a:ext>
+            </a:extLst>
+          </p:cNvPr>
+          <p:cNvSpPr/>
+          <p:nvPr/>
+        </p:nvSpPr>
+        <p:spPr>
+          <a:xfrm>
+            <a:off x="1461403" y="320642"/>
+            <a:ext cx="10595917" cy="6421061"/>
+          </a:xfrm>
+          <a:prstGeom prst="roundRect">
+            <a:avLst>
+              <a:gd name="adj" fmla="val 1950"/>
+            </a:avLst>
+          </a:prstGeom>
+          <a:noFill/>
+          <a:ln>
+            <a:solidFill>
+              <a:schemeClr val="tx1"/>
+            </a:solidFill>
+          </a:ln>
+        </p:spPr>
+        <p:style>
+          <a:lnRef idx="2">
+            <a:schemeClr val="accent1">
+              <a:shade val="50000"/>
+            </a:schemeClr>
+          </a:lnRef>
+          <a:fillRef idx="1">
+            <a:schemeClr val="accent1"/>
+          </a:fillRef>
+          <a:effectRef idx="0">
+            <a:schemeClr val="accent1"/>
+          </a:effectRef>
+          <a:fontRef idx="minor">
+            <a:schemeClr val="lt1"/>
+          </a:fontRef>
+        </p:style>
+        <p:txBody>
+          <a:bodyPr rtlCol="0" anchor="ctr"/>
+          <a:lstStyle/>
+          <a:p>
+            <a:pPr algn="ctr"/>
+            <a:endParaRPr lang="en-IT"/>
+          </a:p>
+        </p:txBody>
+      </p:sp>
+      <p:pic>
+        <p:nvPicPr>
+          <p:cNvPr id="17" name="Picture 16" descr="Logo&#10;&#10;Description automatically generated">
+            <a:extLst>
+              <a:ext uri="{FF2B5EF4-FFF2-40B4-BE49-F238E27FC236}">
+                <a16:creationId xmlns:a16="http://schemas.microsoft.com/office/drawing/2014/main" id="{FFBF546A-B512-5943-B1AC-2ED5BA926855}"/>
+              </a:ext>
+            </a:extLst>
+          </p:cNvPr>
+          <p:cNvPicPr>
+            <a:picLocks noChangeAspect="1"/>
+          </p:cNvPicPr>
+          <p:nvPr/>
+        </p:nvPicPr>
+        <p:blipFill>
+          <a:blip r:embed="rId4"/>
+          <a:stretch>
+            <a:fillRect/>
+          </a:stretch>
+        </p:blipFill>
+        <p:spPr>
+          <a:xfrm>
+            <a:off x="1166689" y="116290"/>
+            <a:ext cx="698500" cy="432470"/>
+          </a:xfrm>
+          <a:prstGeom prst="rect">
+            <a:avLst/>
+          </a:prstGeom>
+        </p:spPr>
+      </p:pic>
+      <p:cxnSp>
+        <p:nvCxnSpPr>
+          <p:cNvPr id="28" name="Straight Arrow Connector 27">
+            <a:extLst>
+              <a:ext uri="{FF2B5EF4-FFF2-40B4-BE49-F238E27FC236}">
+                <a16:creationId xmlns:a16="http://schemas.microsoft.com/office/drawing/2014/main" id="{54D9EADC-6C0C-CA42-B9CB-192D696E12A9}"/>
+              </a:ext>
+            </a:extLst>
+          </p:cNvPr>
+          <p:cNvCxnSpPr/>
+          <p:nvPr/>
+        </p:nvCxnSpPr>
+        <p:spPr>
+          <a:xfrm>
+            <a:off x="819295" y="5499554"/>
+            <a:ext cx="252000" cy="0"/>
+          </a:xfrm>
+          <a:prstGeom prst="straightConnector1">
+            <a:avLst/>
+          </a:prstGeom>
+          <a:ln>
+            <a:solidFill>
+              <a:schemeClr val="tx1"/>
+            </a:solidFill>
+            <a:tailEnd type="triangle"/>
+          </a:ln>
+        </p:spPr>
+        <p:style>
+          <a:lnRef idx="1">
+            <a:schemeClr val="accent1"/>
+          </a:lnRef>
+          <a:fillRef idx="0">
+            <a:schemeClr val="accent1"/>
+          </a:fillRef>
+          <a:effectRef idx="0">
+            <a:schemeClr val="accent1"/>
+          </a:effectRef>
+          <a:fontRef idx="minor">
+            <a:schemeClr val="tx1"/>
+          </a:fontRef>
+        </p:style>
+      </p:cxnSp>
+      <p:cxnSp>
+        <p:nvCxnSpPr>
+          <p:cNvPr id="33" name="Straight Arrow Connector 32">
+            <a:extLst>
+              <a:ext uri="{FF2B5EF4-FFF2-40B4-BE49-F238E27FC236}">
+                <a16:creationId xmlns:a16="http://schemas.microsoft.com/office/drawing/2014/main" id="{58325153-AEB5-FF4D-8931-F1CB9A144A72}"/>
+              </a:ext>
+            </a:extLst>
+          </p:cNvPr>
+          <p:cNvCxnSpPr>
+            <a:cxnSpLocks/>
+          </p:cNvCxnSpPr>
+          <p:nvPr/>
+        </p:nvCxnSpPr>
+        <p:spPr>
+          <a:xfrm flipH="1">
+            <a:off x="819295" y="5630689"/>
+            <a:ext cx="252000" cy="0"/>
+          </a:xfrm>
+          <a:prstGeom prst="straightConnector1">
+            <a:avLst/>
+          </a:prstGeom>
+          <a:ln>
+            <a:solidFill>
+              <a:schemeClr val="tx1"/>
+            </a:solidFill>
+            <a:tailEnd type="triangle"/>
+          </a:ln>
+        </p:spPr>
+        <p:style>
+          <a:lnRef idx="1">
+            <a:schemeClr val="accent1"/>
+          </a:lnRef>
+          <a:fillRef idx="0">
+            <a:schemeClr val="accent1"/>
+          </a:fillRef>
+          <a:effectRef idx="0">
+            <a:schemeClr val="accent1"/>
+          </a:effectRef>
+          <a:fontRef idx="minor">
+            <a:schemeClr val="tx1"/>
+          </a:fontRef>
+        </p:style>
+      </p:cxnSp>
+      <p:pic>
+        <p:nvPicPr>
+          <p:cNvPr id="1028" name="Picture 4" descr="Networking, vpc, internet, compute, copy, gateway icon - Free download">
+            <a:extLst>
+              <a:ext uri="{FF2B5EF4-FFF2-40B4-BE49-F238E27FC236}">
+                <a16:creationId xmlns:a16="http://schemas.microsoft.com/office/drawing/2014/main" id="{178F94C1-605B-7848-9A5E-BBA3D5CDE1AC}"/>
+              </a:ext>
+            </a:extLst>
+          </p:cNvPr>
+          <p:cNvPicPr>
+            <a:picLocks noChangeAspect="1" noChangeArrowheads="1"/>
+          </p:cNvPicPr>
+          <p:nvPr/>
+        </p:nvPicPr>
+        <p:blipFill rotWithShape="1">
+          <a:blip r:embed="rId5">
+            <a:extLst>
+              <a:ext uri="{28A0092B-C50C-407E-A947-70E740481C1C}">
+                <a14:useLocalDpi xmlns:a14="http://schemas.microsoft.com/office/drawing/2010/main" val="0"/>
+              </a:ext>
+            </a:extLst>
+          </a:blip>
+          <a:srcRect l="20106" t="14111" r="21440" b="21359"/>
+          <a:stretch/>
+        </p:blipFill>
+        <p:spPr bwMode="auto">
+          <a:xfrm>
+            <a:off x="1164240" y="5265695"/>
+            <a:ext cx="618032" cy="682258"/>
+          </a:xfrm>
+          <a:prstGeom prst="rect">
+            <a:avLst/>
+          </a:prstGeom>
+          <a:noFill/>
+          <a:extLst>
+            <a:ext uri="{909E8E84-426E-40DD-AFC4-6F175D3DCCD1}">
+              <a14:hiddenFill xmlns:a14="http://schemas.microsoft.com/office/drawing/2010/main">
+                <a:solidFill>
+                  <a:srgbClr val="FFFFFF"/>
+                </a:solidFill>
+              </a14:hiddenFill>
+            </a:ext>
+          </a:extLst>
+        </p:spPr>
+      </p:pic>
+      <p:grpSp>
+        <p:nvGrpSpPr>
+          <p:cNvPr id="12" name="Group 11">
+            <a:extLst>
+              <a:ext uri="{FF2B5EF4-FFF2-40B4-BE49-F238E27FC236}">
+                <a16:creationId xmlns:a16="http://schemas.microsoft.com/office/drawing/2014/main" id="{300048D2-A94D-BE40-BE11-98F2DFF2A78B}"/>
+              </a:ext>
+            </a:extLst>
+          </p:cNvPr>
+          <p:cNvGrpSpPr/>
+          <p:nvPr/>
+        </p:nvGrpSpPr>
+        <p:grpSpPr>
+          <a:xfrm>
+            <a:off x="2398137" y="3188404"/>
+            <a:ext cx="1344961" cy="1374953"/>
+            <a:chOff x="5271093" y="2723564"/>
+            <a:chExt cx="2029889" cy="2098873"/>
+          </a:xfrm>
+        </p:grpSpPr>
+        <p:sp>
+          <p:nvSpPr>
+            <p:cNvPr id="14" name="Rectangle 13">
+              <a:extLst>
+                <a:ext uri="{FF2B5EF4-FFF2-40B4-BE49-F238E27FC236}">
+                  <a16:creationId xmlns:a16="http://schemas.microsoft.com/office/drawing/2014/main" id="{335818A1-C636-7E4A-A9DC-B4599DE14137}"/>
+                </a:ext>
+              </a:extLst>
+            </p:cNvPr>
+            <p:cNvSpPr/>
+            <p:nvPr/>
+          </p:nvSpPr>
+          <p:spPr>
+            <a:xfrm>
+              <a:off x="5453134" y="2723564"/>
+              <a:ext cx="1847848" cy="1985963"/>
+            </a:xfrm>
+            <a:prstGeom prst="rect">
+              <a:avLst/>
+            </a:prstGeom>
+            <a:noFill/>
+            <a:ln>
+              <a:solidFill>
+                <a:schemeClr val="tx1"/>
+              </a:solidFill>
+              <a:prstDash val="dash"/>
+            </a:ln>
+          </p:spPr>
+          <p:style>
+            <a:lnRef idx="2">
+              <a:schemeClr val="accent1">
+                <a:shade val="50000"/>
+              </a:schemeClr>
+            </a:lnRef>
+            <a:fillRef idx="1">
+              <a:schemeClr val="accent1"/>
+            </a:fillRef>
+            <a:effectRef idx="0">
+              <a:schemeClr val="accent1"/>
+            </a:effectRef>
+            <a:fontRef idx="minor">
+              <a:schemeClr val="lt1"/>
+            </a:fontRef>
+          </p:style>
+          <p:txBody>
+            <a:bodyPr rtlCol="0" anchor="t"/>
+            <a:lstStyle/>
+            <a:p>
+              <a:r>
+                <a:rPr lang="it-IT" sz="1000" i="1" dirty="0">
+                  <a:solidFill>
+                    <a:schemeClr val="tx1"/>
+                  </a:solidFill>
+                  <a:latin typeface="IBM Plex Sans Condensed" panose="020B0506050203000203" pitchFamily="34" charset="77"/>
+                </a:rPr>
+                <a:t>security-group-ec2</a:t>
+              </a:r>
+              <a:endParaRPr lang="en-IT" sz="1000" i="1" dirty="0">
+                <a:solidFill>
+                  <a:schemeClr val="tx1"/>
+                </a:solidFill>
+                <a:latin typeface="IBM Plex Sans Condensed" panose="020B0506050203000203" pitchFamily="34" charset="77"/>
+              </a:endParaRPr>
+            </a:p>
+          </p:txBody>
+        </p:sp>
+        <p:pic>
+          <p:nvPicPr>
+            <p:cNvPr id="3" name="Picture 2" descr="Icon&#10;&#10;Description automatically generated">
+              <a:extLst>
+                <a:ext uri="{FF2B5EF4-FFF2-40B4-BE49-F238E27FC236}">
+                  <a16:creationId xmlns:a16="http://schemas.microsoft.com/office/drawing/2014/main" id="{13A00651-77CC-694D-9065-4DF486FD91DD}"/>
+                </a:ext>
+              </a:extLst>
+            </p:cNvPr>
+            <p:cNvPicPr>
+              <a:picLocks noChangeAspect="1"/>
+            </p:cNvPicPr>
+            <p:nvPr/>
+          </p:nvPicPr>
+          <p:blipFill>
+            <a:blip r:embed="rId6">
+              <a:extLst>
+                <a:ext uri="{837473B0-CC2E-450A-ABE3-18F120FF3D39}">
+                  <a1611:picAttrSrcUrl xmlns:a1611="http://schemas.microsoft.com/office/drawing/2016/11/main" r:id="rId7"/>
+                </a:ext>
+              </a:extLst>
+            </a:blip>
+            <a:stretch>
+              <a:fillRect/>
+            </a:stretch>
+          </p:blipFill>
+          <p:spPr>
+            <a:xfrm>
+              <a:off x="5980948" y="3350166"/>
+              <a:ext cx="758294" cy="758294"/>
+            </a:xfrm>
+            <a:prstGeom prst="rect">
+              <a:avLst/>
+            </a:prstGeom>
+          </p:spPr>
+        </p:pic>
+        <p:sp>
+          <p:nvSpPr>
+            <p:cNvPr id="42" name="TextBox 41">
+              <a:extLst>
+                <a:ext uri="{FF2B5EF4-FFF2-40B4-BE49-F238E27FC236}">
+                  <a16:creationId xmlns:a16="http://schemas.microsoft.com/office/drawing/2014/main" id="{ED9C0D9E-95F4-1E4F-A565-747CEBCAFC7E}"/>
+                </a:ext>
+              </a:extLst>
+            </p:cNvPr>
+            <p:cNvSpPr txBox="1"/>
+            <p:nvPr/>
+          </p:nvSpPr>
+          <p:spPr>
+            <a:xfrm>
+              <a:off x="5905015" y="4072346"/>
+              <a:ext cx="1217412" cy="375858"/>
+            </a:xfrm>
+            <a:prstGeom prst="rect">
+              <a:avLst/>
+            </a:prstGeom>
+            <a:noFill/>
+          </p:spPr>
+          <p:txBody>
+            <a:bodyPr wrap="none" rtlCol="0">
+              <a:spAutoFit/>
+            </a:bodyPr>
+            <a:lstStyle/>
+            <a:p>
+              <a:r>
+                <a:rPr lang="en-IT" sz="1000" b="1" i="1" dirty="0">
+                  <a:latin typeface="IBM Plex Sans Condensed" panose="020B0506050203000203" pitchFamily="34" charset="77"/>
+                </a:rPr>
+                <a:t>EC2 istance</a:t>
+              </a:r>
+            </a:p>
+          </p:txBody>
+        </p:sp>
+        <p:pic>
+          <p:nvPicPr>
+            <p:cNvPr id="38" name="Graphic 37" descr="Lock">
+              <a:extLst>
+                <a:ext uri="{FF2B5EF4-FFF2-40B4-BE49-F238E27FC236}">
+                  <a16:creationId xmlns:a16="http://schemas.microsoft.com/office/drawing/2014/main" id="{9EA813B4-C8CA-D244-972C-B36E479A3855}"/>
+                </a:ext>
+              </a:extLst>
+            </p:cNvPr>
+            <p:cNvPicPr>
+              <a:picLocks noChangeAspect="1"/>
+            </p:cNvPicPr>
+            <p:nvPr/>
+          </p:nvPicPr>
+          <p:blipFill>
+            <a:blip r:embed="rId8">
+              <a:extLst>
+                <a:ext uri="{96DAC541-7B7A-43D3-8B79-37D633B846F1}">
+                  <asvg:svgBlip xmlns:asvg="http://schemas.microsoft.com/office/drawing/2016/SVG/main" r:embed="rId9"/>
+                </a:ext>
+              </a:extLst>
+            </a:blip>
+            <a:stretch>
+              <a:fillRect/>
+            </a:stretch>
+          </p:blipFill>
+          <p:spPr>
+            <a:xfrm>
+              <a:off x="5271093" y="4436147"/>
+              <a:ext cx="386290" cy="386290"/>
+            </a:xfrm>
+            <a:prstGeom prst="rect">
+              <a:avLst/>
+            </a:prstGeom>
+          </p:spPr>
+        </p:pic>
+      </p:grpSp>
+      <p:grpSp>
+        <p:nvGrpSpPr>
+          <p:cNvPr id="18" name="Group 17">
+            <a:extLst>
+              <a:ext uri="{FF2B5EF4-FFF2-40B4-BE49-F238E27FC236}">
+                <a16:creationId xmlns:a16="http://schemas.microsoft.com/office/drawing/2014/main" id="{AB6BE12A-27C9-1A48-A675-6F813DAD0169}"/>
+              </a:ext>
+            </a:extLst>
+          </p:cNvPr>
+          <p:cNvGrpSpPr/>
+          <p:nvPr/>
+        </p:nvGrpSpPr>
+        <p:grpSpPr>
+          <a:xfrm>
+            <a:off x="3873205" y="3184308"/>
+            <a:ext cx="1224345" cy="1391648"/>
+            <a:chOff x="8760642" y="2727632"/>
+            <a:chExt cx="1995263" cy="2089418"/>
+          </a:xfrm>
+        </p:grpSpPr>
+        <p:pic>
+          <p:nvPicPr>
+            <p:cNvPr id="1026" name="Picture 2" descr="New Trivadis Training – AWS RDS for Oracle – daniel8192">
+              <a:extLst>
+                <a:ext uri="{FF2B5EF4-FFF2-40B4-BE49-F238E27FC236}">
+                  <a16:creationId xmlns:a16="http://schemas.microsoft.com/office/drawing/2014/main" id="{034F7943-1685-6149-996D-76C72C66B92A}"/>
+                </a:ext>
+              </a:extLst>
+            </p:cNvPr>
+            <p:cNvPicPr>
+              <a:picLocks noChangeAspect="1" noChangeArrowheads="1"/>
+            </p:cNvPicPr>
+            <p:nvPr/>
+          </p:nvPicPr>
+          <p:blipFill>
+            <a:blip r:embed="rId10">
+              <a:extLst>
+                <a:ext uri="{28A0092B-C50C-407E-A947-70E740481C1C}">
+                  <a14:useLocalDpi xmlns:a14="http://schemas.microsoft.com/office/drawing/2010/main" val="0"/>
+                </a:ext>
+              </a:extLst>
+            </a:blip>
+            <a:srcRect/>
+            <a:stretch>
+              <a:fillRect/>
+            </a:stretch>
+          </p:blipFill>
+          <p:spPr bwMode="auto">
+            <a:xfrm>
+              <a:off x="9464713" y="3447484"/>
+              <a:ext cx="745388" cy="745388"/>
+            </a:xfrm>
+            <a:prstGeom prst="rect">
+              <a:avLst/>
+            </a:prstGeom>
+            <a:noFill/>
+            <a:extLst>
+              <a:ext uri="{909E8E84-426E-40DD-AFC4-6F175D3DCCD1}">
+                <a14:hiddenFill xmlns:a14="http://schemas.microsoft.com/office/drawing/2010/main">
+                  <a:solidFill>
+                    <a:srgbClr val="FFFFFF"/>
+                  </a:solidFill>
+                </a14:hiddenFill>
+              </a:ext>
+            </a:extLst>
+          </p:spPr>
+        </p:pic>
+        <p:sp>
+          <p:nvSpPr>
+            <p:cNvPr id="7" name="Rectangle 6">
+              <a:extLst>
+                <a:ext uri="{FF2B5EF4-FFF2-40B4-BE49-F238E27FC236}">
+                  <a16:creationId xmlns:a16="http://schemas.microsoft.com/office/drawing/2014/main" id="{4DD0E37F-F829-7B4C-98F7-6205B132B3A2}"/>
+                </a:ext>
+              </a:extLst>
+            </p:cNvPr>
+            <p:cNvSpPr/>
+            <p:nvPr/>
+          </p:nvSpPr>
+          <p:spPr>
+            <a:xfrm>
+              <a:off x="8908057" y="2727632"/>
+              <a:ext cx="1847848" cy="1985963"/>
+            </a:xfrm>
+            <a:prstGeom prst="rect">
+              <a:avLst/>
+            </a:prstGeom>
+            <a:noFill/>
+            <a:ln>
+              <a:solidFill>
+                <a:schemeClr val="tx1"/>
+              </a:solidFill>
+              <a:prstDash val="dash"/>
+            </a:ln>
+          </p:spPr>
+          <p:style>
+            <a:lnRef idx="2">
+              <a:schemeClr val="accent1">
+                <a:shade val="50000"/>
+              </a:schemeClr>
+            </a:lnRef>
+            <a:fillRef idx="1">
+              <a:schemeClr val="accent1"/>
+            </a:fillRef>
+            <a:effectRef idx="0">
+              <a:schemeClr val="accent1"/>
+            </a:effectRef>
+            <a:fontRef idx="minor">
+              <a:schemeClr val="lt1"/>
+            </a:fontRef>
+          </p:style>
+          <p:txBody>
+            <a:bodyPr rtlCol="0" anchor="t"/>
+            <a:lstStyle/>
+            <a:p>
+              <a:r>
+                <a:rPr lang="it-IT" sz="900" i="1" dirty="0">
+                  <a:solidFill>
+                    <a:schemeClr val="tx1"/>
+                  </a:solidFill>
+                  <a:latin typeface="IBM Plex Sans Condensed" panose="020B0506050203000203" pitchFamily="34" charset="77"/>
+                </a:rPr>
+                <a:t>security-</a:t>
+              </a:r>
+              <a:r>
+                <a:rPr lang="it-IT" sz="900" i="1" dirty="0" err="1">
+                  <a:solidFill>
+                    <a:schemeClr val="tx1"/>
+                  </a:solidFill>
+                  <a:latin typeface="IBM Plex Sans Condensed" panose="020B0506050203000203" pitchFamily="34" charset="77"/>
+                </a:rPr>
+                <a:t>group</a:t>
+              </a:r>
+              <a:r>
+                <a:rPr lang="it-IT" sz="900" i="1" dirty="0">
+                  <a:solidFill>
+                    <a:schemeClr val="tx1"/>
+                  </a:solidFill>
+                  <a:latin typeface="IBM Plex Sans Condensed" panose="020B0506050203000203" pitchFamily="34" charset="77"/>
+                </a:rPr>
+                <a:t>-</a:t>
+              </a:r>
+              <a:r>
+                <a:rPr lang="it-IT" sz="900" i="1" dirty="0" err="1">
+                  <a:solidFill>
+                    <a:schemeClr val="tx1"/>
+                  </a:solidFill>
+                  <a:latin typeface="IBM Plex Sans Condensed" panose="020B0506050203000203" pitchFamily="34" charset="77"/>
+                </a:rPr>
+                <a:t>db</a:t>
+              </a:r>
+              <a:endParaRPr lang="en-IT" sz="900" i="1" dirty="0">
+                <a:solidFill>
+                  <a:schemeClr val="tx1"/>
+                </a:solidFill>
+                <a:latin typeface="IBM Plex Sans Condensed" panose="020B0506050203000203" pitchFamily="34" charset="77"/>
+              </a:endParaRPr>
+            </a:p>
+          </p:txBody>
+        </p:sp>
+        <p:pic>
+          <p:nvPicPr>
+            <p:cNvPr id="30" name="Picture 29" descr="Logo&#10;&#10;Description automatically generated">
+              <a:extLst>
+                <a:ext uri="{FF2B5EF4-FFF2-40B4-BE49-F238E27FC236}">
+                  <a16:creationId xmlns:a16="http://schemas.microsoft.com/office/drawing/2014/main" id="{1CEC6E91-6027-EF4E-BA29-36FC41FDF3DD}"/>
+                </a:ext>
+              </a:extLst>
+            </p:cNvPr>
+            <p:cNvPicPr>
+              <a:picLocks noChangeAspect="1"/>
+            </p:cNvPicPr>
+            <p:nvPr/>
+          </p:nvPicPr>
+          <p:blipFill>
+            <a:blip r:embed="rId11">
+              <a:extLst>
+                <a:ext uri="{837473B0-CC2E-450A-ABE3-18F120FF3D39}">
+                  <a1611:picAttrSrcUrl xmlns:a1611="http://schemas.microsoft.com/office/drawing/2016/11/main" r:id="rId12"/>
+                </a:ext>
+              </a:extLst>
+            </a:blip>
+            <a:stretch>
+              <a:fillRect/>
+            </a:stretch>
+          </p:blipFill>
+          <p:spPr>
+            <a:xfrm>
+              <a:off x="9515533" y="2968878"/>
+              <a:ext cx="657113" cy="455598"/>
+            </a:xfrm>
+            <a:prstGeom prst="rect">
+              <a:avLst/>
+            </a:prstGeom>
+          </p:spPr>
+        </p:pic>
+        <p:sp>
+          <p:nvSpPr>
+            <p:cNvPr id="32" name="TextBox 31">
+              <a:extLst>
+                <a:ext uri="{FF2B5EF4-FFF2-40B4-BE49-F238E27FC236}">
+                  <a16:creationId xmlns:a16="http://schemas.microsoft.com/office/drawing/2014/main" id="{D948D485-5579-6640-8FA8-79BBCA3C341D}"/>
+                </a:ext>
+              </a:extLst>
+            </p:cNvPr>
+            <p:cNvSpPr txBox="1"/>
+            <p:nvPr/>
+          </p:nvSpPr>
+          <p:spPr>
+            <a:xfrm>
+              <a:off x="9345291" y="4177156"/>
+              <a:ext cx="1213707" cy="352159"/>
+            </a:xfrm>
+            <a:prstGeom prst="rect">
+              <a:avLst/>
+            </a:prstGeom>
+            <a:noFill/>
+          </p:spPr>
+          <p:txBody>
+            <a:bodyPr wrap="none" rtlCol="0">
+              <a:spAutoFit/>
+            </a:bodyPr>
+            <a:lstStyle/>
+            <a:p>
+              <a:r>
+                <a:rPr lang="en-IT" sz="900" b="1" i="1" dirty="0">
+                  <a:latin typeface="IBM Plex Sans Condensed" panose="020B0506050203000203" pitchFamily="34" charset="77"/>
+                </a:rPr>
+                <a:t>RDS istance</a:t>
+              </a:r>
+            </a:p>
+          </p:txBody>
+        </p:sp>
+        <p:pic>
+          <p:nvPicPr>
+            <p:cNvPr id="45" name="Graphic 44" descr="Lock">
+              <a:extLst>
+                <a:ext uri="{FF2B5EF4-FFF2-40B4-BE49-F238E27FC236}">
+                  <a16:creationId xmlns:a16="http://schemas.microsoft.com/office/drawing/2014/main" id="{44D1EF87-204D-7B49-AB87-1E487296758A}"/>
+                </a:ext>
+              </a:extLst>
+            </p:cNvPr>
+            <p:cNvPicPr>
+              <a:picLocks noChangeAspect="1"/>
+            </p:cNvPicPr>
+            <p:nvPr/>
+          </p:nvPicPr>
+          <p:blipFill>
+            <a:blip r:embed="rId8">
+              <a:extLst>
+                <a:ext uri="{96DAC541-7B7A-43D3-8B79-37D633B846F1}">
+                  <asvg:svgBlip xmlns:asvg="http://schemas.microsoft.com/office/drawing/2016/SVG/main" r:embed="rId9"/>
+                </a:ext>
+              </a:extLst>
+            </a:blip>
+            <a:stretch>
+              <a:fillRect/>
+            </a:stretch>
+          </p:blipFill>
+          <p:spPr>
+            <a:xfrm>
+              <a:off x="8760642" y="4430760"/>
+              <a:ext cx="386290" cy="386290"/>
+            </a:xfrm>
+            <a:prstGeom prst="rect">
+              <a:avLst/>
+            </a:prstGeom>
+          </p:spPr>
+        </p:pic>
+      </p:grpSp>
+      <p:pic>
+        <p:nvPicPr>
+          <p:cNvPr id="2" name="Picture 2" descr="varunchandak (Varun Chandak) · GitHub">
+            <a:extLst>
+              <a:ext uri="{FF2B5EF4-FFF2-40B4-BE49-F238E27FC236}">
+                <a16:creationId xmlns:a16="http://schemas.microsoft.com/office/drawing/2014/main" id="{3A3A440E-CEC0-D54A-AE6B-3FB393740196}"/>
+              </a:ext>
+            </a:extLst>
+          </p:cNvPr>
+          <p:cNvPicPr>
+            <a:picLocks noChangeAspect="1" noChangeArrowheads="1"/>
+          </p:cNvPicPr>
+          <p:nvPr/>
+        </p:nvPicPr>
+        <p:blipFill>
+          <a:blip r:embed="rId13">
+            <a:extLst>
+              <a:ext uri="{28A0092B-C50C-407E-A947-70E740481C1C}">
+                <a14:useLocalDpi xmlns:a14="http://schemas.microsoft.com/office/drawing/2010/main" val="0"/>
+              </a:ext>
+            </a:extLst>
+          </a:blip>
+          <a:srcRect/>
+          <a:stretch>
+            <a:fillRect/>
+          </a:stretch>
+        </p:blipFill>
+        <p:spPr bwMode="auto">
+          <a:xfrm>
+            <a:off x="7532997" y="6097304"/>
+            <a:ext cx="540550" cy="540550"/>
+          </a:xfrm>
+          <a:prstGeom prst="rect">
+            <a:avLst/>
+          </a:prstGeom>
+          <a:noFill/>
+          <a:extLst>
+            <a:ext uri="{909E8E84-426E-40DD-AFC4-6F175D3DCCD1}">
+              <a14:hiddenFill xmlns:a14="http://schemas.microsoft.com/office/drawing/2010/main">
+                <a:solidFill>
+                  <a:srgbClr val="FFFFFF"/>
+                </a:solidFill>
+              </a14:hiddenFill>
+            </a:ext>
+          </a:extLst>
+        </p:spPr>
+      </p:pic>
+      <p:sp>
+        <p:nvSpPr>
+          <p:cNvPr id="39" name="TextBox 38">
+            <a:extLst>
+              <a:ext uri="{FF2B5EF4-FFF2-40B4-BE49-F238E27FC236}">
+                <a16:creationId xmlns:a16="http://schemas.microsoft.com/office/drawing/2014/main" id="{35A70FFC-1841-194C-8D2C-099FA74C01FA}"/>
+              </a:ext>
+            </a:extLst>
+          </p:cNvPr>
+          <p:cNvSpPr txBox="1"/>
+          <p:nvPr/>
+        </p:nvSpPr>
+        <p:spPr>
+          <a:xfrm>
+            <a:off x="6221844" y="6053943"/>
+            <a:ext cx="1218602" cy="646331"/>
+          </a:xfrm>
+          <a:prstGeom prst="rect">
+            <a:avLst/>
+          </a:prstGeom>
+          <a:noFill/>
+        </p:spPr>
+        <p:txBody>
+          <a:bodyPr wrap="none" rtlCol="0">
+            <a:spAutoFit/>
+          </a:bodyPr>
+          <a:lstStyle/>
+          <a:p>
+            <a:pPr algn="r"/>
+            <a:r>
+              <a:rPr lang="en-IT" sz="1200" b="1" i="1" dirty="0">
+                <a:latin typeface="IBM Plex Sans Condensed" panose="020B0506050203000203" pitchFamily="34" charset="77"/>
+              </a:rPr>
+              <a:t>SecretsManager</a:t>
+            </a:r>
+          </a:p>
+          <a:p>
+            <a:pPr algn="r"/>
+            <a:r>
+              <a:rPr lang="it-IT" sz="1200" i="1" dirty="0">
+                <a:latin typeface="IBM Plex Sans Condensed" panose="020B0506050203000203" pitchFamily="34" charset="77"/>
+              </a:rPr>
+              <a:t>User /Password</a:t>
+            </a:r>
+          </a:p>
+          <a:p>
+            <a:pPr algn="r"/>
+            <a:r>
+              <a:rPr lang="it-IT" sz="1200" i="1" dirty="0" err="1">
+                <a:latin typeface="IBM Plex Sans Condensed" panose="020B0506050203000203" pitchFamily="34" charset="77"/>
+              </a:rPr>
+              <a:t>db</a:t>
+            </a:r>
+            <a:r>
+              <a:rPr lang="it-IT" sz="1200" i="1" dirty="0">
+                <a:latin typeface="IBM Plex Sans Condensed" panose="020B0506050203000203" pitchFamily="34" charset="77"/>
+              </a:rPr>
+              <a:t> domain</a:t>
+            </a:r>
+            <a:endParaRPr lang="en-IT" sz="1200" i="1" dirty="0">
+              <a:latin typeface="IBM Plex Sans Condensed" panose="020B0506050203000203" pitchFamily="34" charset="77"/>
+            </a:endParaRPr>
+          </a:p>
+        </p:txBody>
+      </p:sp>
+      <p:pic>
+        <p:nvPicPr>
+          <p:cNvPr id="6" name="Picture 2" descr="IAM Role | AWS Security Identity &amp; Compliance">
+            <a:extLst>
+              <a:ext uri="{FF2B5EF4-FFF2-40B4-BE49-F238E27FC236}">
+                <a16:creationId xmlns:a16="http://schemas.microsoft.com/office/drawing/2014/main" id="{AA42BF06-4D4D-AA45-83AF-2ADE3D100063}"/>
+              </a:ext>
+            </a:extLst>
+          </p:cNvPr>
+          <p:cNvPicPr>
+            <a:picLocks noChangeAspect="1" noChangeArrowheads="1"/>
+          </p:cNvPicPr>
+          <p:nvPr/>
+        </p:nvPicPr>
+        <p:blipFill>
+          <a:blip r:embed="rId14">
+            <a:extLst>
+              <a:ext uri="{28A0092B-C50C-407E-A947-70E740481C1C}">
+                <a14:useLocalDpi xmlns:a14="http://schemas.microsoft.com/office/drawing/2010/main" val="0"/>
+              </a:ext>
+            </a:extLst>
+          </a:blip>
+          <a:srcRect/>
+          <a:stretch>
+            <a:fillRect/>
+          </a:stretch>
+        </p:blipFill>
+        <p:spPr bwMode="auto">
+          <a:xfrm>
+            <a:off x="5097729" y="6097192"/>
+            <a:ext cx="540000" cy="540000"/>
+          </a:xfrm>
+          <a:prstGeom prst="rect">
+            <a:avLst/>
+          </a:prstGeom>
+          <a:noFill/>
+          <a:extLst>
+            <a:ext uri="{909E8E84-426E-40DD-AFC4-6F175D3DCCD1}">
+              <a14:hiddenFill xmlns:a14="http://schemas.microsoft.com/office/drawing/2010/main">
+                <a:solidFill>
+                  <a:srgbClr val="FFFFFF"/>
+                </a:solidFill>
+              </a14:hiddenFill>
+            </a:ext>
+          </a:extLst>
+        </p:spPr>
+      </p:pic>
+      <p:sp>
+        <p:nvSpPr>
+          <p:cNvPr id="44" name="TextBox 43">
+            <a:extLst>
+              <a:ext uri="{FF2B5EF4-FFF2-40B4-BE49-F238E27FC236}">
+                <a16:creationId xmlns:a16="http://schemas.microsoft.com/office/drawing/2014/main" id="{F58757AE-94EE-7D4D-9DBB-A5C0E3666E78}"/>
+              </a:ext>
+            </a:extLst>
+          </p:cNvPr>
+          <p:cNvSpPr txBox="1"/>
+          <p:nvPr/>
+        </p:nvSpPr>
+        <p:spPr>
+          <a:xfrm>
+            <a:off x="3822230" y="6053943"/>
+            <a:ext cx="1201016" cy="646331"/>
+          </a:xfrm>
+          <a:prstGeom prst="rect">
+            <a:avLst/>
+          </a:prstGeom>
+          <a:noFill/>
+        </p:spPr>
+        <p:txBody>
+          <a:bodyPr wrap="square" rtlCol="0">
+            <a:spAutoFit/>
+          </a:bodyPr>
+          <a:lstStyle/>
+          <a:p>
+            <a:pPr algn="r"/>
+            <a:r>
+              <a:rPr lang="en-IT" sz="1200" b="1" i="1" dirty="0">
+                <a:latin typeface="IBM Plex Sans Condensed" panose="020B0506050203000203" pitchFamily="34" charset="77"/>
+              </a:rPr>
+              <a:t>IAM Role</a:t>
+            </a:r>
+          </a:p>
+          <a:p>
+            <a:pPr algn="r"/>
+            <a:r>
+              <a:rPr lang="it-IT" sz="1200" i="1" dirty="0" err="1">
+                <a:latin typeface="IBM Plex Sans Condensed" panose="020B0506050203000203" pitchFamily="34" charset="77"/>
+              </a:rPr>
+              <a:t>Let</a:t>
+            </a:r>
+            <a:r>
+              <a:rPr lang="it-IT" sz="1200" i="1" dirty="0">
+                <a:latin typeface="IBM Plex Sans Condensed" panose="020B0506050203000203" pitchFamily="34" charset="77"/>
+              </a:rPr>
+              <a:t> EC2 </a:t>
+            </a:r>
+            <a:r>
+              <a:rPr lang="it-IT" sz="1200" i="1" dirty="0" err="1">
+                <a:latin typeface="IBM Plex Sans Condensed" panose="020B0506050203000203" pitchFamily="34" charset="77"/>
+              </a:rPr>
+              <a:t>istance</a:t>
+            </a:r>
+            <a:r>
+              <a:rPr lang="it-IT" sz="1200" i="1" dirty="0">
+                <a:latin typeface="IBM Plex Sans Condensed" panose="020B0506050203000203" pitchFamily="34" charset="77"/>
+              </a:rPr>
+              <a:t> to </a:t>
+            </a:r>
+            <a:r>
+              <a:rPr lang="it-IT" sz="1200" i="1" dirty="0" err="1">
+                <a:latin typeface="IBM Plex Sans Condensed" panose="020B0506050203000203" pitchFamily="34" charset="77"/>
+              </a:rPr>
+              <a:t>read</a:t>
+            </a:r>
+            <a:r>
+              <a:rPr lang="it-IT" sz="1200" i="1" dirty="0">
+                <a:latin typeface="IBM Plex Sans Condensed" panose="020B0506050203000203" pitchFamily="34" charset="77"/>
+              </a:rPr>
+              <a:t> secret</a:t>
+            </a:r>
+            <a:endParaRPr lang="en-IT" sz="1200" i="1" dirty="0">
+              <a:latin typeface="IBM Plex Sans Condensed" panose="020B0506050203000203" pitchFamily="34" charset="77"/>
+            </a:endParaRPr>
+          </a:p>
+        </p:txBody>
+      </p:sp>
+      <p:sp>
+        <p:nvSpPr>
+          <p:cNvPr id="50" name="Rectangle 49">
+            <a:extLst>
+              <a:ext uri="{FF2B5EF4-FFF2-40B4-BE49-F238E27FC236}">
+                <a16:creationId xmlns:a16="http://schemas.microsoft.com/office/drawing/2014/main" id="{B39A5CAC-1E34-5042-AFBC-A5484DD427F2}"/>
+              </a:ext>
+            </a:extLst>
+          </p:cNvPr>
+          <p:cNvSpPr/>
+          <p:nvPr/>
+        </p:nvSpPr>
+        <p:spPr>
+          <a:xfrm>
+            <a:off x="5311875" y="1931717"/>
+            <a:ext cx="2834907" cy="257491"/>
+          </a:xfrm>
+          <a:prstGeom prst="rect">
+            <a:avLst/>
+          </a:prstGeom>
+          <a:noFill/>
+          <a:ln>
+            <a:solidFill>
+              <a:schemeClr val="tx1"/>
+            </a:solidFill>
+            <a:prstDash val="dash"/>
+          </a:ln>
+        </p:spPr>
+        <p:style>
+          <a:lnRef idx="2">
+            <a:schemeClr val="accent1">
+              <a:shade val="50000"/>
+            </a:schemeClr>
+          </a:lnRef>
+          <a:fillRef idx="1">
+            <a:schemeClr val="accent1"/>
+          </a:fillRef>
+          <a:effectRef idx="0">
+            <a:schemeClr val="accent1"/>
+          </a:effectRef>
+          <a:fontRef idx="minor">
+            <a:schemeClr val="lt1"/>
+          </a:fontRef>
+        </p:style>
+        <p:txBody>
+          <a:bodyPr rtlCol="0" anchor="t"/>
+          <a:lstStyle/>
+          <a:p>
+            <a:r>
+              <a:rPr lang="it-IT" sz="1000" i="1" dirty="0" err="1">
+                <a:solidFill>
+                  <a:schemeClr val="tx1"/>
+                </a:solidFill>
+                <a:latin typeface="IBM Plex Sans Condensed" panose="020B0506050203000203" pitchFamily="34" charset="77"/>
+              </a:rPr>
+              <a:t>subnet</a:t>
+            </a:r>
+            <a:r>
+              <a:rPr lang="en-IT" sz="1000" i="1" dirty="0">
+                <a:solidFill>
+                  <a:schemeClr val="tx1"/>
+                </a:solidFill>
+                <a:latin typeface="IBM Plex Sans Condensed" panose="020B0506050203000203" pitchFamily="34" charset="77"/>
+              </a:rPr>
+              <a:t>-private 10.0.200.0/21</a:t>
+            </a:r>
+          </a:p>
+        </p:txBody>
+      </p:sp>
+      <p:sp>
+        <p:nvSpPr>
+          <p:cNvPr id="51" name="Rectangle 50">
+            <a:extLst>
+              <a:ext uri="{FF2B5EF4-FFF2-40B4-BE49-F238E27FC236}">
+                <a16:creationId xmlns:a16="http://schemas.microsoft.com/office/drawing/2014/main" id="{CC090B7C-92BB-8048-8CEE-06A51A6E153B}"/>
+              </a:ext>
+            </a:extLst>
+          </p:cNvPr>
+          <p:cNvSpPr/>
+          <p:nvPr/>
+        </p:nvSpPr>
+        <p:spPr>
+          <a:xfrm>
+            <a:off x="5311875" y="1221388"/>
+            <a:ext cx="2834907" cy="257491"/>
+          </a:xfrm>
+          <a:prstGeom prst="rect">
+            <a:avLst/>
+          </a:prstGeom>
+          <a:noFill/>
+          <a:ln>
+            <a:solidFill>
+              <a:schemeClr val="tx1"/>
+            </a:solidFill>
+            <a:prstDash val="dash"/>
+          </a:ln>
+        </p:spPr>
+        <p:style>
+          <a:lnRef idx="2">
+            <a:schemeClr val="accent1">
+              <a:shade val="50000"/>
+            </a:schemeClr>
+          </a:lnRef>
+          <a:fillRef idx="1">
+            <a:schemeClr val="accent1"/>
+          </a:fillRef>
+          <a:effectRef idx="0">
+            <a:schemeClr val="accent1"/>
+          </a:effectRef>
+          <a:fontRef idx="minor">
+            <a:schemeClr val="lt1"/>
+          </a:fontRef>
+        </p:style>
+        <p:txBody>
+          <a:bodyPr rtlCol="0" anchor="t"/>
+          <a:lstStyle/>
+          <a:p>
+            <a:r>
+              <a:rPr lang="it-IT" sz="1000" i="1" dirty="0" err="1">
+                <a:solidFill>
+                  <a:schemeClr val="tx1"/>
+                </a:solidFill>
+                <a:latin typeface="IBM Plex Sans Condensed" panose="020B0506050203000203" pitchFamily="34" charset="77"/>
+              </a:rPr>
+              <a:t>subnet</a:t>
+            </a:r>
+            <a:r>
+              <a:rPr lang="en-IT" sz="1000" i="1" dirty="0">
+                <a:solidFill>
+                  <a:schemeClr val="tx1"/>
+                </a:solidFill>
+                <a:latin typeface="IBM Plex Sans Condensed" panose="020B0506050203000203" pitchFamily="34" charset="77"/>
+              </a:rPr>
+              <a:t>-private 10.0.208.0/21</a:t>
+            </a:r>
+          </a:p>
+        </p:txBody>
+      </p:sp>
+      <p:sp>
+        <p:nvSpPr>
+          <p:cNvPr id="52" name="Rectangle 51">
+            <a:extLst>
+              <a:ext uri="{FF2B5EF4-FFF2-40B4-BE49-F238E27FC236}">
+                <a16:creationId xmlns:a16="http://schemas.microsoft.com/office/drawing/2014/main" id="{BE12D9F7-2FB5-6848-8BAB-BE65C966119E}"/>
+              </a:ext>
+            </a:extLst>
+          </p:cNvPr>
+          <p:cNvSpPr/>
+          <p:nvPr/>
+        </p:nvSpPr>
+        <p:spPr>
+          <a:xfrm>
+            <a:off x="2386258" y="2879434"/>
+            <a:ext cx="2834907" cy="1755700"/>
+          </a:xfrm>
+          <a:prstGeom prst="rect">
+            <a:avLst/>
+          </a:prstGeom>
+          <a:noFill/>
+          <a:ln>
+            <a:solidFill>
+              <a:schemeClr val="tx1"/>
+            </a:solidFill>
+            <a:prstDash val="dash"/>
+          </a:ln>
+        </p:spPr>
+        <p:style>
+          <a:lnRef idx="2">
+            <a:schemeClr val="accent1">
+              <a:shade val="50000"/>
+            </a:schemeClr>
+          </a:lnRef>
+          <a:fillRef idx="1">
+            <a:schemeClr val="accent1"/>
+          </a:fillRef>
+          <a:effectRef idx="0">
+            <a:schemeClr val="accent1"/>
+          </a:effectRef>
+          <a:fontRef idx="minor">
+            <a:schemeClr val="lt1"/>
+          </a:fontRef>
+        </p:style>
+        <p:txBody>
+          <a:bodyPr rtlCol="0" anchor="t"/>
+          <a:lstStyle/>
+          <a:p>
+            <a:r>
+              <a:rPr lang="it-IT" sz="1000" i="1" dirty="0" err="1">
+                <a:solidFill>
+                  <a:schemeClr val="tx1"/>
+                </a:solidFill>
+                <a:latin typeface="IBM Plex Sans Condensed" panose="020B0506050203000203" pitchFamily="34" charset="77"/>
+              </a:rPr>
+              <a:t>subnet</a:t>
+            </a:r>
+            <a:r>
+              <a:rPr lang="en-IT" sz="1000" i="1" dirty="0">
+                <a:solidFill>
+                  <a:schemeClr val="tx1"/>
+                </a:solidFill>
+                <a:latin typeface="IBM Plex Sans Condensed" panose="020B0506050203000203" pitchFamily="34" charset="77"/>
+              </a:rPr>
+              <a:t>-public 10.0.128.0/20</a:t>
+            </a:r>
+          </a:p>
+        </p:txBody>
+      </p:sp>
+      <p:sp>
+        <p:nvSpPr>
+          <p:cNvPr id="54" name="TextBox 53">
+            <a:extLst>
+              <a:ext uri="{FF2B5EF4-FFF2-40B4-BE49-F238E27FC236}">
+                <a16:creationId xmlns:a16="http://schemas.microsoft.com/office/drawing/2014/main" id="{01098CE4-47A3-FF4D-B161-4D9C4540DE0E}"/>
+              </a:ext>
+            </a:extLst>
+          </p:cNvPr>
+          <p:cNvSpPr txBox="1"/>
+          <p:nvPr/>
+        </p:nvSpPr>
+        <p:spPr>
+          <a:xfrm>
+            <a:off x="653683" y="5904053"/>
+            <a:ext cx="893501" cy="430887"/>
+          </a:xfrm>
+          <a:prstGeom prst="rect">
+            <a:avLst/>
+          </a:prstGeom>
+          <a:noFill/>
+        </p:spPr>
+        <p:txBody>
+          <a:bodyPr wrap="square" rtlCol="0">
+            <a:spAutoFit/>
+          </a:bodyPr>
+          <a:lstStyle/>
+          <a:p>
+            <a:pPr algn="r"/>
+            <a:r>
+              <a:rPr lang="en-GB" sz="1100" b="1" i="1" dirty="0">
+                <a:latin typeface="IBM Plex Sans Condensed" panose="020B0506050203000203" pitchFamily="34" charset="77"/>
+              </a:rPr>
+              <a:t>I</a:t>
+            </a:r>
+            <a:r>
+              <a:rPr lang="en-IT" sz="1100" b="1" i="1" dirty="0">
+                <a:latin typeface="IBM Plex Sans Condensed" panose="020B0506050203000203" pitchFamily="34" charset="77"/>
+              </a:rPr>
+              <a:t>nternet gateway</a:t>
+            </a:r>
+          </a:p>
+        </p:txBody>
+      </p:sp>
+      <p:pic>
+        <p:nvPicPr>
+          <p:cNvPr id="16" name="Picture 4" descr="Networking, vpc, router, compute, copy icon - Free download">
+            <a:extLst>
+              <a:ext uri="{FF2B5EF4-FFF2-40B4-BE49-F238E27FC236}">
+                <a16:creationId xmlns:a16="http://schemas.microsoft.com/office/drawing/2014/main" id="{F052660A-B2F5-B74A-9F2B-AFC549C6A875}"/>
+              </a:ext>
+            </a:extLst>
+          </p:cNvPr>
+          <p:cNvPicPr>
+            <a:picLocks noChangeAspect="1" noChangeArrowheads="1"/>
+          </p:cNvPicPr>
+          <p:nvPr/>
+        </p:nvPicPr>
+        <p:blipFill rotWithShape="1">
+          <a:blip r:embed="rId15">
+            <a:extLst>
+              <a:ext uri="{28A0092B-C50C-407E-A947-70E740481C1C}">
+                <a14:useLocalDpi xmlns:a14="http://schemas.microsoft.com/office/drawing/2010/main" val="0"/>
+              </a:ext>
+            </a:extLst>
+          </a:blip>
+          <a:srcRect l="15886" t="13431" r="16811" b="17851"/>
+          <a:stretch/>
+        </p:blipFill>
+        <p:spPr bwMode="auto">
+          <a:xfrm>
+            <a:off x="1968985" y="5275660"/>
+            <a:ext cx="396000" cy="404331"/>
+          </a:xfrm>
+          <a:prstGeom prst="rect">
+            <a:avLst/>
+          </a:prstGeom>
+          <a:noFill/>
+          <a:extLst>
+            <a:ext uri="{909E8E84-426E-40DD-AFC4-6F175D3DCCD1}">
+              <a14:hiddenFill xmlns:a14="http://schemas.microsoft.com/office/drawing/2010/main">
+                <a:solidFill>
+                  <a:srgbClr val="FFFFFF"/>
+                </a:solidFill>
+              </a14:hiddenFill>
+            </a:ext>
+          </a:extLst>
+        </p:spPr>
+      </p:pic>
+      <p:cxnSp>
+        <p:nvCxnSpPr>
+          <p:cNvPr id="25" name="Elbow Connector 24">
+            <a:extLst>
+              <a:ext uri="{FF2B5EF4-FFF2-40B4-BE49-F238E27FC236}">
+                <a16:creationId xmlns:a16="http://schemas.microsoft.com/office/drawing/2014/main" id="{E9266033-C2E6-7F4C-82AE-6E008AE53232}"/>
+              </a:ext>
+            </a:extLst>
+          </p:cNvPr>
+          <p:cNvCxnSpPr>
+            <a:cxnSpLocks/>
+            <a:endCxn id="16" idx="1"/>
+          </p:cNvCxnSpPr>
+          <p:nvPr/>
+        </p:nvCxnSpPr>
+        <p:spPr>
+          <a:xfrm>
+            <a:off x="1751792" y="5474472"/>
+            <a:ext cx="217193" cy="3354"/>
+          </a:xfrm>
+          <a:prstGeom prst="bentConnector3">
+            <a:avLst>
+              <a:gd name="adj1" fmla="val 50000"/>
+            </a:avLst>
+          </a:prstGeom>
+          <a:ln w="19050">
+            <a:solidFill>
+              <a:srgbClr val="00B050"/>
+            </a:solidFill>
+          </a:ln>
+        </p:spPr>
+        <p:style>
+          <a:lnRef idx="1">
+            <a:schemeClr val="accent1"/>
+          </a:lnRef>
+          <a:fillRef idx="0">
+            <a:schemeClr val="accent1"/>
+          </a:fillRef>
+          <a:effectRef idx="0">
+            <a:schemeClr val="accent1"/>
+          </a:effectRef>
+          <a:fontRef idx="minor">
+            <a:schemeClr val="tx1"/>
+          </a:fontRef>
+        </p:style>
+      </p:cxnSp>
+      <p:cxnSp>
+        <p:nvCxnSpPr>
+          <p:cNvPr id="57" name="Elbow Connector 56">
+            <a:extLst>
+              <a:ext uri="{FF2B5EF4-FFF2-40B4-BE49-F238E27FC236}">
+                <a16:creationId xmlns:a16="http://schemas.microsoft.com/office/drawing/2014/main" id="{607DB377-5574-9445-907B-16DE50F359DA}"/>
+              </a:ext>
+            </a:extLst>
+          </p:cNvPr>
+          <p:cNvCxnSpPr>
+            <a:cxnSpLocks/>
+            <a:stCxn id="52" idx="1"/>
+          </p:cNvCxnSpPr>
+          <p:nvPr/>
+        </p:nvCxnSpPr>
+        <p:spPr>
+          <a:xfrm rot="10800000" flipV="1">
+            <a:off x="2166986" y="3757284"/>
+            <a:ext cx="219273" cy="1259296"/>
+          </a:xfrm>
+          <a:prstGeom prst="bentConnector2">
+            <a:avLst/>
+          </a:prstGeom>
+          <a:ln w="19050">
+            <a:solidFill>
+              <a:srgbClr val="00B050"/>
+            </a:solidFill>
+          </a:ln>
+        </p:spPr>
+        <p:style>
+          <a:lnRef idx="1">
+            <a:schemeClr val="accent1"/>
+          </a:lnRef>
+          <a:fillRef idx="0">
+            <a:schemeClr val="accent1"/>
+          </a:fillRef>
+          <a:effectRef idx="0">
+            <a:schemeClr val="accent1"/>
+          </a:effectRef>
+          <a:fontRef idx="minor">
+            <a:schemeClr val="tx1"/>
+          </a:fontRef>
+        </p:style>
+      </p:cxnSp>
+      <p:sp>
+        <p:nvSpPr>
+          <p:cNvPr id="86" name="Rectangle 85">
+            <a:extLst>
+              <a:ext uri="{FF2B5EF4-FFF2-40B4-BE49-F238E27FC236}">
+                <a16:creationId xmlns:a16="http://schemas.microsoft.com/office/drawing/2014/main" id="{1BEB0990-D567-9240-978F-469089FAFFFD}"/>
+              </a:ext>
+            </a:extLst>
+          </p:cNvPr>
+          <p:cNvSpPr/>
+          <p:nvPr/>
+        </p:nvSpPr>
+        <p:spPr>
+          <a:xfrm>
+            <a:off x="2376024" y="1931717"/>
+            <a:ext cx="2845141" cy="282257"/>
+          </a:xfrm>
+          <a:prstGeom prst="rect">
+            <a:avLst/>
+          </a:prstGeom>
+          <a:noFill/>
+          <a:ln>
+            <a:solidFill>
+              <a:schemeClr val="tx1"/>
+            </a:solidFill>
+            <a:prstDash val="dash"/>
+          </a:ln>
+        </p:spPr>
+        <p:style>
+          <a:lnRef idx="2">
+            <a:schemeClr val="accent1">
+              <a:shade val="50000"/>
+            </a:schemeClr>
+          </a:lnRef>
+          <a:fillRef idx="1">
+            <a:schemeClr val="accent1"/>
+          </a:fillRef>
+          <a:effectRef idx="0">
+            <a:schemeClr val="accent1"/>
+          </a:effectRef>
+          <a:fontRef idx="minor">
+            <a:schemeClr val="lt1"/>
+          </a:fontRef>
+        </p:style>
+        <p:txBody>
+          <a:bodyPr rtlCol="0" anchor="t"/>
+          <a:lstStyle/>
+          <a:p>
+            <a:r>
+              <a:rPr lang="it-IT" sz="1000" i="1" dirty="0" err="1">
+                <a:solidFill>
+                  <a:schemeClr val="tx1"/>
+                </a:solidFill>
+                <a:latin typeface="IBM Plex Sans Condensed" panose="020B0506050203000203" pitchFamily="34" charset="77"/>
+              </a:rPr>
+              <a:t>subnet</a:t>
+            </a:r>
+            <a:r>
+              <a:rPr lang="en-IT" sz="1000" i="1" dirty="0">
+                <a:solidFill>
+                  <a:schemeClr val="tx1"/>
+                </a:solidFill>
+                <a:latin typeface="IBM Plex Sans Condensed" panose="020B0506050203000203" pitchFamily="34" charset="77"/>
+              </a:rPr>
+              <a:t>-public 10.0.144.0/20</a:t>
+            </a:r>
+          </a:p>
+        </p:txBody>
+      </p:sp>
+      <p:sp>
+        <p:nvSpPr>
+          <p:cNvPr id="87" name="Rectangle 86">
+            <a:extLst>
+              <a:ext uri="{FF2B5EF4-FFF2-40B4-BE49-F238E27FC236}">
+                <a16:creationId xmlns:a16="http://schemas.microsoft.com/office/drawing/2014/main" id="{62474673-C6E1-1C4B-AA60-C47E22728A76}"/>
+              </a:ext>
+            </a:extLst>
+          </p:cNvPr>
+          <p:cNvSpPr/>
+          <p:nvPr/>
+        </p:nvSpPr>
+        <p:spPr>
+          <a:xfrm>
+            <a:off x="2376024" y="1221388"/>
+            <a:ext cx="2845141" cy="289566"/>
+          </a:xfrm>
+          <a:prstGeom prst="rect">
+            <a:avLst/>
+          </a:prstGeom>
+          <a:noFill/>
+          <a:ln>
+            <a:solidFill>
+              <a:schemeClr val="tx1"/>
+            </a:solidFill>
+            <a:prstDash val="dash"/>
+          </a:ln>
+        </p:spPr>
+        <p:style>
+          <a:lnRef idx="2">
+            <a:schemeClr val="accent1">
+              <a:shade val="50000"/>
+            </a:schemeClr>
+          </a:lnRef>
+          <a:fillRef idx="1">
+            <a:schemeClr val="accent1"/>
+          </a:fillRef>
+          <a:effectRef idx="0">
+            <a:schemeClr val="accent1"/>
+          </a:effectRef>
+          <a:fontRef idx="minor">
+            <a:schemeClr val="lt1"/>
+          </a:fontRef>
+        </p:style>
+        <p:txBody>
+          <a:bodyPr rtlCol="0" anchor="t"/>
+          <a:lstStyle/>
+          <a:p>
+            <a:r>
+              <a:rPr lang="it-IT" sz="1000" i="1" dirty="0" err="1">
+                <a:solidFill>
+                  <a:schemeClr val="tx1"/>
+                </a:solidFill>
+                <a:latin typeface="IBM Plex Sans Condensed" panose="020B0506050203000203" pitchFamily="34" charset="77"/>
+              </a:rPr>
+              <a:t>subnet</a:t>
+            </a:r>
+            <a:r>
+              <a:rPr lang="en-IT" sz="1000" i="1" dirty="0">
+                <a:solidFill>
+                  <a:schemeClr val="tx1"/>
+                </a:solidFill>
+                <a:latin typeface="IBM Plex Sans Condensed" panose="020B0506050203000203" pitchFamily="34" charset="77"/>
+              </a:rPr>
+              <a:t>-public 10.0.160.0/20</a:t>
+            </a:r>
+          </a:p>
+        </p:txBody>
+      </p:sp>
+      <p:cxnSp>
+        <p:nvCxnSpPr>
+          <p:cNvPr id="62" name="Elbow Connector 61">
+            <a:extLst>
+              <a:ext uri="{FF2B5EF4-FFF2-40B4-BE49-F238E27FC236}">
+                <a16:creationId xmlns:a16="http://schemas.microsoft.com/office/drawing/2014/main" id="{3F2AB826-7FE2-894B-B732-941097A6E504}"/>
+              </a:ext>
+            </a:extLst>
+          </p:cNvPr>
+          <p:cNvCxnSpPr>
+            <a:cxnSpLocks/>
+            <a:stCxn id="86" idx="1"/>
+            <a:endCxn id="16" idx="0"/>
+          </p:cNvCxnSpPr>
+          <p:nvPr/>
+        </p:nvCxnSpPr>
+        <p:spPr>
+          <a:xfrm rot="10800000" flipV="1">
+            <a:off x="2166986" y="2072846"/>
+            <a:ext cx="209039" cy="3202814"/>
+          </a:xfrm>
+          <a:prstGeom prst="bentConnector2">
+            <a:avLst/>
+          </a:prstGeom>
+          <a:ln w="19050">
+            <a:solidFill>
+              <a:srgbClr val="00B050"/>
+            </a:solidFill>
+          </a:ln>
+        </p:spPr>
+        <p:style>
+          <a:lnRef idx="1">
+            <a:schemeClr val="accent1"/>
+          </a:lnRef>
+          <a:fillRef idx="0">
+            <a:schemeClr val="accent1"/>
+          </a:fillRef>
+          <a:effectRef idx="0">
+            <a:schemeClr val="accent1"/>
+          </a:effectRef>
+          <a:fontRef idx="minor">
+            <a:schemeClr val="tx1"/>
+          </a:fontRef>
+        </p:style>
+      </p:cxnSp>
+      <p:cxnSp>
+        <p:nvCxnSpPr>
+          <p:cNvPr id="66" name="Elbow Connector 65">
+            <a:extLst>
+              <a:ext uri="{FF2B5EF4-FFF2-40B4-BE49-F238E27FC236}">
+                <a16:creationId xmlns:a16="http://schemas.microsoft.com/office/drawing/2014/main" id="{8EF613D2-D468-0B40-A9EC-01FD97F9610D}"/>
+              </a:ext>
+            </a:extLst>
+          </p:cNvPr>
+          <p:cNvCxnSpPr>
+            <a:cxnSpLocks/>
+            <a:stCxn id="87" idx="1"/>
+            <a:endCxn id="16" idx="0"/>
+          </p:cNvCxnSpPr>
+          <p:nvPr/>
+        </p:nvCxnSpPr>
+        <p:spPr>
+          <a:xfrm rot="10800000" flipV="1">
+            <a:off x="2166986" y="1366170"/>
+            <a:ext cx="209039" cy="3909489"/>
+          </a:xfrm>
+          <a:prstGeom prst="bentConnector2">
+            <a:avLst/>
+          </a:prstGeom>
+          <a:ln w="19050">
+            <a:solidFill>
+              <a:srgbClr val="00B050"/>
+            </a:solidFill>
+          </a:ln>
+        </p:spPr>
+        <p:style>
+          <a:lnRef idx="1">
+            <a:schemeClr val="accent1"/>
+          </a:lnRef>
+          <a:fillRef idx="0">
+            <a:schemeClr val="accent1"/>
+          </a:fillRef>
+          <a:effectRef idx="0">
+            <a:schemeClr val="accent1"/>
+          </a:effectRef>
+          <a:fontRef idx="minor">
+            <a:schemeClr val="tx1"/>
+          </a:fontRef>
+        </p:style>
+      </p:cxnSp>
+      <p:sp>
+        <p:nvSpPr>
+          <p:cNvPr id="56" name="TextBox 55">
+            <a:extLst>
+              <a:ext uri="{FF2B5EF4-FFF2-40B4-BE49-F238E27FC236}">
+                <a16:creationId xmlns:a16="http://schemas.microsoft.com/office/drawing/2014/main" id="{BDCD06D0-1DA9-0A47-A054-DBD8440E6A0D}"/>
+              </a:ext>
+            </a:extLst>
+          </p:cNvPr>
+          <p:cNvSpPr txBox="1"/>
+          <p:nvPr/>
+        </p:nvSpPr>
+        <p:spPr>
+          <a:xfrm>
+            <a:off x="0" y="807900"/>
+            <a:ext cx="1420933" cy="3600986"/>
+          </a:xfrm>
+          <a:prstGeom prst="rect">
+            <a:avLst/>
+          </a:prstGeom>
+          <a:solidFill>
+            <a:srgbClr val="FFFF00"/>
+          </a:solidFill>
+        </p:spPr>
+        <p:txBody>
+          <a:bodyPr wrap="square" rtlCol="0">
+            <a:spAutoFit/>
+          </a:bodyPr>
+          <a:lstStyle/>
+          <a:p>
+            <a:pPr algn="ctr"/>
+            <a:r>
+              <a:rPr lang="en-GB" sz="1200" b="1" dirty="0">
+                <a:solidFill>
+                  <a:srgbClr val="FF0000"/>
+                </a:solidFill>
+              </a:rPr>
+              <a:t>T</a:t>
+            </a:r>
+            <a:r>
+              <a:rPr lang="en-IT" sz="1200" b="1" dirty="0">
+                <a:solidFill>
+                  <a:srgbClr val="FF0000"/>
+                </a:solidFill>
+              </a:rPr>
+              <a:t>est</a:t>
+            </a:r>
+          </a:p>
+          <a:p>
+            <a:pPr algn="ctr"/>
+            <a:r>
+              <a:rPr lang="en-IT" sz="1200" b="1" dirty="0">
+                <a:solidFill>
+                  <a:srgbClr val="FF0000"/>
+                </a:solidFill>
+              </a:rPr>
+              <a:t>Route53 on vpc default</a:t>
+            </a:r>
+          </a:p>
+          <a:p>
+            <a:pPr algn="ctr"/>
+            <a:endParaRPr lang="en-IT" sz="1200" dirty="0">
+              <a:solidFill>
+                <a:srgbClr val="FF0000"/>
+              </a:solidFill>
+            </a:endParaRPr>
+          </a:p>
+          <a:p>
+            <a:pPr algn="ctr"/>
+            <a:r>
+              <a:rPr lang="en-IT" sz="1200" dirty="0">
+                <a:solidFill>
+                  <a:srgbClr val="FF0000"/>
+                </a:solidFill>
+              </a:rPr>
+              <a:t>Le connessioni Rosse funzionano se si punta direttamente all’endpoint RDS e non al DNS</a:t>
+            </a:r>
+          </a:p>
+          <a:p>
+            <a:pPr algn="ctr"/>
+            <a:endParaRPr lang="en-IT" sz="1200" dirty="0">
+              <a:solidFill>
+                <a:srgbClr val="FF0000"/>
+              </a:solidFill>
+            </a:endParaRPr>
+          </a:p>
+          <a:p>
+            <a:pPr algn="ctr"/>
+            <a:r>
+              <a:rPr lang="en-IT" sz="1200" dirty="0">
+                <a:solidFill>
+                  <a:srgbClr val="FF0000"/>
+                </a:solidFill>
+              </a:rPr>
+              <a:t>Per le gialle funziona la risoluzione DNS ma non sembra funzionare l’accesso da applicazione node.js</a:t>
+            </a:r>
+          </a:p>
+        </p:txBody>
+      </p:sp>
+      <p:pic>
+        <p:nvPicPr>
+          <p:cNvPr id="49" name="Graphic 48">
+            <a:extLst>
+              <a:ext uri="{FF2B5EF4-FFF2-40B4-BE49-F238E27FC236}">
+                <a16:creationId xmlns:a16="http://schemas.microsoft.com/office/drawing/2014/main" id="{7F95CA52-FC26-F042-8733-3D8F30AFC7AC}"/>
+              </a:ext>
+            </a:extLst>
+          </p:cNvPr>
+          <p:cNvPicPr>
+            <a:picLocks noChangeAspect="1"/>
+          </p:cNvPicPr>
+          <p:nvPr/>
+        </p:nvPicPr>
+        <p:blipFill>
+          <a:blip r:embed="rId16">
+            <a:extLst>
+              <a:ext uri="{96DAC541-7B7A-43D3-8B79-37D633B846F1}">
+                <asvg:svgBlip xmlns:asvg="http://schemas.microsoft.com/office/drawing/2016/SVG/main" r:embed="rId17"/>
+              </a:ext>
+            </a:extLst>
+          </a:blip>
+          <a:stretch>
+            <a:fillRect/>
+          </a:stretch>
+        </p:blipFill>
+        <p:spPr>
+          <a:xfrm>
+            <a:off x="10525444" y="5406256"/>
+            <a:ext cx="357148" cy="432591"/>
+          </a:xfrm>
+          <a:prstGeom prst="rect">
+            <a:avLst/>
+          </a:prstGeom>
+        </p:spPr>
+      </p:pic>
+      <p:sp>
+        <p:nvSpPr>
+          <p:cNvPr id="55" name="TextBox 54">
+            <a:extLst>
+              <a:ext uri="{FF2B5EF4-FFF2-40B4-BE49-F238E27FC236}">
+                <a16:creationId xmlns:a16="http://schemas.microsoft.com/office/drawing/2014/main" id="{447AA2C1-9212-F642-AAF4-F9A24EFA25DA}"/>
+              </a:ext>
+            </a:extLst>
+          </p:cNvPr>
+          <p:cNvSpPr txBox="1"/>
+          <p:nvPr/>
+        </p:nvSpPr>
+        <p:spPr>
+          <a:xfrm>
+            <a:off x="10871881" y="5325865"/>
+            <a:ext cx="996449" cy="600164"/>
+          </a:xfrm>
+          <a:prstGeom prst="rect">
+            <a:avLst/>
+          </a:prstGeom>
+          <a:noFill/>
+        </p:spPr>
+        <p:txBody>
+          <a:bodyPr wrap="square" rtlCol="0">
+            <a:spAutoFit/>
+          </a:bodyPr>
+          <a:lstStyle/>
+          <a:p>
+            <a:r>
+              <a:rPr lang="en-IT" sz="1100" b="1" i="1" dirty="0">
+                <a:latin typeface="IBM Plex Sans Condensed" panose="020B0506050203000203" pitchFamily="34" charset="77"/>
+              </a:rPr>
+              <a:t>Route53</a:t>
+            </a:r>
+          </a:p>
+          <a:p>
+            <a:r>
+              <a:rPr lang="en-GB" sz="1100" i="1" dirty="0">
+                <a:latin typeface="IBM Plex Sans Condensed" panose="020B0506050203000203" pitchFamily="34" charset="77"/>
+              </a:rPr>
+              <a:t>P</a:t>
+            </a:r>
+            <a:r>
+              <a:rPr lang="en-IT" sz="1100" i="1" dirty="0">
+                <a:latin typeface="IBM Plex Sans Condensed" panose="020B0506050203000203" pitchFamily="34" charset="77"/>
+              </a:rPr>
+              <a:t>rivate hosted zone</a:t>
+            </a:r>
+          </a:p>
+        </p:txBody>
+      </p:sp>
+      <p:pic>
+        <p:nvPicPr>
+          <p:cNvPr id="76" name="Picture 4" descr="Networking, vpc, router, compute, copy icon - Free download">
+            <a:extLst>
+              <a:ext uri="{FF2B5EF4-FFF2-40B4-BE49-F238E27FC236}">
+                <a16:creationId xmlns:a16="http://schemas.microsoft.com/office/drawing/2014/main" id="{D2F40326-7742-E841-82D5-7ADAF5704D42}"/>
+              </a:ext>
+            </a:extLst>
+          </p:cNvPr>
+          <p:cNvPicPr>
+            <a:picLocks noChangeAspect="1" noChangeArrowheads="1"/>
+          </p:cNvPicPr>
+          <p:nvPr/>
+        </p:nvPicPr>
+        <p:blipFill rotWithShape="1">
+          <a:blip r:embed="rId15">
+            <a:extLst>
+              <a:ext uri="{28A0092B-C50C-407E-A947-70E740481C1C}">
+                <a14:useLocalDpi xmlns:a14="http://schemas.microsoft.com/office/drawing/2010/main" val="0"/>
+              </a:ext>
+            </a:extLst>
+          </a:blip>
+          <a:srcRect l="15886" t="13431" r="16811" b="17851"/>
+          <a:stretch/>
+        </p:blipFill>
+        <p:spPr bwMode="auto">
+          <a:xfrm>
+            <a:off x="8480323" y="5476448"/>
+            <a:ext cx="396000" cy="404331"/>
+          </a:xfrm>
+          <a:prstGeom prst="rect">
+            <a:avLst/>
+          </a:prstGeom>
+          <a:noFill/>
+          <a:extLst>
+            <a:ext uri="{909E8E84-426E-40DD-AFC4-6F175D3DCCD1}">
+              <a14:hiddenFill xmlns:a14="http://schemas.microsoft.com/office/drawing/2010/main">
+                <a:solidFill>
+                  <a:srgbClr val="FFFFFF"/>
+                </a:solidFill>
+              </a14:hiddenFill>
+            </a:ext>
+          </a:extLst>
+        </p:spPr>
+      </p:pic>
+      <p:cxnSp>
+        <p:nvCxnSpPr>
+          <p:cNvPr id="22" name="Straight Connector 21">
+            <a:extLst>
+              <a:ext uri="{FF2B5EF4-FFF2-40B4-BE49-F238E27FC236}">
+                <a16:creationId xmlns:a16="http://schemas.microsoft.com/office/drawing/2014/main" id="{657378E5-95AD-D543-8D9B-59F8551F13FA}"/>
+              </a:ext>
+            </a:extLst>
+          </p:cNvPr>
+          <p:cNvCxnSpPr/>
+          <p:nvPr/>
+        </p:nvCxnSpPr>
+        <p:spPr>
+          <a:xfrm>
+            <a:off x="1767714" y="5708138"/>
+            <a:ext cx="6768000" cy="0"/>
+          </a:xfrm>
+          <a:prstGeom prst="line">
+            <a:avLst/>
+          </a:prstGeom>
+          <a:ln w="19050">
+            <a:solidFill>
+              <a:srgbClr val="00B050"/>
+            </a:solidFill>
+          </a:ln>
+        </p:spPr>
+        <p:style>
+          <a:lnRef idx="1">
+            <a:schemeClr val="accent1"/>
+          </a:lnRef>
+          <a:fillRef idx="0">
+            <a:schemeClr val="accent1"/>
+          </a:fillRef>
+          <a:effectRef idx="0">
+            <a:schemeClr val="accent1"/>
+          </a:effectRef>
+          <a:fontRef idx="minor">
+            <a:schemeClr val="tx1"/>
+          </a:fontRef>
+        </p:style>
+      </p:cxnSp>
+      <p:grpSp>
+        <p:nvGrpSpPr>
+          <p:cNvPr id="79" name="Group 78">
+            <a:extLst>
+              <a:ext uri="{FF2B5EF4-FFF2-40B4-BE49-F238E27FC236}">
+                <a16:creationId xmlns:a16="http://schemas.microsoft.com/office/drawing/2014/main" id="{1145C847-6A98-0A4E-811C-04EC916F5DEA}"/>
+              </a:ext>
+            </a:extLst>
+          </p:cNvPr>
+          <p:cNvGrpSpPr/>
+          <p:nvPr/>
+        </p:nvGrpSpPr>
+        <p:grpSpPr>
+          <a:xfrm>
+            <a:off x="5323754" y="3198360"/>
+            <a:ext cx="1344961" cy="1374953"/>
+            <a:chOff x="5271093" y="2723564"/>
+            <a:chExt cx="2029889" cy="2098873"/>
+          </a:xfrm>
+        </p:grpSpPr>
+        <p:sp>
+          <p:nvSpPr>
+            <p:cNvPr id="80" name="Rectangle 79">
+              <a:extLst>
+                <a:ext uri="{FF2B5EF4-FFF2-40B4-BE49-F238E27FC236}">
+                  <a16:creationId xmlns:a16="http://schemas.microsoft.com/office/drawing/2014/main" id="{F098BCC3-5797-1B4C-B7E5-D1E449DAD0C6}"/>
+                </a:ext>
+              </a:extLst>
+            </p:cNvPr>
+            <p:cNvSpPr/>
+            <p:nvPr/>
+          </p:nvSpPr>
+          <p:spPr>
+            <a:xfrm>
+              <a:off x="5453134" y="2723564"/>
+              <a:ext cx="1847848" cy="1985963"/>
+            </a:xfrm>
+            <a:prstGeom prst="rect">
+              <a:avLst/>
+            </a:prstGeom>
+            <a:noFill/>
+            <a:ln>
+              <a:solidFill>
+                <a:schemeClr val="tx1"/>
+              </a:solidFill>
+              <a:prstDash val="dash"/>
+            </a:ln>
+          </p:spPr>
+          <p:style>
+            <a:lnRef idx="2">
+              <a:schemeClr val="accent1">
+                <a:shade val="50000"/>
+              </a:schemeClr>
+            </a:lnRef>
+            <a:fillRef idx="1">
+              <a:schemeClr val="accent1"/>
+            </a:fillRef>
+            <a:effectRef idx="0">
+              <a:schemeClr val="accent1"/>
+            </a:effectRef>
+            <a:fontRef idx="minor">
+              <a:schemeClr val="lt1"/>
+            </a:fontRef>
+          </p:style>
+          <p:txBody>
+            <a:bodyPr rtlCol="0" anchor="t"/>
+            <a:lstStyle/>
+            <a:p>
+              <a:r>
+                <a:rPr lang="it-IT" sz="1000" i="1" dirty="0">
+                  <a:solidFill>
+                    <a:schemeClr val="tx1"/>
+                  </a:solidFill>
+                  <a:latin typeface="IBM Plex Sans Condensed" panose="020B0506050203000203" pitchFamily="34" charset="77"/>
+                </a:rPr>
+                <a:t>security-group-ec2</a:t>
+              </a:r>
+              <a:endParaRPr lang="en-IT" sz="1000" i="1" dirty="0">
+                <a:solidFill>
+                  <a:schemeClr val="tx1"/>
+                </a:solidFill>
+                <a:latin typeface="IBM Plex Sans Condensed" panose="020B0506050203000203" pitchFamily="34" charset="77"/>
+              </a:endParaRPr>
+            </a:p>
+          </p:txBody>
+        </p:sp>
+        <p:pic>
+          <p:nvPicPr>
+            <p:cNvPr id="81" name="Picture 80" descr="Icon&#10;&#10;Description automatically generated">
+              <a:extLst>
+                <a:ext uri="{FF2B5EF4-FFF2-40B4-BE49-F238E27FC236}">
+                  <a16:creationId xmlns:a16="http://schemas.microsoft.com/office/drawing/2014/main" id="{F4DE6EFE-F811-2A41-9C4D-EA16968580AB}"/>
+                </a:ext>
+              </a:extLst>
+            </p:cNvPr>
+            <p:cNvPicPr>
+              <a:picLocks noChangeAspect="1"/>
+            </p:cNvPicPr>
+            <p:nvPr/>
+          </p:nvPicPr>
+          <p:blipFill>
+            <a:blip r:embed="rId6">
+              <a:extLst>
+                <a:ext uri="{837473B0-CC2E-450A-ABE3-18F120FF3D39}">
+                  <a1611:picAttrSrcUrl xmlns:a1611="http://schemas.microsoft.com/office/drawing/2016/11/main" r:id="rId7"/>
+                </a:ext>
+              </a:extLst>
+            </a:blip>
+            <a:stretch>
+              <a:fillRect/>
+            </a:stretch>
+          </p:blipFill>
+          <p:spPr>
+            <a:xfrm>
+              <a:off x="5980948" y="3350166"/>
+              <a:ext cx="758294" cy="758294"/>
+            </a:xfrm>
+            <a:prstGeom prst="rect">
+              <a:avLst/>
+            </a:prstGeom>
+          </p:spPr>
+        </p:pic>
+        <p:sp>
+          <p:nvSpPr>
+            <p:cNvPr id="82" name="TextBox 81">
+              <a:extLst>
+                <a:ext uri="{FF2B5EF4-FFF2-40B4-BE49-F238E27FC236}">
+                  <a16:creationId xmlns:a16="http://schemas.microsoft.com/office/drawing/2014/main" id="{20834E85-2489-1E47-9961-8878308E5B70}"/>
+                </a:ext>
+              </a:extLst>
+            </p:cNvPr>
+            <p:cNvSpPr txBox="1"/>
+            <p:nvPr/>
+          </p:nvSpPr>
+          <p:spPr>
+            <a:xfrm>
+              <a:off x="5905015" y="4072346"/>
+              <a:ext cx="1217412" cy="375858"/>
+            </a:xfrm>
+            <a:prstGeom prst="rect">
+              <a:avLst/>
+            </a:prstGeom>
+            <a:noFill/>
+          </p:spPr>
+          <p:txBody>
+            <a:bodyPr wrap="none" rtlCol="0">
+              <a:spAutoFit/>
+            </a:bodyPr>
+            <a:lstStyle/>
+            <a:p>
+              <a:r>
+                <a:rPr lang="en-IT" sz="1000" b="1" i="1" dirty="0">
+                  <a:latin typeface="IBM Plex Sans Condensed" panose="020B0506050203000203" pitchFamily="34" charset="77"/>
+                </a:rPr>
+                <a:t>EC2 istance</a:t>
+              </a:r>
+            </a:p>
+          </p:txBody>
+        </p:sp>
+        <p:pic>
+          <p:nvPicPr>
+            <p:cNvPr id="83" name="Graphic 82" descr="Lock">
+              <a:extLst>
+                <a:ext uri="{FF2B5EF4-FFF2-40B4-BE49-F238E27FC236}">
+                  <a16:creationId xmlns:a16="http://schemas.microsoft.com/office/drawing/2014/main" id="{4AA58469-FD41-B049-89A9-173D0BE99B6D}"/>
+                </a:ext>
+              </a:extLst>
+            </p:cNvPr>
+            <p:cNvPicPr>
+              <a:picLocks noChangeAspect="1"/>
+            </p:cNvPicPr>
+            <p:nvPr/>
+          </p:nvPicPr>
+          <p:blipFill>
+            <a:blip r:embed="rId8">
+              <a:extLst>
+                <a:ext uri="{96DAC541-7B7A-43D3-8B79-37D633B846F1}">
+                  <asvg:svgBlip xmlns:asvg="http://schemas.microsoft.com/office/drawing/2016/SVG/main" r:embed="rId9"/>
+                </a:ext>
+              </a:extLst>
+            </a:blip>
+            <a:stretch>
+              <a:fillRect/>
+            </a:stretch>
+          </p:blipFill>
+          <p:spPr>
+            <a:xfrm>
+              <a:off x="5271093" y="4436147"/>
+              <a:ext cx="386290" cy="386290"/>
+            </a:xfrm>
+            <a:prstGeom prst="rect">
+              <a:avLst/>
+            </a:prstGeom>
+          </p:spPr>
+        </p:pic>
+      </p:grpSp>
+      <p:grpSp>
+        <p:nvGrpSpPr>
+          <p:cNvPr id="84" name="Group 83">
+            <a:extLst>
+              <a:ext uri="{FF2B5EF4-FFF2-40B4-BE49-F238E27FC236}">
+                <a16:creationId xmlns:a16="http://schemas.microsoft.com/office/drawing/2014/main" id="{315BE991-9296-0F48-8291-B879E92DE363}"/>
+              </a:ext>
+            </a:extLst>
+          </p:cNvPr>
+          <p:cNvGrpSpPr/>
+          <p:nvPr/>
+        </p:nvGrpSpPr>
+        <p:grpSpPr>
+          <a:xfrm>
+            <a:off x="6798822" y="3194264"/>
+            <a:ext cx="1224345" cy="1391648"/>
+            <a:chOff x="8760642" y="2727632"/>
+            <a:chExt cx="1995263" cy="2089418"/>
+          </a:xfrm>
+        </p:grpSpPr>
+        <p:pic>
+          <p:nvPicPr>
+            <p:cNvPr id="85" name="Picture 2" descr="New Trivadis Training – AWS RDS for Oracle – daniel8192">
+              <a:extLst>
+                <a:ext uri="{FF2B5EF4-FFF2-40B4-BE49-F238E27FC236}">
+                  <a16:creationId xmlns:a16="http://schemas.microsoft.com/office/drawing/2014/main" id="{3061B757-565D-6B4F-9A8C-2637DB77374A}"/>
+                </a:ext>
+              </a:extLst>
+            </p:cNvPr>
+            <p:cNvPicPr>
+              <a:picLocks noChangeAspect="1" noChangeArrowheads="1"/>
+            </p:cNvPicPr>
+            <p:nvPr/>
+          </p:nvPicPr>
+          <p:blipFill>
+            <a:blip r:embed="rId10">
+              <a:extLst>
+                <a:ext uri="{28A0092B-C50C-407E-A947-70E740481C1C}">
+                  <a14:useLocalDpi xmlns:a14="http://schemas.microsoft.com/office/drawing/2010/main" val="0"/>
+                </a:ext>
+              </a:extLst>
+            </a:blip>
+            <a:srcRect/>
+            <a:stretch>
+              <a:fillRect/>
+            </a:stretch>
+          </p:blipFill>
+          <p:spPr bwMode="auto">
+            <a:xfrm>
+              <a:off x="9464713" y="3447484"/>
+              <a:ext cx="745388" cy="745388"/>
+            </a:xfrm>
+            <a:prstGeom prst="rect">
+              <a:avLst/>
+            </a:prstGeom>
+            <a:noFill/>
+            <a:extLst>
+              <a:ext uri="{909E8E84-426E-40DD-AFC4-6F175D3DCCD1}">
+                <a14:hiddenFill xmlns:a14="http://schemas.microsoft.com/office/drawing/2010/main">
+                  <a:solidFill>
+                    <a:srgbClr val="FFFFFF"/>
+                  </a:solidFill>
+                </a14:hiddenFill>
+              </a:ext>
+            </a:extLst>
+          </p:spPr>
+        </p:pic>
+        <p:sp>
+          <p:nvSpPr>
+            <p:cNvPr id="88" name="Rectangle 87">
+              <a:extLst>
+                <a:ext uri="{FF2B5EF4-FFF2-40B4-BE49-F238E27FC236}">
+                  <a16:creationId xmlns:a16="http://schemas.microsoft.com/office/drawing/2014/main" id="{A6924F70-267F-2446-988B-24F368AD1EC2}"/>
+                </a:ext>
+              </a:extLst>
+            </p:cNvPr>
+            <p:cNvSpPr/>
+            <p:nvPr/>
+          </p:nvSpPr>
+          <p:spPr>
+            <a:xfrm>
+              <a:off x="8908057" y="2727632"/>
+              <a:ext cx="1847848" cy="1985963"/>
+            </a:xfrm>
+            <a:prstGeom prst="rect">
+              <a:avLst/>
+            </a:prstGeom>
+            <a:noFill/>
+            <a:ln>
+              <a:solidFill>
+                <a:schemeClr val="tx1"/>
+              </a:solidFill>
+              <a:prstDash val="dash"/>
+            </a:ln>
+          </p:spPr>
+          <p:style>
+            <a:lnRef idx="2">
+              <a:schemeClr val="accent1">
+                <a:shade val="50000"/>
+              </a:schemeClr>
+            </a:lnRef>
+            <a:fillRef idx="1">
+              <a:schemeClr val="accent1"/>
+            </a:fillRef>
+            <a:effectRef idx="0">
+              <a:schemeClr val="accent1"/>
+            </a:effectRef>
+            <a:fontRef idx="minor">
+              <a:schemeClr val="lt1"/>
+            </a:fontRef>
+          </p:style>
+          <p:txBody>
+            <a:bodyPr rtlCol="0" anchor="t"/>
+            <a:lstStyle/>
+            <a:p>
+              <a:r>
+                <a:rPr lang="it-IT" sz="900" i="1" dirty="0">
+                  <a:solidFill>
+                    <a:schemeClr val="tx1"/>
+                  </a:solidFill>
+                  <a:latin typeface="IBM Plex Sans Condensed" panose="020B0506050203000203" pitchFamily="34" charset="77"/>
+                </a:rPr>
+                <a:t>security-</a:t>
+              </a:r>
+              <a:r>
+                <a:rPr lang="it-IT" sz="900" i="1" dirty="0" err="1">
+                  <a:solidFill>
+                    <a:schemeClr val="tx1"/>
+                  </a:solidFill>
+                  <a:latin typeface="IBM Plex Sans Condensed" panose="020B0506050203000203" pitchFamily="34" charset="77"/>
+                </a:rPr>
+                <a:t>group</a:t>
+              </a:r>
+              <a:r>
+                <a:rPr lang="it-IT" sz="900" i="1" dirty="0">
+                  <a:solidFill>
+                    <a:schemeClr val="tx1"/>
+                  </a:solidFill>
+                  <a:latin typeface="IBM Plex Sans Condensed" panose="020B0506050203000203" pitchFamily="34" charset="77"/>
+                </a:rPr>
+                <a:t>-</a:t>
+              </a:r>
+              <a:r>
+                <a:rPr lang="it-IT" sz="900" i="1" dirty="0" err="1">
+                  <a:solidFill>
+                    <a:schemeClr val="tx1"/>
+                  </a:solidFill>
+                  <a:latin typeface="IBM Plex Sans Condensed" panose="020B0506050203000203" pitchFamily="34" charset="77"/>
+                </a:rPr>
+                <a:t>db</a:t>
+              </a:r>
+              <a:endParaRPr lang="en-IT" sz="900" i="1" dirty="0">
+                <a:solidFill>
+                  <a:schemeClr val="tx1"/>
+                </a:solidFill>
+                <a:latin typeface="IBM Plex Sans Condensed" panose="020B0506050203000203" pitchFamily="34" charset="77"/>
+              </a:endParaRPr>
+            </a:p>
+          </p:txBody>
+        </p:sp>
+        <p:pic>
+          <p:nvPicPr>
+            <p:cNvPr id="90" name="Picture 89" descr="Logo&#10;&#10;Description automatically generated">
+              <a:extLst>
+                <a:ext uri="{FF2B5EF4-FFF2-40B4-BE49-F238E27FC236}">
+                  <a16:creationId xmlns:a16="http://schemas.microsoft.com/office/drawing/2014/main" id="{DDF2A743-7678-B84B-B65A-D7B66FD40280}"/>
+                </a:ext>
+              </a:extLst>
+            </p:cNvPr>
+            <p:cNvPicPr>
+              <a:picLocks noChangeAspect="1"/>
+            </p:cNvPicPr>
+            <p:nvPr/>
+          </p:nvPicPr>
+          <p:blipFill>
+            <a:blip r:embed="rId11">
+              <a:extLst>
+                <a:ext uri="{837473B0-CC2E-450A-ABE3-18F120FF3D39}">
+                  <a1611:picAttrSrcUrl xmlns:a1611="http://schemas.microsoft.com/office/drawing/2016/11/main" r:id="rId12"/>
+                </a:ext>
+              </a:extLst>
+            </a:blip>
+            <a:stretch>
+              <a:fillRect/>
+            </a:stretch>
+          </p:blipFill>
+          <p:spPr>
+            <a:xfrm>
+              <a:off x="9515533" y="2968878"/>
+              <a:ext cx="657113" cy="455598"/>
+            </a:xfrm>
+            <a:prstGeom prst="rect">
+              <a:avLst/>
+            </a:prstGeom>
+          </p:spPr>
+        </p:pic>
+        <p:sp>
+          <p:nvSpPr>
+            <p:cNvPr id="91" name="TextBox 90">
+              <a:extLst>
+                <a:ext uri="{FF2B5EF4-FFF2-40B4-BE49-F238E27FC236}">
+                  <a16:creationId xmlns:a16="http://schemas.microsoft.com/office/drawing/2014/main" id="{C5D45A50-FB86-1D4A-BDA3-02395D2E9DC7}"/>
+                </a:ext>
+              </a:extLst>
+            </p:cNvPr>
+            <p:cNvSpPr txBox="1"/>
+            <p:nvPr/>
+          </p:nvSpPr>
+          <p:spPr>
+            <a:xfrm>
+              <a:off x="9345291" y="4177156"/>
+              <a:ext cx="1213707" cy="352159"/>
+            </a:xfrm>
+            <a:prstGeom prst="rect">
+              <a:avLst/>
+            </a:prstGeom>
+            <a:noFill/>
+          </p:spPr>
+          <p:txBody>
+            <a:bodyPr wrap="none" rtlCol="0">
+              <a:spAutoFit/>
+            </a:bodyPr>
+            <a:lstStyle/>
+            <a:p>
+              <a:r>
+                <a:rPr lang="en-IT" sz="900" b="1" i="1" dirty="0">
+                  <a:latin typeface="IBM Plex Sans Condensed" panose="020B0506050203000203" pitchFamily="34" charset="77"/>
+                </a:rPr>
+                <a:t>RDS istance</a:t>
+              </a:r>
+            </a:p>
+          </p:txBody>
+        </p:sp>
+        <p:pic>
+          <p:nvPicPr>
+            <p:cNvPr id="92" name="Graphic 91" descr="Lock">
+              <a:extLst>
+                <a:ext uri="{FF2B5EF4-FFF2-40B4-BE49-F238E27FC236}">
+                  <a16:creationId xmlns:a16="http://schemas.microsoft.com/office/drawing/2014/main" id="{CD2DBD94-EA23-8644-9277-03B8079B2428}"/>
+                </a:ext>
+              </a:extLst>
+            </p:cNvPr>
+            <p:cNvPicPr>
+              <a:picLocks noChangeAspect="1"/>
+            </p:cNvPicPr>
+            <p:nvPr/>
+          </p:nvPicPr>
+          <p:blipFill>
+            <a:blip r:embed="rId8">
+              <a:extLst>
+                <a:ext uri="{96DAC541-7B7A-43D3-8B79-37D633B846F1}">
+                  <asvg:svgBlip xmlns:asvg="http://schemas.microsoft.com/office/drawing/2016/SVG/main" r:embed="rId9"/>
+                </a:ext>
+              </a:extLst>
+            </a:blip>
+            <a:stretch>
+              <a:fillRect/>
+            </a:stretch>
+          </p:blipFill>
+          <p:spPr>
+            <a:xfrm>
+              <a:off x="8760642" y="4430760"/>
+              <a:ext cx="386290" cy="386290"/>
+            </a:xfrm>
+            <a:prstGeom prst="rect">
+              <a:avLst/>
+            </a:prstGeom>
+          </p:spPr>
+        </p:pic>
+      </p:grpSp>
+      <p:sp>
+        <p:nvSpPr>
+          <p:cNvPr id="93" name="Rectangle 92">
+            <a:extLst>
+              <a:ext uri="{FF2B5EF4-FFF2-40B4-BE49-F238E27FC236}">
+                <a16:creationId xmlns:a16="http://schemas.microsoft.com/office/drawing/2014/main" id="{384DF8B7-6EB0-7B42-A97A-D3A794AC54C3}"/>
+              </a:ext>
+            </a:extLst>
+          </p:cNvPr>
+          <p:cNvSpPr/>
+          <p:nvPr/>
+        </p:nvSpPr>
+        <p:spPr>
+          <a:xfrm>
+            <a:off x="5311875" y="2889390"/>
+            <a:ext cx="2834907" cy="1755700"/>
+          </a:xfrm>
+          <a:prstGeom prst="rect">
+            <a:avLst/>
+          </a:prstGeom>
+          <a:noFill/>
+          <a:ln>
+            <a:solidFill>
+              <a:schemeClr val="tx1"/>
+            </a:solidFill>
+            <a:prstDash val="dash"/>
+          </a:ln>
+        </p:spPr>
+        <p:style>
+          <a:lnRef idx="2">
+            <a:schemeClr val="accent1">
+              <a:shade val="50000"/>
+            </a:schemeClr>
+          </a:lnRef>
+          <a:fillRef idx="1">
+            <a:schemeClr val="accent1"/>
+          </a:fillRef>
+          <a:effectRef idx="0">
+            <a:schemeClr val="accent1"/>
+          </a:effectRef>
+          <a:fontRef idx="minor">
+            <a:schemeClr val="lt1"/>
+          </a:fontRef>
+        </p:style>
+        <p:txBody>
+          <a:bodyPr rtlCol="0" anchor="t"/>
+          <a:lstStyle/>
+          <a:p>
+            <a:r>
+              <a:rPr lang="it-IT" sz="1000" i="1" dirty="0" err="1">
+                <a:solidFill>
+                  <a:schemeClr val="tx1"/>
+                </a:solidFill>
+                <a:latin typeface="IBM Plex Sans Condensed" panose="020B0506050203000203" pitchFamily="34" charset="77"/>
+              </a:rPr>
+              <a:t>subnet</a:t>
+            </a:r>
+            <a:r>
+              <a:rPr lang="en-IT" sz="1000" i="1" dirty="0">
+                <a:solidFill>
+                  <a:schemeClr val="tx1"/>
+                </a:solidFill>
+                <a:latin typeface="IBM Plex Sans Condensed" panose="020B0506050203000203" pitchFamily="34" charset="77"/>
+              </a:rPr>
+              <a:t>-public 10.0.176.0/21</a:t>
+            </a:r>
+          </a:p>
+        </p:txBody>
+      </p:sp>
+      <p:grpSp>
+        <p:nvGrpSpPr>
+          <p:cNvPr id="94" name="Group 93">
+            <a:extLst>
+              <a:ext uri="{FF2B5EF4-FFF2-40B4-BE49-F238E27FC236}">
+                <a16:creationId xmlns:a16="http://schemas.microsoft.com/office/drawing/2014/main" id="{44AAC242-2A59-8D4F-BC01-1130A326C7EE}"/>
+              </a:ext>
+            </a:extLst>
+          </p:cNvPr>
+          <p:cNvGrpSpPr/>
+          <p:nvPr/>
+        </p:nvGrpSpPr>
+        <p:grpSpPr>
+          <a:xfrm>
+            <a:off x="8981350" y="3198360"/>
+            <a:ext cx="1344961" cy="1374953"/>
+            <a:chOff x="5271093" y="2723564"/>
+            <a:chExt cx="2029889" cy="2098873"/>
+          </a:xfrm>
+        </p:grpSpPr>
+        <p:sp>
+          <p:nvSpPr>
+            <p:cNvPr id="95" name="Rectangle 94">
+              <a:extLst>
+                <a:ext uri="{FF2B5EF4-FFF2-40B4-BE49-F238E27FC236}">
+                  <a16:creationId xmlns:a16="http://schemas.microsoft.com/office/drawing/2014/main" id="{4D6063A3-E050-8F47-9E2E-814204049328}"/>
+                </a:ext>
+              </a:extLst>
+            </p:cNvPr>
+            <p:cNvSpPr/>
+            <p:nvPr/>
+          </p:nvSpPr>
+          <p:spPr>
+            <a:xfrm>
+              <a:off x="5453134" y="2723564"/>
+              <a:ext cx="1847848" cy="1985963"/>
+            </a:xfrm>
+            <a:prstGeom prst="rect">
+              <a:avLst/>
+            </a:prstGeom>
+            <a:noFill/>
+            <a:ln>
+              <a:solidFill>
+                <a:schemeClr val="tx1"/>
+              </a:solidFill>
+              <a:prstDash val="dash"/>
+            </a:ln>
+          </p:spPr>
+          <p:style>
+            <a:lnRef idx="2">
+              <a:schemeClr val="accent1">
+                <a:shade val="50000"/>
+              </a:schemeClr>
+            </a:lnRef>
+            <a:fillRef idx="1">
+              <a:schemeClr val="accent1"/>
+            </a:fillRef>
+            <a:effectRef idx="0">
+              <a:schemeClr val="accent1"/>
+            </a:effectRef>
+            <a:fontRef idx="minor">
+              <a:schemeClr val="lt1"/>
+            </a:fontRef>
+          </p:style>
+          <p:txBody>
+            <a:bodyPr rtlCol="0" anchor="t"/>
+            <a:lstStyle/>
+            <a:p>
+              <a:r>
+                <a:rPr lang="it-IT" sz="1000" i="1" dirty="0">
+                  <a:solidFill>
+                    <a:schemeClr val="tx1"/>
+                  </a:solidFill>
+                  <a:latin typeface="IBM Plex Sans Condensed" panose="020B0506050203000203" pitchFamily="34" charset="77"/>
+                </a:rPr>
+                <a:t>security-group-ec2</a:t>
+              </a:r>
+              <a:endParaRPr lang="en-IT" sz="1000" i="1" dirty="0">
+                <a:solidFill>
+                  <a:schemeClr val="tx1"/>
+                </a:solidFill>
+                <a:latin typeface="IBM Plex Sans Condensed" panose="020B0506050203000203" pitchFamily="34" charset="77"/>
+              </a:endParaRPr>
+            </a:p>
+          </p:txBody>
+        </p:sp>
+        <p:pic>
+          <p:nvPicPr>
+            <p:cNvPr id="96" name="Picture 95" descr="Icon&#10;&#10;Description automatically generated">
+              <a:extLst>
+                <a:ext uri="{FF2B5EF4-FFF2-40B4-BE49-F238E27FC236}">
+                  <a16:creationId xmlns:a16="http://schemas.microsoft.com/office/drawing/2014/main" id="{D2116881-9EE1-034B-B736-BC37E8A5036B}"/>
+                </a:ext>
+              </a:extLst>
+            </p:cNvPr>
+            <p:cNvPicPr>
+              <a:picLocks noChangeAspect="1"/>
+            </p:cNvPicPr>
+            <p:nvPr/>
+          </p:nvPicPr>
+          <p:blipFill>
+            <a:blip r:embed="rId6">
+              <a:extLst>
+                <a:ext uri="{837473B0-CC2E-450A-ABE3-18F120FF3D39}">
+                  <a1611:picAttrSrcUrl xmlns:a1611="http://schemas.microsoft.com/office/drawing/2016/11/main" r:id="rId7"/>
+                </a:ext>
+              </a:extLst>
+            </a:blip>
+            <a:stretch>
+              <a:fillRect/>
+            </a:stretch>
+          </p:blipFill>
+          <p:spPr>
+            <a:xfrm>
+              <a:off x="5980948" y="3350166"/>
+              <a:ext cx="758294" cy="758294"/>
+            </a:xfrm>
+            <a:prstGeom prst="rect">
+              <a:avLst/>
+            </a:prstGeom>
+          </p:spPr>
+        </p:pic>
+        <p:sp>
+          <p:nvSpPr>
+            <p:cNvPr id="97" name="TextBox 96">
+              <a:extLst>
+                <a:ext uri="{FF2B5EF4-FFF2-40B4-BE49-F238E27FC236}">
+                  <a16:creationId xmlns:a16="http://schemas.microsoft.com/office/drawing/2014/main" id="{22FB615D-9278-0548-9526-B2C96F8B97CC}"/>
+                </a:ext>
+              </a:extLst>
+            </p:cNvPr>
+            <p:cNvSpPr txBox="1"/>
+            <p:nvPr/>
+          </p:nvSpPr>
+          <p:spPr>
+            <a:xfrm>
+              <a:off x="5905015" y="4072346"/>
+              <a:ext cx="1217412" cy="375858"/>
+            </a:xfrm>
+            <a:prstGeom prst="rect">
+              <a:avLst/>
+            </a:prstGeom>
+            <a:noFill/>
+          </p:spPr>
+          <p:txBody>
+            <a:bodyPr wrap="none" rtlCol="0">
+              <a:spAutoFit/>
+            </a:bodyPr>
+            <a:lstStyle/>
+            <a:p>
+              <a:r>
+                <a:rPr lang="en-IT" sz="1000" b="1" i="1" dirty="0">
+                  <a:latin typeface="IBM Plex Sans Condensed" panose="020B0506050203000203" pitchFamily="34" charset="77"/>
+                </a:rPr>
+                <a:t>EC2 istance</a:t>
+              </a:r>
+            </a:p>
+          </p:txBody>
+        </p:sp>
+        <p:pic>
+          <p:nvPicPr>
+            <p:cNvPr id="98" name="Graphic 97" descr="Lock">
+              <a:extLst>
+                <a:ext uri="{FF2B5EF4-FFF2-40B4-BE49-F238E27FC236}">
+                  <a16:creationId xmlns:a16="http://schemas.microsoft.com/office/drawing/2014/main" id="{C09D53EC-8F5C-9342-8E15-4EB4DE072196}"/>
+                </a:ext>
+              </a:extLst>
+            </p:cNvPr>
+            <p:cNvPicPr>
+              <a:picLocks noChangeAspect="1"/>
+            </p:cNvPicPr>
+            <p:nvPr/>
+          </p:nvPicPr>
+          <p:blipFill>
+            <a:blip r:embed="rId8">
+              <a:extLst>
+                <a:ext uri="{96DAC541-7B7A-43D3-8B79-37D633B846F1}">
+                  <asvg:svgBlip xmlns:asvg="http://schemas.microsoft.com/office/drawing/2016/SVG/main" r:embed="rId9"/>
+                </a:ext>
+              </a:extLst>
+            </a:blip>
+            <a:stretch>
+              <a:fillRect/>
+            </a:stretch>
+          </p:blipFill>
+          <p:spPr>
+            <a:xfrm>
+              <a:off x="5271093" y="4436147"/>
+              <a:ext cx="386290" cy="386290"/>
+            </a:xfrm>
+            <a:prstGeom prst="rect">
+              <a:avLst/>
+            </a:prstGeom>
+          </p:spPr>
+        </p:pic>
+      </p:grpSp>
+      <p:grpSp>
+        <p:nvGrpSpPr>
+          <p:cNvPr id="99" name="Group 98">
+            <a:extLst>
+              <a:ext uri="{FF2B5EF4-FFF2-40B4-BE49-F238E27FC236}">
+                <a16:creationId xmlns:a16="http://schemas.microsoft.com/office/drawing/2014/main" id="{968B0C27-E9B8-E548-895E-A30CEEB9EF36}"/>
+              </a:ext>
+            </a:extLst>
+          </p:cNvPr>
+          <p:cNvGrpSpPr/>
+          <p:nvPr/>
+        </p:nvGrpSpPr>
+        <p:grpSpPr>
+          <a:xfrm>
+            <a:off x="10456418" y="3194264"/>
+            <a:ext cx="1224345" cy="1391648"/>
+            <a:chOff x="8760642" y="2727632"/>
+            <a:chExt cx="1995263" cy="2089418"/>
+          </a:xfrm>
+        </p:grpSpPr>
+        <p:pic>
+          <p:nvPicPr>
+            <p:cNvPr id="100" name="Picture 2" descr="New Trivadis Training – AWS RDS for Oracle – daniel8192">
+              <a:extLst>
+                <a:ext uri="{FF2B5EF4-FFF2-40B4-BE49-F238E27FC236}">
+                  <a16:creationId xmlns:a16="http://schemas.microsoft.com/office/drawing/2014/main" id="{0B9250A3-DB44-CD47-A38A-D4F49B47A50D}"/>
+                </a:ext>
+              </a:extLst>
+            </p:cNvPr>
+            <p:cNvPicPr>
+              <a:picLocks noChangeAspect="1" noChangeArrowheads="1"/>
+            </p:cNvPicPr>
+            <p:nvPr/>
+          </p:nvPicPr>
+          <p:blipFill>
+            <a:blip r:embed="rId10">
+              <a:extLst>
+                <a:ext uri="{28A0092B-C50C-407E-A947-70E740481C1C}">
+                  <a14:useLocalDpi xmlns:a14="http://schemas.microsoft.com/office/drawing/2010/main" val="0"/>
+                </a:ext>
+              </a:extLst>
+            </a:blip>
+            <a:srcRect/>
+            <a:stretch>
+              <a:fillRect/>
+            </a:stretch>
+          </p:blipFill>
+          <p:spPr bwMode="auto">
+            <a:xfrm>
+              <a:off x="9464713" y="3447484"/>
+              <a:ext cx="745388" cy="745388"/>
+            </a:xfrm>
+            <a:prstGeom prst="rect">
+              <a:avLst/>
+            </a:prstGeom>
+            <a:noFill/>
+            <a:extLst>
+              <a:ext uri="{909E8E84-426E-40DD-AFC4-6F175D3DCCD1}">
+                <a14:hiddenFill xmlns:a14="http://schemas.microsoft.com/office/drawing/2010/main">
+                  <a:solidFill>
+                    <a:srgbClr val="FFFFFF"/>
+                  </a:solidFill>
+                </a14:hiddenFill>
+              </a:ext>
+            </a:extLst>
+          </p:spPr>
+        </p:pic>
+        <p:sp>
+          <p:nvSpPr>
+            <p:cNvPr id="101" name="Rectangle 100">
+              <a:extLst>
+                <a:ext uri="{FF2B5EF4-FFF2-40B4-BE49-F238E27FC236}">
+                  <a16:creationId xmlns:a16="http://schemas.microsoft.com/office/drawing/2014/main" id="{DB6319CF-63F4-4748-AB72-59E9C5BE098A}"/>
+                </a:ext>
+              </a:extLst>
+            </p:cNvPr>
+            <p:cNvSpPr/>
+            <p:nvPr/>
+          </p:nvSpPr>
+          <p:spPr>
+            <a:xfrm>
+              <a:off x="8908057" y="2727632"/>
+              <a:ext cx="1847848" cy="1985963"/>
+            </a:xfrm>
+            <a:prstGeom prst="rect">
+              <a:avLst/>
+            </a:prstGeom>
+            <a:noFill/>
+            <a:ln>
+              <a:solidFill>
+                <a:schemeClr val="tx1"/>
+              </a:solidFill>
+              <a:prstDash val="dash"/>
+            </a:ln>
+          </p:spPr>
+          <p:style>
+            <a:lnRef idx="2">
+              <a:schemeClr val="accent1">
+                <a:shade val="50000"/>
+              </a:schemeClr>
+            </a:lnRef>
+            <a:fillRef idx="1">
+              <a:schemeClr val="accent1"/>
+            </a:fillRef>
+            <a:effectRef idx="0">
+              <a:schemeClr val="accent1"/>
+            </a:effectRef>
+            <a:fontRef idx="minor">
+              <a:schemeClr val="lt1"/>
+            </a:fontRef>
+          </p:style>
+          <p:txBody>
+            <a:bodyPr rtlCol="0" anchor="t"/>
+            <a:lstStyle/>
+            <a:p>
+              <a:r>
+                <a:rPr lang="it-IT" sz="900" i="1" dirty="0">
+                  <a:solidFill>
+                    <a:schemeClr val="tx1"/>
+                  </a:solidFill>
+                  <a:latin typeface="IBM Plex Sans Condensed" panose="020B0506050203000203" pitchFamily="34" charset="77"/>
+                </a:rPr>
+                <a:t>security-</a:t>
+              </a:r>
+              <a:r>
+                <a:rPr lang="it-IT" sz="900" i="1" dirty="0" err="1">
+                  <a:solidFill>
+                    <a:schemeClr val="tx1"/>
+                  </a:solidFill>
+                  <a:latin typeface="IBM Plex Sans Condensed" panose="020B0506050203000203" pitchFamily="34" charset="77"/>
+                </a:rPr>
+                <a:t>group</a:t>
+              </a:r>
+              <a:r>
+                <a:rPr lang="it-IT" sz="900" i="1" dirty="0">
+                  <a:solidFill>
+                    <a:schemeClr val="tx1"/>
+                  </a:solidFill>
+                  <a:latin typeface="IBM Plex Sans Condensed" panose="020B0506050203000203" pitchFamily="34" charset="77"/>
+                </a:rPr>
+                <a:t>-</a:t>
+              </a:r>
+              <a:r>
+                <a:rPr lang="it-IT" sz="900" i="1" dirty="0" err="1">
+                  <a:solidFill>
+                    <a:schemeClr val="tx1"/>
+                  </a:solidFill>
+                  <a:latin typeface="IBM Plex Sans Condensed" panose="020B0506050203000203" pitchFamily="34" charset="77"/>
+                </a:rPr>
+                <a:t>db</a:t>
+              </a:r>
+              <a:endParaRPr lang="en-IT" sz="900" i="1" dirty="0">
+                <a:solidFill>
+                  <a:schemeClr val="tx1"/>
+                </a:solidFill>
+                <a:latin typeface="IBM Plex Sans Condensed" panose="020B0506050203000203" pitchFamily="34" charset="77"/>
+              </a:endParaRPr>
+            </a:p>
+          </p:txBody>
+        </p:sp>
+        <p:pic>
+          <p:nvPicPr>
+            <p:cNvPr id="102" name="Picture 101" descr="Logo&#10;&#10;Description automatically generated">
+              <a:extLst>
+                <a:ext uri="{FF2B5EF4-FFF2-40B4-BE49-F238E27FC236}">
+                  <a16:creationId xmlns:a16="http://schemas.microsoft.com/office/drawing/2014/main" id="{25D64A41-64EC-4449-AFF9-FDA08DDA1ADB}"/>
+                </a:ext>
+              </a:extLst>
+            </p:cNvPr>
+            <p:cNvPicPr>
+              <a:picLocks noChangeAspect="1"/>
+            </p:cNvPicPr>
+            <p:nvPr/>
+          </p:nvPicPr>
+          <p:blipFill>
+            <a:blip r:embed="rId11">
+              <a:extLst>
+                <a:ext uri="{837473B0-CC2E-450A-ABE3-18F120FF3D39}">
+                  <a1611:picAttrSrcUrl xmlns:a1611="http://schemas.microsoft.com/office/drawing/2016/11/main" r:id="rId12"/>
+                </a:ext>
+              </a:extLst>
+            </a:blip>
+            <a:stretch>
+              <a:fillRect/>
+            </a:stretch>
+          </p:blipFill>
+          <p:spPr>
+            <a:xfrm>
+              <a:off x="9515533" y="2968878"/>
+              <a:ext cx="657113" cy="455598"/>
+            </a:xfrm>
+            <a:prstGeom prst="rect">
+              <a:avLst/>
+            </a:prstGeom>
+          </p:spPr>
+        </p:pic>
+        <p:sp>
+          <p:nvSpPr>
+            <p:cNvPr id="103" name="TextBox 102">
+              <a:extLst>
+                <a:ext uri="{FF2B5EF4-FFF2-40B4-BE49-F238E27FC236}">
+                  <a16:creationId xmlns:a16="http://schemas.microsoft.com/office/drawing/2014/main" id="{2522FB7E-F41B-AA48-9F25-1737050AE7A4}"/>
+                </a:ext>
+              </a:extLst>
+            </p:cNvPr>
+            <p:cNvSpPr txBox="1"/>
+            <p:nvPr/>
+          </p:nvSpPr>
+          <p:spPr>
+            <a:xfrm>
+              <a:off x="9345291" y="4177156"/>
+              <a:ext cx="1213707" cy="352159"/>
+            </a:xfrm>
+            <a:prstGeom prst="rect">
+              <a:avLst/>
+            </a:prstGeom>
+            <a:noFill/>
+          </p:spPr>
+          <p:txBody>
+            <a:bodyPr wrap="none" rtlCol="0">
+              <a:spAutoFit/>
+            </a:bodyPr>
+            <a:lstStyle/>
+            <a:p>
+              <a:r>
+                <a:rPr lang="en-IT" sz="900" b="1" i="1" dirty="0">
+                  <a:latin typeface="IBM Plex Sans Condensed" panose="020B0506050203000203" pitchFamily="34" charset="77"/>
+                </a:rPr>
+                <a:t>RDS istance</a:t>
+              </a:r>
+            </a:p>
+          </p:txBody>
+        </p:sp>
+        <p:pic>
+          <p:nvPicPr>
+            <p:cNvPr id="104" name="Graphic 103" descr="Lock">
+              <a:extLst>
+                <a:ext uri="{FF2B5EF4-FFF2-40B4-BE49-F238E27FC236}">
+                  <a16:creationId xmlns:a16="http://schemas.microsoft.com/office/drawing/2014/main" id="{7C6C7D82-0F18-3347-BDCC-C0E846D8493E}"/>
+                </a:ext>
+              </a:extLst>
+            </p:cNvPr>
+            <p:cNvPicPr>
+              <a:picLocks noChangeAspect="1"/>
+            </p:cNvPicPr>
+            <p:nvPr/>
+          </p:nvPicPr>
+          <p:blipFill>
+            <a:blip r:embed="rId8">
+              <a:extLst>
+                <a:ext uri="{96DAC541-7B7A-43D3-8B79-37D633B846F1}">
+                  <asvg:svgBlip xmlns:asvg="http://schemas.microsoft.com/office/drawing/2016/SVG/main" r:embed="rId9"/>
+                </a:ext>
+              </a:extLst>
+            </a:blip>
+            <a:stretch>
+              <a:fillRect/>
+            </a:stretch>
+          </p:blipFill>
+          <p:spPr>
+            <a:xfrm>
+              <a:off x="8760642" y="4430760"/>
+              <a:ext cx="386290" cy="386290"/>
+            </a:xfrm>
+            <a:prstGeom prst="rect">
+              <a:avLst/>
+            </a:prstGeom>
+          </p:spPr>
+        </p:pic>
+      </p:grpSp>
+      <p:sp>
+        <p:nvSpPr>
+          <p:cNvPr id="105" name="Rectangle 104">
+            <a:extLst>
+              <a:ext uri="{FF2B5EF4-FFF2-40B4-BE49-F238E27FC236}">
+                <a16:creationId xmlns:a16="http://schemas.microsoft.com/office/drawing/2014/main" id="{4DD32E93-8B37-1B48-9ADC-35D398FFCCA0}"/>
+              </a:ext>
+            </a:extLst>
+          </p:cNvPr>
+          <p:cNvSpPr/>
+          <p:nvPr/>
+        </p:nvSpPr>
+        <p:spPr>
+          <a:xfrm>
+            <a:off x="8969471" y="2889390"/>
+            <a:ext cx="2834907" cy="1755700"/>
+          </a:xfrm>
+          <a:prstGeom prst="rect">
+            <a:avLst/>
+          </a:prstGeom>
+          <a:noFill/>
+          <a:ln>
+            <a:solidFill>
+              <a:schemeClr val="tx1"/>
+            </a:solidFill>
+            <a:prstDash val="dash"/>
+          </a:ln>
+        </p:spPr>
+        <p:style>
+          <a:lnRef idx="2">
+            <a:schemeClr val="accent1">
+              <a:shade val="50000"/>
+            </a:schemeClr>
+          </a:lnRef>
+          <a:fillRef idx="1">
+            <a:schemeClr val="accent1"/>
+          </a:fillRef>
+          <a:effectRef idx="0">
+            <a:schemeClr val="accent1"/>
+          </a:effectRef>
+          <a:fontRef idx="minor">
+            <a:schemeClr val="lt1"/>
+          </a:fontRef>
+        </p:style>
+        <p:txBody>
+          <a:bodyPr rtlCol="0" anchor="t"/>
+          <a:lstStyle/>
+          <a:p>
+            <a:r>
+              <a:rPr lang="it-IT" sz="1000" i="1" dirty="0" err="1">
+                <a:solidFill>
+                  <a:schemeClr val="tx1"/>
+                </a:solidFill>
+                <a:latin typeface="IBM Plex Sans Condensed" panose="020B0506050203000203" pitchFamily="34" charset="77"/>
+              </a:rPr>
+              <a:t>Subnet</a:t>
+            </a:r>
+            <a:r>
+              <a:rPr lang="it-IT" sz="1000" i="1" dirty="0">
+                <a:solidFill>
+                  <a:schemeClr val="tx1"/>
+                </a:solidFill>
+                <a:latin typeface="IBM Plex Sans Condensed" panose="020B0506050203000203" pitchFamily="34" charset="77"/>
+              </a:rPr>
+              <a:t> default </a:t>
+            </a:r>
+            <a:r>
+              <a:rPr lang="en-IT" sz="1000" i="1" dirty="0">
+                <a:solidFill>
+                  <a:schemeClr val="tx1"/>
+                </a:solidFill>
+                <a:latin typeface="IBM Plex Sans Condensed" panose="020B0506050203000203" pitchFamily="34" charset="77"/>
+              </a:rPr>
+              <a:t>172.31.16.0/20</a:t>
+            </a:r>
+          </a:p>
+        </p:txBody>
+      </p:sp>
+      <p:sp>
+        <p:nvSpPr>
+          <p:cNvPr id="106" name="Rectangle 105">
+            <a:extLst>
+              <a:ext uri="{FF2B5EF4-FFF2-40B4-BE49-F238E27FC236}">
+                <a16:creationId xmlns:a16="http://schemas.microsoft.com/office/drawing/2014/main" id="{BB28926E-11EF-1841-82AC-77AD91507450}"/>
+              </a:ext>
+            </a:extLst>
+          </p:cNvPr>
+          <p:cNvSpPr/>
+          <p:nvPr/>
+        </p:nvSpPr>
+        <p:spPr>
+          <a:xfrm>
+            <a:off x="8395225" y="548878"/>
+            <a:ext cx="3488887" cy="5400671"/>
+          </a:xfrm>
+          <a:prstGeom prst="rect">
+            <a:avLst/>
+          </a:prstGeom>
+          <a:noFill/>
+          <a:ln>
+            <a:solidFill>
+              <a:schemeClr val="tx1"/>
+            </a:solidFill>
+            <a:prstDash val="dash"/>
+          </a:ln>
+        </p:spPr>
+        <p:style>
+          <a:lnRef idx="2">
+            <a:schemeClr val="accent1">
+              <a:shade val="50000"/>
+            </a:schemeClr>
+          </a:lnRef>
+          <a:fillRef idx="1">
+            <a:schemeClr val="accent1"/>
+          </a:fillRef>
+          <a:effectRef idx="0">
+            <a:schemeClr val="accent1"/>
+          </a:effectRef>
+          <a:fontRef idx="minor">
+            <a:schemeClr val="lt1"/>
+          </a:fontRef>
+        </p:style>
+        <p:txBody>
+          <a:bodyPr rtlCol="0" anchor="t"/>
+          <a:lstStyle/>
+          <a:p>
+            <a:r>
+              <a:rPr lang="en-GB" sz="1050" i="1" dirty="0">
+                <a:solidFill>
+                  <a:schemeClr val="tx1"/>
+                </a:solidFill>
+                <a:latin typeface="IBM Plex Sans Condensed" panose="020B0506050203000203" pitchFamily="34" charset="77"/>
+              </a:rPr>
+              <a:t>v</a:t>
+            </a:r>
+            <a:r>
+              <a:rPr lang="en-IT" sz="1050" i="1" dirty="0">
+                <a:solidFill>
+                  <a:schemeClr val="tx1"/>
+                </a:solidFill>
+                <a:latin typeface="IBM Plex Sans Condensed" panose="020B0506050203000203" pitchFamily="34" charset="77"/>
+              </a:rPr>
+              <a:t>pc default</a:t>
+            </a:r>
+          </a:p>
+        </p:txBody>
+      </p:sp>
+      <p:cxnSp>
+        <p:nvCxnSpPr>
+          <p:cNvPr id="107" name="Elbow Connector 106">
+            <a:extLst>
+              <a:ext uri="{FF2B5EF4-FFF2-40B4-BE49-F238E27FC236}">
+                <a16:creationId xmlns:a16="http://schemas.microsoft.com/office/drawing/2014/main" id="{128E7FF9-B760-2342-94C9-14BD7DE4EF09}"/>
+              </a:ext>
+            </a:extLst>
+          </p:cNvPr>
+          <p:cNvCxnSpPr>
+            <a:cxnSpLocks/>
+            <a:stCxn id="105" idx="1"/>
+            <a:endCxn id="76" idx="0"/>
+          </p:cNvCxnSpPr>
+          <p:nvPr/>
+        </p:nvCxnSpPr>
+        <p:spPr>
+          <a:xfrm rot="10800000" flipV="1">
+            <a:off x="8678323" y="3767240"/>
+            <a:ext cx="291148" cy="1709208"/>
+          </a:xfrm>
+          <a:prstGeom prst="bentConnector2">
+            <a:avLst/>
+          </a:prstGeom>
+          <a:ln w="19050">
+            <a:solidFill>
+              <a:srgbClr val="00B050"/>
+            </a:solidFill>
+          </a:ln>
+        </p:spPr>
+        <p:style>
+          <a:lnRef idx="1">
+            <a:schemeClr val="accent1"/>
+          </a:lnRef>
+          <a:fillRef idx="0">
+            <a:schemeClr val="accent1"/>
+          </a:fillRef>
+          <a:effectRef idx="0">
+            <a:schemeClr val="accent1"/>
+          </a:effectRef>
+          <a:fontRef idx="minor">
+            <a:schemeClr val="tx1"/>
+          </a:fontRef>
+        </p:style>
+      </p:cxnSp>
+      <p:sp>
+        <p:nvSpPr>
+          <p:cNvPr id="108" name="Rectangle 107">
+            <a:extLst>
+              <a:ext uri="{FF2B5EF4-FFF2-40B4-BE49-F238E27FC236}">
+                <a16:creationId xmlns:a16="http://schemas.microsoft.com/office/drawing/2014/main" id="{16B9C03B-31DE-C046-AE53-F1D07166EB18}"/>
+              </a:ext>
+            </a:extLst>
+          </p:cNvPr>
+          <p:cNvSpPr/>
+          <p:nvPr/>
+        </p:nvSpPr>
+        <p:spPr>
+          <a:xfrm>
+            <a:off x="8974033" y="1901521"/>
+            <a:ext cx="2845141" cy="282257"/>
+          </a:xfrm>
+          <a:prstGeom prst="rect">
+            <a:avLst/>
+          </a:prstGeom>
+          <a:noFill/>
+          <a:ln>
+            <a:solidFill>
+              <a:schemeClr val="tx1"/>
+            </a:solidFill>
+            <a:prstDash val="dash"/>
+          </a:ln>
+        </p:spPr>
+        <p:style>
+          <a:lnRef idx="2">
+            <a:schemeClr val="accent1">
+              <a:shade val="50000"/>
+            </a:schemeClr>
+          </a:lnRef>
+          <a:fillRef idx="1">
+            <a:schemeClr val="accent1"/>
+          </a:fillRef>
+          <a:effectRef idx="0">
+            <a:schemeClr val="accent1"/>
+          </a:effectRef>
+          <a:fontRef idx="minor">
+            <a:schemeClr val="lt1"/>
+          </a:fontRef>
+        </p:style>
+        <p:txBody>
+          <a:bodyPr rtlCol="0" anchor="t"/>
+          <a:lstStyle/>
+          <a:p>
+            <a:r>
+              <a:rPr lang="it-IT" sz="1000" i="1" dirty="0" err="1">
+                <a:solidFill>
+                  <a:schemeClr val="tx1"/>
+                </a:solidFill>
+                <a:latin typeface="IBM Plex Sans Condensed" panose="020B0506050203000203" pitchFamily="34" charset="77"/>
+              </a:rPr>
+              <a:t>subnet</a:t>
+            </a:r>
+            <a:r>
+              <a:rPr lang="en-IT" sz="1000" i="1" dirty="0">
+                <a:solidFill>
+                  <a:schemeClr val="tx1"/>
+                </a:solidFill>
+                <a:latin typeface="IBM Plex Sans Condensed" panose="020B0506050203000203" pitchFamily="34" charset="77"/>
+              </a:rPr>
+              <a:t>-public 172.31.32.0/20</a:t>
+            </a:r>
+          </a:p>
+        </p:txBody>
+      </p:sp>
+      <p:sp>
+        <p:nvSpPr>
+          <p:cNvPr id="109" name="Rectangle 108">
+            <a:extLst>
+              <a:ext uri="{FF2B5EF4-FFF2-40B4-BE49-F238E27FC236}">
+                <a16:creationId xmlns:a16="http://schemas.microsoft.com/office/drawing/2014/main" id="{E45CCFA9-5E1B-8543-BAD6-8A70CA9240E7}"/>
+              </a:ext>
+            </a:extLst>
+          </p:cNvPr>
+          <p:cNvSpPr/>
+          <p:nvPr/>
+        </p:nvSpPr>
+        <p:spPr>
+          <a:xfrm>
+            <a:off x="8974033" y="1191192"/>
+            <a:ext cx="2845141" cy="289566"/>
+          </a:xfrm>
+          <a:prstGeom prst="rect">
+            <a:avLst/>
+          </a:prstGeom>
+          <a:noFill/>
+          <a:ln>
+            <a:solidFill>
+              <a:schemeClr val="tx1"/>
+            </a:solidFill>
+            <a:prstDash val="dash"/>
+          </a:ln>
+        </p:spPr>
+        <p:style>
+          <a:lnRef idx="2">
+            <a:schemeClr val="accent1">
+              <a:shade val="50000"/>
+            </a:schemeClr>
+          </a:lnRef>
+          <a:fillRef idx="1">
+            <a:schemeClr val="accent1"/>
+          </a:fillRef>
+          <a:effectRef idx="0">
+            <a:schemeClr val="accent1"/>
+          </a:effectRef>
+          <a:fontRef idx="minor">
+            <a:schemeClr val="lt1"/>
+          </a:fontRef>
+        </p:style>
+        <p:txBody>
+          <a:bodyPr rtlCol="0" anchor="t"/>
+          <a:lstStyle/>
+          <a:p>
+            <a:r>
+              <a:rPr lang="it-IT" sz="1000" i="1" dirty="0" err="1">
+                <a:solidFill>
+                  <a:schemeClr val="tx1"/>
+                </a:solidFill>
+                <a:latin typeface="IBM Plex Sans Condensed" panose="020B0506050203000203" pitchFamily="34" charset="77"/>
+              </a:rPr>
+              <a:t>subnet</a:t>
+            </a:r>
+            <a:r>
+              <a:rPr lang="en-IT" sz="1000" i="1" dirty="0">
+                <a:solidFill>
+                  <a:schemeClr val="tx1"/>
+                </a:solidFill>
+                <a:latin typeface="IBM Plex Sans Condensed" panose="020B0506050203000203" pitchFamily="34" charset="77"/>
+              </a:rPr>
+              <a:t>-public 172.31.0.0/20</a:t>
+            </a:r>
+          </a:p>
+        </p:txBody>
+      </p:sp>
+      <p:cxnSp>
+        <p:nvCxnSpPr>
+          <p:cNvPr id="110" name="Elbow Connector 109">
+            <a:extLst>
+              <a:ext uri="{FF2B5EF4-FFF2-40B4-BE49-F238E27FC236}">
+                <a16:creationId xmlns:a16="http://schemas.microsoft.com/office/drawing/2014/main" id="{188A8D10-1A5D-534D-BFF3-2671E82D89EB}"/>
+              </a:ext>
+            </a:extLst>
+          </p:cNvPr>
+          <p:cNvCxnSpPr>
+            <a:cxnSpLocks/>
+            <a:stCxn id="108" idx="1"/>
+            <a:endCxn id="76" idx="0"/>
+          </p:cNvCxnSpPr>
+          <p:nvPr/>
+        </p:nvCxnSpPr>
+        <p:spPr>
+          <a:xfrm rot="10800000" flipV="1">
+            <a:off x="8678323" y="2042650"/>
+            <a:ext cx="295710" cy="3433798"/>
+          </a:xfrm>
+          <a:prstGeom prst="bentConnector2">
+            <a:avLst/>
+          </a:prstGeom>
+          <a:ln w="19050">
+            <a:solidFill>
+              <a:srgbClr val="00B050"/>
+            </a:solidFill>
+          </a:ln>
+        </p:spPr>
+        <p:style>
+          <a:lnRef idx="1">
+            <a:schemeClr val="accent1"/>
+          </a:lnRef>
+          <a:fillRef idx="0">
+            <a:schemeClr val="accent1"/>
+          </a:fillRef>
+          <a:effectRef idx="0">
+            <a:schemeClr val="accent1"/>
+          </a:effectRef>
+          <a:fontRef idx="minor">
+            <a:schemeClr val="tx1"/>
+          </a:fontRef>
+        </p:style>
+      </p:cxnSp>
+      <p:cxnSp>
+        <p:nvCxnSpPr>
+          <p:cNvPr id="111" name="Elbow Connector 110">
+            <a:extLst>
+              <a:ext uri="{FF2B5EF4-FFF2-40B4-BE49-F238E27FC236}">
+                <a16:creationId xmlns:a16="http://schemas.microsoft.com/office/drawing/2014/main" id="{1AD3922A-B319-3948-8560-010BDD14AEBA}"/>
+              </a:ext>
+            </a:extLst>
+          </p:cNvPr>
+          <p:cNvCxnSpPr>
+            <a:cxnSpLocks/>
+            <a:stCxn id="109" idx="1"/>
+            <a:endCxn id="76" idx="0"/>
+          </p:cNvCxnSpPr>
+          <p:nvPr/>
+        </p:nvCxnSpPr>
+        <p:spPr>
+          <a:xfrm rot="10800000" flipV="1">
+            <a:off x="8678323" y="1335974"/>
+            <a:ext cx="295710" cy="4140473"/>
+          </a:xfrm>
+          <a:prstGeom prst="bentConnector2">
+            <a:avLst/>
+          </a:prstGeom>
+          <a:ln w="19050">
+            <a:solidFill>
+              <a:srgbClr val="00B050"/>
+            </a:solidFill>
+          </a:ln>
+        </p:spPr>
+        <p:style>
+          <a:lnRef idx="1">
+            <a:schemeClr val="accent1"/>
+          </a:lnRef>
+          <a:fillRef idx="0">
+            <a:schemeClr val="accent1"/>
+          </a:fillRef>
+          <a:effectRef idx="0">
+            <a:schemeClr val="accent1"/>
+          </a:effectRef>
+          <a:fontRef idx="minor">
+            <a:schemeClr val="tx1"/>
+          </a:fontRef>
+        </p:style>
+      </p:cxnSp>
+      <p:sp>
+        <p:nvSpPr>
+          <p:cNvPr id="112" name="Freeform 111">
+            <a:extLst>
+              <a:ext uri="{FF2B5EF4-FFF2-40B4-BE49-F238E27FC236}">
+                <a16:creationId xmlns:a16="http://schemas.microsoft.com/office/drawing/2014/main" id="{032A0404-E0D7-EC48-8253-F500E646D127}"/>
+              </a:ext>
+            </a:extLst>
+          </p:cNvPr>
+          <p:cNvSpPr/>
+          <p:nvPr/>
+        </p:nvSpPr>
+        <p:spPr>
+          <a:xfrm>
+            <a:off x="3078480" y="4495800"/>
+            <a:ext cx="1417320" cy="502999"/>
+          </a:xfrm>
+          <a:custGeom>
+            <a:avLst/>
+            <a:gdLst>
+              <a:gd name="connsiteX0" fmla="*/ 0 w 1417320"/>
+              <a:gd name="connsiteY0" fmla="*/ 0 h 502999"/>
+              <a:gd name="connsiteX1" fmla="*/ 472440 w 1417320"/>
+              <a:gd name="connsiteY1" fmla="*/ 502920 h 502999"/>
+              <a:gd name="connsiteX2" fmla="*/ 1417320 w 1417320"/>
+              <a:gd name="connsiteY2" fmla="*/ 30480 h 502999"/>
+            </a:gdLst>
+            <a:ahLst/>
+            <a:cxnLst>
+              <a:cxn ang="0">
+                <a:pos x="connsiteX0" y="connsiteY0"/>
+              </a:cxn>
+              <a:cxn ang="0">
+                <a:pos x="connsiteX1" y="connsiteY1"/>
+              </a:cxn>
+              <a:cxn ang="0">
+                <a:pos x="connsiteX2" y="connsiteY2"/>
+              </a:cxn>
+            </a:cxnLst>
+            <a:rect l="l" t="t" r="r" b="b"/>
+            <a:pathLst>
+              <a:path w="1417320" h="502999">
+                <a:moveTo>
+                  <a:pt x="0" y="0"/>
+                </a:moveTo>
+                <a:cubicBezTo>
+                  <a:pt x="118110" y="248920"/>
+                  <a:pt x="236220" y="497840"/>
+                  <a:pt x="472440" y="502920"/>
+                </a:cubicBezTo>
+                <a:cubicBezTo>
+                  <a:pt x="708660" y="508000"/>
+                  <a:pt x="1062990" y="269240"/>
+                  <a:pt x="1417320" y="30480"/>
+                </a:cubicBezTo>
+              </a:path>
+            </a:pathLst>
+          </a:custGeom>
+          <a:noFill/>
+          <a:ln w="19050">
+            <a:solidFill>
+              <a:srgbClr val="C00000">
+                <a:alpha val="50000"/>
+              </a:srgbClr>
+            </a:solidFill>
+            <a:prstDash val="solid"/>
+            <a:headEnd type="none"/>
+            <a:tailEnd type="triangle"/>
+          </a:ln>
+        </p:spPr>
+        <p:style>
+          <a:lnRef idx="2">
+            <a:schemeClr val="accent1">
+              <a:shade val="50000"/>
+            </a:schemeClr>
+          </a:lnRef>
+          <a:fillRef idx="1">
+            <a:schemeClr val="accent1"/>
+          </a:fillRef>
+          <a:effectRef idx="0">
+            <a:schemeClr val="accent1"/>
+          </a:effectRef>
+          <a:fontRef idx="minor">
+            <a:schemeClr val="lt1"/>
+          </a:fontRef>
+        </p:style>
+        <p:txBody>
+          <a:bodyPr rtlCol="0" anchor="ctr"/>
+          <a:lstStyle/>
+          <a:p>
+            <a:pPr algn="ctr"/>
+            <a:endParaRPr lang="en-IT"/>
+          </a:p>
+        </p:txBody>
+      </p:sp>
+      <p:sp>
+        <p:nvSpPr>
+          <p:cNvPr id="115" name="Freeform 114">
+            <a:extLst>
+              <a:ext uri="{FF2B5EF4-FFF2-40B4-BE49-F238E27FC236}">
+                <a16:creationId xmlns:a16="http://schemas.microsoft.com/office/drawing/2014/main" id="{9A978877-47D5-FA48-9721-B23C11BF6850}"/>
+              </a:ext>
+            </a:extLst>
+          </p:cNvPr>
+          <p:cNvSpPr/>
+          <p:nvPr/>
+        </p:nvSpPr>
+        <p:spPr>
+          <a:xfrm>
+            <a:off x="3063764" y="4495331"/>
+            <a:ext cx="4344154" cy="744623"/>
+          </a:xfrm>
+          <a:custGeom>
+            <a:avLst/>
+            <a:gdLst>
+              <a:gd name="connsiteX0" fmla="*/ 0 w 1417320"/>
+              <a:gd name="connsiteY0" fmla="*/ 0 h 502999"/>
+              <a:gd name="connsiteX1" fmla="*/ 472440 w 1417320"/>
+              <a:gd name="connsiteY1" fmla="*/ 502920 h 502999"/>
+              <a:gd name="connsiteX2" fmla="*/ 1417320 w 1417320"/>
+              <a:gd name="connsiteY2" fmla="*/ 30480 h 502999"/>
+            </a:gdLst>
+            <a:ahLst/>
+            <a:cxnLst>
+              <a:cxn ang="0">
+                <a:pos x="connsiteX0" y="connsiteY0"/>
+              </a:cxn>
+              <a:cxn ang="0">
+                <a:pos x="connsiteX1" y="connsiteY1"/>
+              </a:cxn>
+              <a:cxn ang="0">
+                <a:pos x="connsiteX2" y="connsiteY2"/>
+              </a:cxn>
+            </a:cxnLst>
+            <a:rect l="l" t="t" r="r" b="b"/>
+            <a:pathLst>
+              <a:path w="1417320" h="502999">
+                <a:moveTo>
+                  <a:pt x="0" y="0"/>
+                </a:moveTo>
+                <a:cubicBezTo>
+                  <a:pt x="118110" y="248920"/>
+                  <a:pt x="236220" y="497840"/>
+                  <a:pt x="472440" y="502920"/>
+                </a:cubicBezTo>
+                <a:cubicBezTo>
+                  <a:pt x="708660" y="508000"/>
+                  <a:pt x="1062990" y="269240"/>
+                  <a:pt x="1417320" y="30480"/>
+                </a:cubicBezTo>
+              </a:path>
+            </a:pathLst>
+          </a:custGeom>
+          <a:noFill/>
+          <a:ln w="19050">
+            <a:solidFill>
+              <a:srgbClr val="C00000">
+                <a:alpha val="50000"/>
+              </a:srgbClr>
+            </a:solidFill>
+            <a:prstDash val="solid"/>
+            <a:headEnd type="none"/>
+            <a:tailEnd type="triangle"/>
+          </a:ln>
+        </p:spPr>
+        <p:style>
+          <a:lnRef idx="2">
+            <a:schemeClr val="accent1">
+              <a:shade val="50000"/>
+            </a:schemeClr>
+          </a:lnRef>
+          <a:fillRef idx="1">
+            <a:schemeClr val="accent1"/>
+          </a:fillRef>
+          <a:effectRef idx="0">
+            <a:schemeClr val="accent1"/>
+          </a:effectRef>
+          <a:fontRef idx="minor">
+            <a:schemeClr val="lt1"/>
+          </a:fontRef>
+        </p:style>
+        <p:txBody>
+          <a:bodyPr rtlCol="0" anchor="ctr"/>
+          <a:lstStyle/>
+          <a:p>
+            <a:pPr algn="ctr"/>
+            <a:endParaRPr lang="en-IT"/>
+          </a:p>
+        </p:txBody>
+      </p:sp>
+      <p:sp>
+        <p:nvSpPr>
+          <p:cNvPr id="116" name="Freeform 115">
+            <a:extLst>
+              <a:ext uri="{FF2B5EF4-FFF2-40B4-BE49-F238E27FC236}">
+                <a16:creationId xmlns:a16="http://schemas.microsoft.com/office/drawing/2014/main" id="{D9C4E6AD-E3F3-384B-A301-28E0B3C68333}"/>
+              </a:ext>
+            </a:extLst>
+          </p:cNvPr>
+          <p:cNvSpPr/>
+          <p:nvPr/>
+        </p:nvSpPr>
+        <p:spPr>
+          <a:xfrm>
+            <a:off x="3094442" y="4509353"/>
+            <a:ext cx="7933317" cy="897301"/>
+          </a:xfrm>
+          <a:custGeom>
+            <a:avLst/>
+            <a:gdLst>
+              <a:gd name="connsiteX0" fmla="*/ 0 w 1417320"/>
+              <a:gd name="connsiteY0" fmla="*/ 0 h 502999"/>
+              <a:gd name="connsiteX1" fmla="*/ 472440 w 1417320"/>
+              <a:gd name="connsiteY1" fmla="*/ 502920 h 502999"/>
+              <a:gd name="connsiteX2" fmla="*/ 1417320 w 1417320"/>
+              <a:gd name="connsiteY2" fmla="*/ 30480 h 502999"/>
+            </a:gdLst>
+            <a:ahLst/>
+            <a:cxnLst>
+              <a:cxn ang="0">
+                <a:pos x="connsiteX0" y="connsiteY0"/>
+              </a:cxn>
+              <a:cxn ang="0">
+                <a:pos x="connsiteX1" y="connsiteY1"/>
+              </a:cxn>
+              <a:cxn ang="0">
+                <a:pos x="connsiteX2" y="connsiteY2"/>
+              </a:cxn>
+            </a:cxnLst>
+            <a:rect l="l" t="t" r="r" b="b"/>
+            <a:pathLst>
+              <a:path w="1417320" h="502999">
+                <a:moveTo>
+                  <a:pt x="0" y="0"/>
+                </a:moveTo>
+                <a:cubicBezTo>
+                  <a:pt x="118110" y="248920"/>
+                  <a:pt x="236220" y="497840"/>
+                  <a:pt x="472440" y="502920"/>
+                </a:cubicBezTo>
+                <a:cubicBezTo>
+                  <a:pt x="708660" y="508000"/>
+                  <a:pt x="1062990" y="269240"/>
+                  <a:pt x="1417320" y="30480"/>
+                </a:cubicBezTo>
+              </a:path>
+            </a:pathLst>
+          </a:custGeom>
+          <a:noFill/>
+          <a:ln w="19050">
+            <a:solidFill>
+              <a:srgbClr val="C00000">
+                <a:alpha val="50000"/>
+              </a:srgbClr>
+            </a:solidFill>
+            <a:prstDash val="solid"/>
+            <a:headEnd type="none"/>
+            <a:tailEnd type="triangle"/>
+          </a:ln>
+        </p:spPr>
+        <p:style>
+          <a:lnRef idx="2">
+            <a:schemeClr val="accent1">
+              <a:shade val="50000"/>
+            </a:schemeClr>
+          </a:lnRef>
+          <a:fillRef idx="1">
+            <a:schemeClr val="accent1"/>
+          </a:fillRef>
+          <a:effectRef idx="0">
+            <a:schemeClr val="accent1"/>
+          </a:effectRef>
+          <a:fontRef idx="minor">
+            <a:schemeClr val="lt1"/>
+          </a:fontRef>
+        </p:style>
+        <p:txBody>
+          <a:bodyPr rtlCol="0" anchor="ctr"/>
+          <a:lstStyle/>
+          <a:p>
+            <a:pPr algn="ctr"/>
+            <a:endParaRPr lang="en-IT"/>
+          </a:p>
+        </p:txBody>
+      </p:sp>
+      <p:sp>
+        <p:nvSpPr>
+          <p:cNvPr id="117" name="Freeform 116">
+            <a:extLst>
+              <a:ext uri="{FF2B5EF4-FFF2-40B4-BE49-F238E27FC236}">
+                <a16:creationId xmlns:a16="http://schemas.microsoft.com/office/drawing/2014/main" id="{8561CDDC-7DF6-2A4C-BC53-4FB5946F4C32}"/>
+              </a:ext>
+            </a:extLst>
+          </p:cNvPr>
+          <p:cNvSpPr/>
+          <p:nvPr/>
+        </p:nvSpPr>
+        <p:spPr>
+          <a:xfrm>
+            <a:off x="6021276" y="4510875"/>
+            <a:ext cx="1417320" cy="502999"/>
+          </a:xfrm>
+          <a:custGeom>
+            <a:avLst/>
+            <a:gdLst>
+              <a:gd name="connsiteX0" fmla="*/ 0 w 1417320"/>
+              <a:gd name="connsiteY0" fmla="*/ 0 h 502999"/>
+              <a:gd name="connsiteX1" fmla="*/ 472440 w 1417320"/>
+              <a:gd name="connsiteY1" fmla="*/ 502920 h 502999"/>
+              <a:gd name="connsiteX2" fmla="*/ 1417320 w 1417320"/>
+              <a:gd name="connsiteY2" fmla="*/ 30480 h 502999"/>
+            </a:gdLst>
+            <a:ahLst/>
+            <a:cxnLst>
+              <a:cxn ang="0">
+                <a:pos x="connsiteX0" y="connsiteY0"/>
+              </a:cxn>
+              <a:cxn ang="0">
+                <a:pos x="connsiteX1" y="connsiteY1"/>
+              </a:cxn>
+              <a:cxn ang="0">
+                <a:pos x="connsiteX2" y="connsiteY2"/>
+              </a:cxn>
+            </a:cxnLst>
+            <a:rect l="l" t="t" r="r" b="b"/>
+            <a:pathLst>
+              <a:path w="1417320" h="502999">
+                <a:moveTo>
+                  <a:pt x="0" y="0"/>
+                </a:moveTo>
+                <a:cubicBezTo>
+                  <a:pt x="118110" y="248920"/>
+                  <a:pt x="236220" y="497840"/>
+                  <a:pt x="472440" y="502920"/>
+                </a:cubicBezTo>
+                <a:cubicBezTo>
+                  <a:pt x="708660" y="508000"/>
+                  <a:pt x="1062990" y="269240"/>
+                  <a:pt x="1417320" y="30480"/>
+                </a:cubicBezTo>
+              </a:path>
+            </a:pathLst>
+          </a:custGeom>
+          <a:noFill/>
+          <a:ln w="19050">
+            <a:solidFill>
+              <a:srgbClr val="C00000">
+                <a:alpha val="50000"/>
+              </a:srgbClr>
+            </a:solidFill>
+            <a:prstDash val="solid"/>
+            <a:headEnd type="none"/>
+            <a:tailEnd type="triangle"/>
+          </a:ln>
+        </p:spPr>
+        <p:style>
+          <a:lnRef idx="2">
+            <a:schemeClr val="accent1">
+              <a:shade val="50000"/>
+            </a:schemeClr>
+          </a:lnRef>
+          <a:fillRef idx="1">
+            <a:schemeClr val="accent1"/>
+          </a:fillRef>
+          <a:effectRef idx="0">
+            <a:schemeClr val="accent1"/>
+          </a:effectRef>
+          <a:fontRef idx="minor">
+            <a:schemeClr val="lt1"/>
+          </a:fontRef>
+        </p:style>
+        <p:txBody>
+          <a:bodyPr rtlCol="0" anchor="ctr"/>
+          <a:lstStyle/>
+          <a:p>
+            <a:pPr algn="ctr"/>
+            <a:endParaRPr lang="en-IT"/>
+          </a:p>
+        </p:txBody>
+      </p:sp>
+      <p:sp>
+        <p:nvSpPr>
+          <p:cNvPr id="118" name="Freeform 117">
+            <a:extLst>
+              <a:ext uri="{FF2B5EF4-FFF2-40B4-BE49-F238E27FC236}">
+                <a16:creationId xmlns:a16="http://schemas.microsoft.com/office/drawing/2014/main" id="{B50510D9-9CDB-CC49-B7A9-BD21FE635BBC}"/>
+              </a:ext>
+            </a:extLst>
+          </p:cNvPr>
+          <p:cNvSpPr/>
+          <p:nvPr/>
+        </p:nvSpPr>
+        <p:spPr>
+          <a:xfrm flipH="1">
+            <a:off x="4603929" y="4509948"/>
+            <a:ext cx="1417320" cy="502999"/>
+          </a:xfrm>
+          <a:custGeom>
+            <a:avLst/>
+            <a:gdLst>
+              <a:gd name="connsiteX0" fmla="*/ 0 w 1417320"/>
+              <a:gd name="connsiteY0" fmla="*/ 0 h 502999"/>
+              <a:gd name="connsiteX1" fmla="*/ 472440 w 1417320"/>
+              <a:gd name="connsiteY1" fmla="*/ 502920 h 502999"/>
+              <a:gd name="connsiteX2" fmla="*/ 1417320 w 1417320"/>
+              <a:gd name="connsiteY2" fmla="*/ 30480 h 502999"/>
+            </a:gdLst>
+            <a:ahLst/>
+            <a:cxnLst>
+              <a:cxn ang="0">
+                <a:pos x="connsiteX0" y="connsiteY0"/>
+              </a:cxn>
+              <a:cxn ang="0">
+                <a:pos x="connsiteX1" y="connsiteY1"/>
+              </a:cxn>
+              <a:cxn ang="0">
+                <a:pos x="connsiteX2" y="connsiteY2"/>
+              </a:cxn>
+            </a:cxnLst>
+            <a:rect l="l" t="t" r="r" b="b"/>
+            <a:pathLst>
+              <a:path w="1417320" h="502999">
+                <a:moveTo>
+                  <a:pt x="0" y="0"/>
+                </a:moveTo>
+                <a:cubicBezTo>
+                  <a:pt x="118110" y="248920"/>
+                  <a:pt x="236220" y="497840"/>
+                  <a:pt x="472440" y="502920"/>
+                </a:cubicBezTo>
+                <a:cubicBezTo>
+                  <a:pt x="708660" y="508000"/>
+                  <a:pt x="1062990" y="269240"/>
+                  <a:pt x="1417320" y="30480"/>
+                </a:cubicBezTo>
+              </a:path>
+            </a:pathLst>
+          </a:custGeom>
+          <a:noFill/>
+          <a:ln w="19050">
+            <a:solidFill>
+              <a:srgbClr val="C00000">
+                <a:alpha val="50000"/>
+              </a:srgbClr>
+            </a:solidFill>
+            <a:prstDash val="solid"/>
+            <a:headEnd type="none"/>
+            <a:tailEnd type="triangle"/>
+          </a:ln>
+        </p:spPr>
+        <p:style>
+          <a:lnRef idx="2">
+            <a:schemeClr val="accent1">
+              <a:shade val="50000"/>
+            </a:schemeClr>
+          </a:lnRef>
+          <a:fillRef idx="1">
+            <a:schemeClr val="accent1"/>
+          </a:fillRef>
+          <a:effectRef idx="0">
+            <a:schemeClr val="accent1"/>
+          </a:effectRef>
+          <a:fontRef idx="minor">
+            <a:schemeClr val="lt1"/>
+          </a:fontRef>
+        </p:style>
+        <p:txBody>
+          <a:bodyPr rtlCol="0" anchor="ctr"/>
+          <a:lstStyle/>
+          <a:p>
+            <a:pPr algn="ctr"/>
+            <a:endParaRPr lang="en-IT"/>
+          </a:p>
+        </p:txBody>
+      </p:sp>
+      <p:sp>
+        <p:nvSpPr>
+          <p:cNvPr id="119" name="Freeform 118">
+            <a:extLst>
+              <a:ext uri="{FF2B5EF4-FFF2-40B4-BE49-F238E27FC236}">
+                <a16:creationId xmlns:a16="http://schemas.microsoft.com/office/drawing/2014/main" id="{A6AC5C7C-DD94-3C4F-910A-ED6FF0BC4579}"/>
+              </a:ext>
+            </a:extLst>
+          </p:cNvPr>
+          <p:cNvSpPr/>
+          <p:nvPr/>
+        </p:nvSpPr>
+        <p:spPr>
+          <a:xfrm>
+            <a:off x="6005937" y="4511127"/>
+            <a:ext cx="5021822" cy="927798"/>
+          </a:xfrm>
+          <a:custGeom>
+            <a:avLst/>
+            <a:gdLst>
+              <a:gd name="connsiteX0" fmla="*/ 0 w 1417320"/>
+              <a:gd name="connsiteY0" fmla="*/ 0 h 502999"/>
+              <a:gd name="connsiteX1" fmla="*/ 472440 w 1417320"/>
+              <a:gd name="connsiteY1" fmla="*/ 502920 h 502999"/>
+              <a:gd name="connsiteX2" fmla="*/ 1417320 w 1417320"/>
+              <a:gd name="connsiteY2" fmla="*/ 30480 h 502999"/>
+            </a:gdLst>
+            <a:ahLst/>
+            <a:cxnLst>
+              <a:cxn ang="0">
+                <a:pos x="connsiteX0" y="connsiteY0"/>
+              </a:cxn>
+              <a:cxn ang="0">
+                <a:pos x="connsiteX1" y="connsiteY1"/>
+              </a:cxn>
+              <a:cxn ang="0">
+                <a:pos x="connsiteX2" y="connsiteY2"/>
+              </a:cxn>
+            </a:cxnLst>
+            <a:rect l="l" t="t" r="r" b="b"/>
+            <a:pathLst>
+              <a:path w="1417320" h="502999">
+                <a:moveTo>
+                  <a:pt x="0" y="0"/>
+                </a:moveTo>
+                <a:cubicBezTo>
+                  <a:pt x="118110" y="248920"/>
+                  <a:pt x="236220" y="497840"/>
+                  <a:pt x="472440" y="502920"/>
+                </a:cubicBezTo>
+                <a:cubicBezTo>
+                  <a:pt x="708660" y="508000"/>
+                  <a:pt x="1062990" y="269240"/>
+                  <a:pt x="1417320" y="30480"/>
+                </a:cubicBezTo>
+              </a:path>
+            </a:pathLst>
+          </a:custGeom>
+          <a:noFill/>
+          <a:ln w="19050">
+            <a:solidFill>
+              <a:srgbClr val="C00000">
+                <a:alpha val="50000"/>
+              </a:srgbClr>
+            </a:solidFill>
+            <a:prstDash val="solid"/>
+            <a:headEnd type="none"/>
+            <a:tailEnd type="triangle"/>
+          </a:ln>
+        </p:spPr>
+        <p:style>
+          <a:lnRef idx="2">
+            <a:schemeClr val="accent1">
+              <a:shade val="50000"/>
+            </a:schemeClr>
+          </a:lnRef>
+          <a:fillRef idx="1">
+            <a:schemeClr val="accent1"/>
+          </a:fillRef>
+          <a:effectRef idx="0">
+            <a:schemeClr val="accent1"/>
+          </a:effectRef>
+          <a:fontRef idx="minor">
+            <a:schemeClr val="lt1"/>
+          </a:fontRef>
+        </p:style>
+        <p:txBody>
+          <a:bodyPr rtlCol="0" anchor="ctr"/>
+          <a:lstStyle/>
+          <a:p>
+            <a:pPr algn="ctr"/>
+            <a:endParaRPr lang="en-IT"/>
+          </a:p>
+        </p:txBody>
+      </p:sp>
+      <p:sp>
+        <p:nvSpPr>
+          <p:cNvPr id="120" name="Freeform 119">
+            <a:extLst>
+              <a:ext uri="{FF2B5EF4-FFF2-40B4-BE49-F238E27FC236}">
+                <a16:creationId xmlns:a16="http://schemas.microsoft.com/office/drawing/2014/main" id="{45FA6DCA-D31C-A24D-96DA-56E8311018B7}"/>
+              </a:ext>
+            </a:extLst>
+          </p:cNvPr>
+          <p:cNvSpPr/>
+          <p:nvPr/>
+        </p:nvSpPr>
+        <p:spPr>
+          <a:xfrm flipH="1">
+            <a:off x="7528534" y="4494787"/>
+            <a:ext cx="2241723" cy="502999"/>
+          </a:xfrm>
+          <a:custGeom>
+            <a:avLst/>
+            <a:gdLst>
+              <a:gd name="connsiteX0" fmla="*/ 0 w 1417320"/>
+              <a:gd name="connsiteY0" fmla="*/ 0 h 502999"/>
+              <a:gd name="connsiteX1" fmla="*/ 472440 w 1417320"/>
+              <a:gd name="connsiteY1" fmla="*/ 502920 h 502999"/>
+              <a:gd name="connsiteX2" fmla="*/ 1417320 w 1417320"/>
+              <a:gd name="connsiteY2" fmla="*/ 30480 h 502999"/>
+            </a:gdLst>
+            <a:ahLst/>
+            <a:cxnLst>
+              <a:cxn ang="0">
+                <a:pos x="connsiteX0" y="connsiteY0"/>
+              </a:cxn>
+              <a:cxn ang="0">
+                <a:pos x="connsiteX1" y="connsiteY1"/>
+              </a:cxn>
+              <a:cxn ang="0">
+                <a:pos x="connsiteX2" y="connsiteY2"/>
+              </a:cxn>
+            </a:cxnLst>
+            <a:rect l="l" t="t" r="r" b="b"/>
+            <a:pathLst>
+              <a:path w="1417320" h="502999">
+                <a:moveTo>
+                  <a:pt x="0" y="0"/>
+                </a:moveTo>
+                <a:cubicBezTo>
+                  <a:pt x="118110" y="248920"/>
+                  <a:pt x="236220" y="497840"/>
+                  <a:pt x="472440" y="502920"/>
+                </a:cubicBezTo>
+                <a:cubicBezTo>
+                  <a:pt x="708660" y="508000"/>
+                  <a:pt x="1062990" y="269240"/>
+                  <a:pt x="1417320" y="30480"/>
+                </a:cubicBezTo>
+              </a:path>
+            </a:pathLst>
+          </a:custGeom>
+          <a:noFill/>
+          <a:ln w="19050">
+            <a:solidFill>
+              <a:schemeClr val="accent4">
+                <a:alpha val="50000"/>
+              </a:schemeClr>
+            </a:solidFill>
+            <a:prstDash val="solid"/>
+            <a:headEnd type="none"/>
+            <a:tailEnd type="triangle"/>
+          </a:ln>
+        </p:spPr>
+        <p:style>
+          <a:lnRef idx="2">
+            <a:schemeClr val="accent1">
+              <a:shade val="50000"/>
+            </a:schemeClr>
+          </a:lnRef>
+          <a:fillRef idx="1">
+            <a:schemeClr val="accent1"/>
+          </a:fillRef>
+          <a:effectRef idx="0">
+            <a:schemeClr val="accent1"/>
+          </a:effectRef>
+          <a:fontRef idx="minor">
+            <a:schemeClr val="lt1"/>
+          </a:fontRef>
+        </p:style>
+        <p:txBody>
+          <a:bodyPr rtlCol="0" anchor="ctr"/>
+          <a:lstStyle/>
+          <a:p>
+            <a:pPr algn="ctr"/>
+            <a:endParaRPr lang="en-IT"/>
+          </a:p>
+        </p:txBody>
+      </p:sp>
+      <p:sp>
+        <p:nvSpPr>
+          <p:cNvPr id="121" name="Freeform 120">
+            <a:extLst>
+              <a:ext uri="{FF2B5EF4-FFF2-40B4-BE49-F238E27FC236}">
+                <a16:creationId xmlns:a16="http://schemas.microsoft.com/office/drawing/2014/main" id="{A6DBA9C6-96F9-1143-99F8-B23554F435E2}"/>
+              </a:ext>
+            </a:extLst>
+          </p:cNvPr>
+          <p:cNvSpPr/>
+          <p:nvPr/>
+        </p:nvSpPr>
+        <p:spPr>
+          <a:xfrm flipH="1">
+            <a:off x="4510516" y="4509144"/>
+            <a:ext cx="5275620" cy="962103"/>
+          </a:xfrm>
+          <a:custGeom>
+            <a:avLst/>
+            <a:gdLst>
+              <a:gd name="connsiteX0" fmla="*/ 0 w 1417320"/>
+              <a:gd name="connsiteY0" fmla="*/ 0 h 502999"/>
+              <a:gd name="connsiteX1" fmla="*/ 472440 w 1417320"/>
+              <a:gd name="connsiteY1" fmla="*/ 502920 h 502999"/>
+              <a:gd name="connsiteX2" fmla="*/ 1417320 w 1417320"/>
+              <a:gd name="connsiteY2" fmla="*/ 30480 h 502999"/>
+            </a:gdLst>
+            <a:ahLst/>
+            <a:cxnLst>
+              <a:cxn ang="0">
+                <a:pos x="connsiteX0" y="connsiteY0"/>
+              </a:cxn>
+              <a:cxn ang="0">
+                <a:pos x="connsiteX1" y="connsiteY1"/>
+              </a:cxn>
+              <a:cxn ang="0">
+                <a:pos x="connsiteX2" y="connsiteY2"/>
+              </a:cxn>
+            </a:cxnLst>
+            <a:rect l="l" t="t" r="r" b="b"/>
+            <a:pathLst>
+              <a:path w="1417320" h="502999">
+                <a:moveTo>
+                  <a:pt x="0" y="0"/>
+                </a:moveTo>
+                <a:cubicBezTo>
+                  <a:pt x="118110" y="248920"/>
+                  <a:pt x="236220" y="497840"/>
+                  <a:pt x="472440" y="502920"/>
+                </a:cubicBezTo>
+                <a:cubicBezTo>
+                  <a:pt x="708660" y="508000"/>
+                  <a:pt x="1062990" y="269240"/>
+                  <a:pt x="1417320" y="30480"/>
+                </a:cubicBezTo>
+              </a:path>
+            </a:pathLst>
+          </a:custGeom>
+          <a:noFill/>
+          <a:ln w="19050">
+            <a:solidFill>
+              <a:schemeClr val="accent4">
+                <a:alpha val="50000"/>
+              </a:schemeClr>
+            </a:solidFill>
+            <a:prstDash val="solid"/>
+            <a:headEnd type="none"/>
+            <a:tailEnd type="triangle"/>
+          </a:ln>
+        </p:spPr>
+        <p:style>
+          <a:lnRef idx="2">
+            <a:schemeClr val="accent1">
+              <a:shade val="50000"/>
+            </a:schemeClr>
+          </a:lnRef>
+          <a:fillRef idx="1">
+            <a:schemeClr val="accent1"/>
+          </a:fillRef>
+          <a:effectRef idx="0">
+            <a:schemeClr val="accent1"/>
+          </a:effectRef>
+          <a:fontRef idx="minor">
+            <a:schemeClr val="lt1"/>
+          </a:fontRef>
+        </p:style>
+        <p:txBody>
+          <a:bodyPr rtlCol="0" anchor="ctr"/>
+          <a:lstStyle/>
+          <a:p>
+            <a:pPr algn="ctr"/>
+            <a:endParaRPr lang="en-IT"/>
+          </a:p>
+        </p:txBody>
+      </p:sp>
+      <p:sp>
+        <p:nvSpPr>
+          <p:cNvPr id="122" name="Freeform 121">
+            <a:extLst>
+              <a:ext uri="{FF2B5EF4-FFF2-40B4-BE49-F238E27FC236}">
+                <a16:creationId xmlns:a16="http://schemas.microsoft.com/office/drawing/2014/main" id="{A14CE3BB-8EDA-D248-8071-35A13F63426D}"/>
+              </a:ext>
+            </a:extLst>
+          </p:cNvPr>
+          <p:cNvSpPr/>
+          <p:nvPr/>
+        </p:nvSpPr>
+        <p:spPr>
+          <a:xfrm>
+            <a:off x="9816773" y="4510512"/>
+            <a:ext cx="1383937" cy="587117"/>
+          </a:xfrm>
+          <a:custGeom>
+            <a:avLst/>
+            <a:gdLst>
+              <a:gd name="connsiteX0" fmla="*/ 0 w 1417320"/>
+              <a:gd name="connsiteY0" fmla="*/ 0 h 502999"/>
+              <a:gd name="connsiteX1" fmla="*/ 472440 w 1417320"/>
+              <a:gd name="connsiteY1" fmla="*/ 502920 h 502999"/>
+              <a:gd name="connsiteX2" fmla="*/ 1417320 w 1417320"/>
+              <a:gd name="connsiteY2" fmla="*/ 30480 h 502999"/>
+            </a:gdLst>
+            <a:ahLst/>
+            <a:cxnLst>
+              <a:cxn ang="0">
+                <a:pos x="connsiteX0" y="connsiteY0"/>
+              </a:cxn>
+              <a:cxn ang="0">
+                <a:pos x="connsiteX1" y="connsiteY1"/>
+              </a:cxn>
+              <a:cxn ang="0">
+                <a:pos x="connsiteX2" y="connsiteY2"/>
+              </a:cxn>
+            </a:cxnLst>
+            <a:rect l="l" t="t" r="r" b="b"/>
+            <a:pathLst>
+              <a:path w="1417320" h="502999">
+                <a:moveTo>
+                  <a:pt x="0" y="0"/>
+                </a:moveTo>
+                <a:cubicBezTo>
+                  <a:pt x="118110" y="248920"/>
+                  <a:pt x="236220" y="497840"/>
+                  <a:pt x="472440" y="502920"/>
+                </a:cubicBezTo>
+                <a:cubicBezTo>
+                  <a:pt x="708660" y="508000"/>
+                  <a:pt x="1062990" y="269240"/>
+                  <a:pt x="1417320" y="30480"/>
+                </a:cubicBezTo>
+              </a:path>
+            </a:pathLst>
+          </a:custGeom>
+          <a:noFill/>
+          <a:ln w="19050">
+            <a:solidFill>
+              <a:srgbClr val="00B050">
+                <a:alpha val="50000"/>
+              </a:srgbClr>
+            </a:solidFill>
+            <a:prstDash val="solid"/>
+            <a:headEnd type="none"/>
+            <a:tailEnd type="triangle"/>
+          </a:ln>
+        </p:spPr>
+        <p:style>
+          <a:lnRef idx="2">
+            <a:schemeClr val="accent1">
+              <a:shade val="50000"/>
+            </a:schemeClr>
+          </a:lnRef>
+          <a:fillRef idx="1">
+            <a:schemeClr val="accent1"/>
+          </a:fillRef>
+          <a:effectRef idx="0">
+            <a:schemeClr val="accent1"/>
+          </a:effectRef>
+          <a:fontRef idx="minor">
+            <a:schemeClr val="lt1"/>
+          </a:fontRef>
+        </p:style>
+        <p:txBody>
+          <a:bodyPr rtlCol="0" anchor="ctr"/>
+          <a:lstStyle/>
+          <a:p>
+            <a:pPr algn="ctr"/>
+            <a:endParaRPr lang="en-IT"/>
+          </a:p>
+        </p:txBody>
+      </p:sp>
+    </p:spTree>
+    <p:extLst>
+      <p:ext uri="{BB962C8B-B14F-4D97-AF65-F5344CB8AC3E}">
+        <p14:creationId xmlns:p14="http://schemas.microsoft.com/office/powerpoint/2010/main" val="2077556445"/>
+      </p:ext>
+    </p:extLst>
+  </p:cSld>
+  <p:clrMapOvr>
+    <a:masterClrMapping/>
+  </p:clrMapOvr>
+</p:sld>
+</file>
+
+<file path=ppt/slides/slide4.xml><?xml version="1.0" encoding="utf-8"?>
+<p:sld xmlns:a="http://schemas.openxmlformats.org/drawingml/2006/main" xmlns:r="http://schemas.openxmlformats.org/officeDocument/2006/relationships" xmlns:p="http://schemas.openxmlformats.org/presentationml/2006/main">
+  <p:cSld>
+    <p:spTree>
+      <p:nvGrpSpPr>
+        <p:cNvPr id="1" name=""/>
+        <p:cNvGrpSpPr/>
+        <p:nvPr/>
+      </p:nvGrpSpPr>
+      <p:grpSpPr>
+        <a:xfrm>
+          <a:off x="0" y="0"/>
+          <a:ext cx="0" cy="0"/>
+          <a:chOff x="0" y="0"/>
+          <a:chExt cx="0" cy="0"/>
+        </a:xfrm>
+      </p:grpSpPr>
+      <p:pic>
+        <p:nvPicPr>
+          <p:cNvPr id="10" name="Picture 9" descr="Text&#10;&#10;Description automatically generated">
+            <a:extLst>
+              <a:ext uri="{FF2B5EF4-FFF2-40B4-BE49-F238E27FC236}">
+                <a16:creationId xmlns:a16="http://schemas.microsoft.com/office/drawing/2014/main" id="{609B4210-2FBA-2449-AD30-060E60AB859E}"/>
+              </a:ext>
+            </a:extLst>
+          </p:cNvPr>
+          <p:cNvPicPr>
+            <a:picLocks noChangeAspect="1"/>
+          </p:cNvPicPr>
+          <p:nvPr/>
+        </p:nvPicPr>
+        <p:blipFill>
+          <a:blip r:embed="rId2"/>
+          <a:stretch>
+            <a:fillRect/>
+          </a:stretch>
+        </p:blipFill>
+        <p:spPr>
+          <a:xfrm>
+            <a:off x="15015" y="0"/>
+            <a:ext cx="12161970" cy="6858000"/>
+          </a:xfrm>
+          <a:prstGeom prst="rect">
+            <a:avLst/>
+          </a:prstGeom>
+        </p:spPr>
+      </p:pic>
+      <p:sp>
+        <p:nvSpPr>
+          <p:cNvPr id="13" name="TextBox 12">
+            <a:extLst>
+              <a:ext uri="{FF2B5EF4-FFF2-40B4-BE49-F238E27FC236}">
+                <a16:creationId xmlns:a16="http://schemas.microsoft.com/office/drawing/2014/main" id="{3C9DD3E2-22A7-C44D-9898-82C628447222}"/>
+              </a:ext>
+            </a:extLst>
+          </p:cNvPr>
+          <p:cNvSpPr txBox="1"/>
+          <p:nvPr/>
+        </p:nvSpPr>
+        <p:spPr>
+          <a:xfrm>
+            <a:off x="2377440" y="3855720"/>
+            <a:ext cx="2423160" cy="307777"/>
+          </a:xfrm>
+          <a:prstGeom prst="rect">
+            <a:avLst/>
+          </a:prstGeom>
+          <a:solidFill>
+            <a:schemeClr val="accent4"/>
+          </a:solidFill>
+        </p:spPr>
+        <p:txBody>
+          <a:bodyPr wrap="square" rtlCol="0">
+            <a:spAutoFit/>
+          </a:bodyPr>
+          <a:lstStyle/>
+          <a:p>
+            <a:pPr algn="ctr"/>
+            <a:r>
+              <a:rPr lang="en-GB" sz="1400" dirty="0">
+                <a:solidFill>
+                  <a:srgbClr val="FF0000"/>
+                </a:solidFill>
+              </a:rPr>
+              <a:t>P</a:t>
+            </a:r>
+            <a:r>
+              <a:rPr lang="en-IT" sz="1400" dirty="0">
+                <a:solidFill>
+                  <a:srgbClr val="FF0000"/>
+                </a:solidFill>
+              </a:rPr>
+              <a:t>ublic on custom VPC</a:t>
+            </a:r>
+          </a:p>
+        </p:txBody>
+      </p:sp>
+      <p:sp>
+        <p:nvSpPr>
+          <p:cNvPr id="89" name="TextBox 88">
+            <a:extLst>
+              <a:ext uri="{FF2B5EF4-FFF2-40B4-BE49-F238E27FC236}">
+                <a16:creationId xmlns:a16="http://schemas.microsoft.com/office/drawing/2014/main" id="{154373FF-3B48-1346-B0AA-70FEC3539CD8}"/>
+              </a:ext>
+            </a:extLst>
+          </p:cNvPr>
+          <p:cNvSpPr txBox="1"/>
+          <p:nvPr/>
+        </p:nvSpPr>
+        <p:spPr>
+          <a:xfrm>
+            <a:off x="8961120" y="3855719"/>
+            <a:ext cx="2423160" cy="307777"/>
+          </a:xfrm>
+          <a:prstGeom prst="rect">
+            <a:avLst/>
+          </a:prstGeom>
+          <a:solidFill>
+            <a:schemeClr val="accent4"/>
+          </a:solidFill>
+        </p:spPr>
+        <p:txBody>
+          <a:bodyPr wrap="square" rtlCol="0">
+            <a:spAutoFit/>
+          </a:bodyPr>
+          <a:lstStyle/>
+          <a:p>
+            <a:pPr algn="ctr"/>
+            <a:r>
+              <a:rPr lang="en-GB" sz="1400" dirty="0">
+                <a:solidFill>
+                  <a:srgbClr val="FF0000"/>
+                </a:solidFill>
+              </a:rPr>
+              <a:t>private</a:t>
+            </a:r>
+            <a:r>
+              <a:rPr lang="en-IT" sz="1400" dirty="0">
+                <a:solidFill>
+                  <a:srgbClr val="FF0000"/>
+                </a:solidFill>
+              </a:rPr>
+              <a:t> on custom VPC</a:t>
+            </a:r>
+          </a:p>
+        </p:txBody>
+      </p:sp>
+      <p:sp>
+        <p:nvSpPr>
+          <p:cNvPr id="113" name="TextBox 112">
+            <a:extLst>
+              <a:ext uri="{FF2B5EF4-FFF2-40B4-BE49-F238E27FC236}">
+                <a16:creationId xmlns:a16="http://schemas.microsoft.com/office/drawing/2014/main" id="{E6BD5D65-6836-4946-B9E8-DB5990BE37AE}"/>
+              </a:ext>
+            </a:extLst>
+          </p:cNvPr>
+          <p:cNvSpPr txBox="1"/>
+          <p:nvPr/>
+        </p:nvSpPr>
+        <p:spPr>
+          <a:xfrm>
+            <a:off x="8839200" y="-153889"/>
+            <a:ext cx="2423160" cy="307777"/>
+          </a:xfrm>
+          <a:prstGeom prst="rect">
+            <a:avLst/>
+          </a:prstGeom>
+          <a:solidFill>
+            <a:schemeClr val="accent4"/>
+          </a:solidFill>
+        </p:spPr>
+        <p:txBody>
+          <a:bodyPr wrap="square" rtlCol="0">
+            <a:spAutoFit/>
+          </a:bodyPr>
+          <a:lstStyle/>
+          <a:p>
+            <a:pPr algn="ctr"/>
+            <a:r>
+              <a:rPr lang="en-GB" sz="1400" dirty="0">
+                <a:solidFill>
+                  <a:srgbClr val="FF0000"/>
+                </a:solidFill>
+              </a:rPr>
+              <a:t>public</a:t>
+            </a:r>
+            <a:r>
+              <a:rPr lang="en-IT" sz="1400" dirty="0">
+                <a:solidFill>
+                  <a:srgbClr val="FF0000"/>
+                </a:solidFill>
+              </a:rPr>
+              <a:t> on default VPC</a:t>
+            </a:r>
+          </a:p>
+        </p:txBody>
+      </p:sp>
+    </p:spTree>
+    <p:extLst>
+      <p:ext uri="{BB962C8B-B14F-4D97-AF65-F5344CB8AC3E}">
+        <p14:creationId xmlns:p14="http://schemas.microsoft.com/office/powerpoint/2010/main" val="109189832"/>
+      </p:ext>
+    </p:extLst>
+  </p:cSld>
+  <p:clrMapOvr>
+    <a:masterClrMapping/>
+  </p:clrMapOvr>
+</p:sld>
+</file>
+
+<file path=ppt/slides/slide5.xml><?xml version="1.0" encoding="utf-8"?>
+<p:sld xmlns:a="http://schemas.openxmlformats.org/drawingml/2006/main" xmlns:r="http://schemas.openxmlformats.org/officeDocument/2006/relationships" xmlns:p="http://schemas.openxmlformats.org/presentationml/2006/main">
+  <p:cSld>
+    <p:spTree>
+      <p:nvGrpSpPr>
+        <p:cNvPr id="1" name=""/>
+        <p:cNvGrpSpPr/>
+        <p:nvPr/>
+      </p:nvGrpSpPr>
+      <p:grpSpPr>
+        <a:xfrm>
+          <a:off x="0" y="0"/>
+          <a:ext cx="0" cy="0"/>
+          <a:chOff x="0" y="0"/>
+          <a:chExt cx="0" cy="0"/>
+        </a:xfrm>
+      </p:grpSpPr>
+      <p:sp>
+        <p:nvSpPr>
+          <p:cNvPr id="48" name="Rectangle 47">
+            <a:extLst>
+              <a:ext uri="{FF2B5EF4-FFF2-40B4-BE49-F238E27FC236}">
+                <a16:creationId xmlns:a16="http://schemas.microsoft.com/office/drawing/2014/main" id="{0DEE68AC-6067-A14D-98CD-C81F5AA123FF}"/>
+              </a:ext>
+            </a:extLst>
+          </p:cNvPr>
+          <p:cNvSpPr/>
+          <p:nvPr/>
+        </p:nvSpPr>
+        <p:spPr>
+          <a:xfrm>
+            <a:off x="1793130" y="2527944"/>
+            <a:ext cx="10182422" cy="2240616"/>
+          </a:xfrm>
+          <a:prstGeom prst="rect">
+            <a:avLst/>
+          </a:prstGeom>
+          <a:solidFill>
+            <a:schemeClr val="bg1">
+              <a:lumMod val="95000"/>
+            </a:schemeClr>
+          </a:solidFill>
+          <a:ln>
+            <a:noFill/>
+          </a:ln>
+        </p:spPr>
+        <p:style>
+          <a:lnRef idx="2">
+            <a:schemeClr val="accent1">
+              <a:shade val="50000"/>
+            </a:schemeClr>
+          </a:lnRef>
+          <a:fillRef idx="1">
+            <a:schemeClr val="accent1"/>
+          </a:fillRef>
+          <a:effectRef idx="0">
+            <a:schemeClr val="accent1"/>
+          </a:effectRef>
+          <a:fontRef idx="minor">
+            <a:schemeClr val="lt1"/>
+          </a:fontRef>
+        </p:style>
+        <p:txBody>
+          <a:bodyPr rtlCol="0" anchor="t"/>
+          <a:lstStyle/>
+          <a:p>
+            <a:pPr algn="ctr"/>
+            <a:r>
+              <a:rPr lang="en-GB" sz="1000" i="1" dirty="0">
+                <a:solidFill>
+                  <a:schemeClr val="tx1"/>
+                </a:solidFill>
+                <a:latin typeface="IBM Plex Sans Condensed" panose="020B0506050203000203" pitchFamily="34" charset="77"/>
+              </a:rPr>
+              <a:t>e</a:t>
+            </a:r>
+            <a:r>
+              <a:rPr lang="en-IT" sz="1000" i="1" dirty="0">
+                <a:solidFill>
+                  <a:schemeClr val="tx1"/>
+                </a:solidFill>
+                <a:latin typeface="IBM Plex Sans Condensed" panose="020B0506050203000203" pitchFamily="34" charset="77"/>
+              </a:rPr>
+              <a:t>u-central-1a</a:t>
+            </a:r>
+          </a:p>
+        </p:txBody>
+      </p:sp>
+      <p:sp>
+        <p:nvSpPr>
+          <p:cNvPr id="11" name="Rectangle 10">
+            <a:extLst>
+              <a:ext uri="{FF2B5EF4-FFF2-40B4-BE49-F238E27FC236}">
+                <a16:creationId xmlns:a16="http://schemas.microsoft.com/office/drawing/2014/main" id="{BE2E7BEF-E8C7-3D4F-8A82-C7E1832EF413}"/>
+              </a:ext>
+            </a:extLst>
+          </p:cNvPr>
+          <p:cNvSpPr/>
+          <p:nvPr/>
+        </p:nvSpPr>
+        <p:spPr>
+          <a:xfrm>
+            <a:off x="1793130" y="992566"/>
+            <a:ext cx="10182422" cy="586378"/>
+          </a:xfrm>
+          <a:prstGeom prst="rect">
+            <a:avLst/>
+          </a:prstGeom>
+          <a:solidFill>
+            <a:schemeClr val="bg1">
+              <a:lumMod val="95000"/>
+            </a:schemeClr>
+          </a:solidFill>
+          <a:ln>
+            <a:noFill/>
+          </a:ln>
+        </p:spPr>
+        <p:style>
+          <a:lnRef idx="2">
+            <a:schemeClr val="accent1">
+              <a:shade val="50000"/>
+            </a:schemeClr>
+          </a:lnRef>
+          <a:fillRef idx="1">
+            <a:schemeClr val="accent1"/>
+          </a:fillRef>
+          <a:effectRef idx="0">
+            <a:schemeClr val="accent1"/>
+          </a:effectRef>
+          <a:fontRef idx="minor">
+            <a:schemeClr val="lt1"/>
+          </a:fontRef>
+        </p:style>
+        <p:txBody>
+          <a:bodyPr rtlCol="0" anchor="t"/>
+          <a:lstStyle/>
+          <a:p>
+            <a:pPr algn="ctr"/>
+            <a:r>
+              <a:rPr lang="en-GB" sz="1050" i="1" dirty="0">
+                <a:solidFill>
+                  <a:schemeClr val="tx1"/>
+                </a:solidFill>
+                <a:latin typeface="IBM Plex Sans" panose="020B0503050203000203" pitchFamily="34" charset="0"/>
+              </a:rPr>
+              <a:t>e</a:t>
+            </a:r>
+            <a:r>
+              <a:rPr lang="en-IT" sz="1050" i="1" dirty="0">
+                <a:solidFill>
+                  <a:schemeClr val="tx1"/>
+                </a:solidFill>
+                <a:latin typeface="IBM Plex Sans" panose="020B0503050203000203" pitchFamily="34" charset="0"/>
+              </a:rPr>
+              <a:t>u-central-1c</a:t>
+            </a:r>
+          </a:p>
+        </p:txBody>
+      </p:sp>
+      <p:sp>
+        <p:nvSpPr>
+          <p:cNvPr id="47" name="Rectangle 46">
+            <a:extLst>
+              <a:ext uri="{FF2B5EF4-FFF2-40B4-BE49-F238E27FC236}">
+                <a16:creationId xmlns:a16="http://schemas.microsoft.com/office/drawing/2014/main" id="{F5002E7A-9483-B84C-B313-EFA912F861E4}"/>
+              </a:ext>
+            </a:extLst>
+          </p:cNvPr>
+          <p:cNvSpPr/>
+          <p:nvPr/>
+        </p:nvSpPr>
+        <p:spPr>
+          <a:xfrm>
+            <a:off x="1793130" y="1727140"/>
+            <a:ext cx="10182422" cy="586378"/>
+          </a:xfrm>
+          <a:prstGeom prst="rect">
+            <a:avLst/>
+          </a:prstGeom>
+          <a:solidFill>
+            <a:schemeClr val="bg1">
+              <a:lumMod val="95000"/>
+            </a:schemeClr>
+          </a:solidFill>
+          <a:ln>
+            <a:noFill/>
+          </a:ln>
+        </p:spPr>
+        <p:style>
+          <a:lnRef idx="2">
+            <a:schemeClr val="accent1">
+              <a:shade val="50000"/>
+            </a:schemeClr>
+          </a:lnRef>
+          <a:fillRef idx="1">
+            <a:schemeClr val="accent1"/>
+          </a:fillRef>
+          <a:effectRef idx="0">
+            <a:schemeClr val="accent1"/>
+          </a:effectRef>
+          <a:fontRef idx="minor">
+            <a:schemeClr val="lt1"/>
+          </a:fontRef>
+        </p:style>
+        <p:txBody>
+          <a:bodyPr rtlCol="0" anchor="t"/>
+          <a:lstStyle/>
+          <a:p>
+            <a:pPr algn="ctr"/>
+            <a:r>
+              <a:rPr lang="en-IT" sz="1000" i="1" dirty="0">
+                <a:solidFill>
+                  <a:schemeClr val="tx1"/>
+                </a:solidFill>
+                <a:latin typeface="IBM Plex Sans Condensed" panose="020B0506050203000203" pitchFamily="34" charset="77"/>
+              </a:rPr>
+              <a:t>eu-central-1b</a:t>
+            </a:r>
+          </a:p>
+        </p:txBody>
+      </p:sp>
+      <p:sp>
+        <p:nvSpPr>
+          <p:cNvPr id="4" name="Rectangle 3">
+            <a:extLst>
+              <a:ext uri="{FF2B5EF4-FFF2-40B4-BE49-F238E27FC236}">
+                <a16:creationId xmlns:a16="http://schemas.microsoft.com/office/drawing/2014/main" id="{99EA56B7-9651-EB49-AD5D-7C010C17A6ED}"/>
+              </a:ext>
+            </a:extLst>
+          </p:cNvPr>
+          <p:cNvSpPr/>
+          <p:nvPr/>
+        </p:nvSpPr>
+        <p:spPr>
+          <a:xfrm>
+            <a:off x="1888762" y="548759"/>
+            <a:ext cx="6372835" cy="5400671"/>
+          </a:xfrm>
+          <a:prstGeom prst="rect">
+            <a:avLst/>
+          </a:prstGeom>
+          <a:noFill/>
+          <a:ln>
+            <a:solidFill>
+              <a:schemeClr val="tx1"/>
+            </a:solidFill>
+            <a:prstDash val="dash"/>
+          </a:ln>
+        </p:spPr>
+        <p:style>
+          <a:lnRef idx="2">
+            <a:schemeClr val="accent1">
+              <a:shade val="50000"/>
+            </a:schemeClr>
+          </a:lnRef>
+          <a:fillRef idx="1">
+            <a:schemeClr val="accent1"/>
+          </a:fillRef>
+          <a:effectRef idx="0">
+            <a:schemeClr val="accent1"/>
+          </a:effectRef>
+          <a:fontRef idx="minor">
+            <a:schemeClr val="lt1"/>
+          </a:fontRef>
+        </p:style>
+        <p:txBody>
+          <a:bodyPr rtlCol="0" anchor="t"/>
+          <a:lstStyle/>
+          <a:p>
+            <a:r>
+              <a:rPr lang="en-GB" sz="1050" i="1" dirty="0">
+                <a:solidFill>
+                  <a:schemeClr val="tx1"/>
+                </a:solidFill>
+                <a:latin typeface="IBM Plex Sans Condensed" panose="020B0506050203000203" pitchFamily="34" charset="77"/>
+              </a:rPr>
+              <a:t>v</a:t>
+            </a:r>
+            <a:r>
+              <a:rPr lang="en-IT" sz="1050" i="1" dirty="0">
+                <a:solidFill>
+                  <a:schemeClr val="tx1"/>
+                </a:solidFill>
+                <a:latin typeface="IBM Plex Sans Condensed" panose="020B0506050203000203" pitchFamily="34" charset="77"/>
+              </a:rPr>
+              <a:t>pc 10.0.0.0/16</a:t>
+            </a:r>
+          </a:p>
+        </p:txBody>
+      </p:sp>
+      <p:pic>
+        <p:nvPicPr>
+          <p:cNvPr id="8" name="Graphic 7" descr="Laptop">
+            <a:extLst>
+              <a:ext uri="{FF2B5EF4-FFF2-40B4-BE49-F238E27FC236}">
+                <a16:creationId xmlns:a16="http://schemas.microsoft.com/office/drawing/2014/main" id="{147498BC-685A-F248-B469-F4F62E3A43D1}"/>
+              </a:ext>
+            </a:extLst>
+          </p:cNvPr>
+          <p:cNvPicPr>
+            <a:picLocks noChangeAspect="1"/>
+          </p:cNvPicPr>
+          <p:nvPr/>
+        </p:nvPicPr>
+        <p:blipFill>
+          <a:blip r:embed="rId2">
+            <a:extLst>
+              <a:ext uri="{96DAC541-7B7A-43D3-8B79-37D633B846F1}">
+                <asvg:svgBlip xmlns:asvg="http://schemas.microsoft.com/office/drawing/2016/SVG/main" r:embed="rId3"/>
+              </a:ext>
+            </a:extLst>
+          </a:blip>
+          <a:stretch>
+            <a:fillRect/>
+          </a:stretch>
+        </p:blipFill>
+        <p:spPr>
+          <a:xfrm>
+            <a:off x="103172" y="5301682"/>
+            <a:ext cx="716123" cy="716123"/>
+          </a:xfrm>
+          <a:prstGeom prst="rect">
+            <a:avLst/>
+          </a:prstGeom>
+        </p:spPr>
+      </p:pic>
+      <p:sp>
+        <p:nvSpPr>
+          <p:cNvPr id="9" name="Rounded Rectangle 8">
+            <a:extLst>
+              <a:ext uri="{FF2B5EF4-FFF2-40B4-BE49-F238E27FC236}">
+                <a16:creationId xmlns:a16="http://schemas.microsoft.com/office/drawing/2014/main" id="{6EF756E3-D2A9-4447-A114-B2105EDD2ACA}"/>
+              </a:ext>
+            </a:extLst>
+          </p:cNvPr>
+          <p:cNvSpPr/>
+          <p:nvPr/>
+        </p:nvSpPr>
+        <p:spPr>
+          <a:xfrm>
+            <a:off x="1461403" y="320642"/>
+            <a:ext cx="10595917" cy="6421061"/>
+          </a:xfrm>
+          <a:prstGeom prst="roundRect">
+            <a:avLst>
+              <a:gd name="adj" fmla="val 1950"/>
+            </a:avLst>
+          </a:prstGeom>
+          <a:noFill/>
+          <a:ln>
+            <a:solidFill>
+              <a:schemeClr val="tx1"/>
+            </a:solidFill>
+          </a:ln>
+        </p:spPr>
+        <p:style>
+          <a:lnRef idx="2">
+            <a:schemeClr val="accent1">
+              <a:shade val="50000"/>
+            </a:schemeClr>
+          </a:lnRef>
+          <a:fillRef idx="1">
+            <a:schemeClr val="accent1"/>
+          </a:fillRef>
+          <a:effectRef idx="0">
+            <a:schemeClr val="accent1"/>
+          </a:effectRef>
+          <a:fontRef idx="minor">
+            <a:schemeClr val="lt1"/>
+          </a:fontRef>
+        </p:style>
+        <p:txBody>
+          <a:bodyPr rtlCol="0" anchor="ctr"/>
+          <a:lstStyle/>
+          <a:p>
+            <a:pPr algn="ctr"/>
+            <a:endParaRPr lang="en-IT"/>
+          </a:p>
+        </p:txBody>
+      </p:sp>
+      <p:pic>
+        <p:nvPicPr>
+          <p:cNvPr id="17" name="Picture 16" descr="Logo&#10;&#10;Description automatically generated">
+            <a:extLst>
+              <a:ext uri="{FF2B5EF4-FFF2-40B4-BE49-F238E27FC236}">
+                <a16:creationId xmlns:a16="http://schemas.microsoft.com/office/drawing/2014/main" id="{FFBF546A-B512-5943-B1AC-2ED5BA926855}"/>
+              </a:ext>
+            </a:extLst>
+          </p:cNvPr>
+          <p:cNvPicPr>
+            <a:picLocks noChangeAspect="1"/>
+          </p:cNvPicPr>
+          <p:nvPr/>
+        </p:nvPicPr>
+        <p:blipFill>
+          <a:blip r:embed="rId4"/>
+          <a:stretch>
+            <a:fillRect/>
+          </a:stretch>
+        </p:blipFill>
+        <p:spPr>
+          <a:xfrm>
+            <a:off x="1166689" y="116290"/>
+            <a:ext cx="698500" cy="432470"/>
+          </a:xfrm>
+          <a:prstGeom prst="rect">
+            <a:avLst/>
+          </a:prstGeom>
+        </p:spPr>
+      </p:pic>
+      <p:cxnSp>
+        <p:nvCxnSpPr>
+          <p:cNvPr id="28" name="Straight Arrow Connector 27">
+            <a:extLst>
+              <a:ext uri="{FF2B5EF4-FFF2-40B4-BE49-F238E27FC236}">
+                <a16:creationId xmlns:a16="http://schemas.microsoft.com/office/drawing/2014/main" id="{54D9EADC-6C0C-CA42-B9CB-192D696E12A9}"/>
+              </a:ext>
+            </a:extLst>
+          </p:cNvPr>
+          <p:cNvCxnSpPr/>
+          <p:nvPr/>
+        </p:nvCxnSpPr>
+        <p:spPr>
+          <a:xfrm>
+            <a:off x="819295" y="5499554"/>
+            <a:ext cx="252000" cy="0"/>
+          </a:xfrm>
+          <a:prstGeom prst="straightConnector1">
+            <a:avLst/>
+          </a:prstGeom>
+          <a:ln>
+            <a:solidFill>
+              <a:schemeClr val="tx1"/>
+            </a:solidFill>
+            <a:tailEnd type="triangle"/>
+          </a:ln>
+        </p:spPr>
+        <p:style>
+          <a:lnRef idx="1">
+            <a:schemeClr val="accent1"/>
+          </a:lnRef>
+          <a:fillRef idx="0">
+            <a:schemeClr val="accent1"/>
+          </a:fillRef>
+          <a:effectRef idx="0">
+            <a:schemeClr val="accent1"/>
+          </a:effectRef>
+          <a:fontRef idx="minor">
+            <a:schemeClr val="tx1"/>
+          </a:fontRef>
+        </p:style>
+      </p:cxnSp>
+      <p:cxnSp>
+        <p:nvCxnSpPr>
+          <p:cNvPr id="33" name="Straight Arrow Connector 32">
+            <a:extLst>
+              <a:ext uri="{FF2B5EF4-FFF2-40B4-BE49-F238E27FC236}">
+                <a16:creationId xmlns:a16="http://schemas.microsoft.com/office/drawing/2014/main" id="{58325153-AEB5-FF4D-8931-F1CB9A144A72}"/>
+              </a:ext>
+            </a:extLst>
+          </p:cNvPr>
+          <p:cNvCxnSpPr>
+            <a:cxnSpLocks/>
+          </p:cNvCxnSpPr>
+          <p:nvPr/>
+        </p:nvCxnSpPr>
+        <p:spPr>
+          <a:xfrm flipH="1">
+            <a:off x="819295" y="5630689"/>
+            <a:ext cx="252000" cy="0"/>
+          </a:xfrm>
+          <a:prstGeom prst="straightConnector1">
+            <a:avLst/>
+          </a:prstGeom>
+          <a:ln>
+            <a:solidFill>
+              <a:schemeClr val="tx1"/>
+            </a:solidFill>
+            <a:tailEnd type="triangle"/>
+          </a:ln>
+        </p:spPr>
+        <p:style>
+          <a:lnRef idx="1">
+            <a:schemeClr val="accent1"/>
+          </a:lnRef>
+          <a:fillRef idx="0">
+            <a:schemeClr val="accent1"/>
+          </a:fillRef>
+          <a:effectRef idx="0">
+            <a:schemeClr val="accent1"/>
+          </a:effectRef>
+          <a:fontRef idx="minor">
+            <a:schemeClr val="tx1"/>
+          </a:fontRef>
+        </p:style>
+      </p:cxnSp>
+      <p:pic>
+        <p:nvPicPr>
+          <p:cNvPr id="1028" name="Picture 4" descr="Networking, vpc, internet, compute, copy, gateway icon - Free download">
+            <a:extLst>
+              <a:ext uri="{FF2B5EF4-FFF2-40B4-BE49-F238E27FC236}">
+                <a16:creationId xmlns:a16="http://schemas.microsoft.com/office/drawing/2014/main" id="{178F94C1-605B-7848-9A5E-BBA3D5CDE1AC}"/>
+              </a:ext>
+            </a:extLst>
+          </p:cNvPr>
+          <p:cNvPicPr>
+            <a:picLocks noChangeAspect="1" noChangeArrowheads="1"/>
+          </p:cNvPicPr>
+          <p:nvPr/>
+        </p:nvPicPr>
+        <p:blipFill rotWithShape="1">
+          <a:blip r:embed="rId5">
+            <a:extLst>
+              <a:ext uri="{28A0092B-C50C-407E-A947-70E740481C1C}">
+                <a14:useLocalDpi xmlns:a14="http://schemas.microsoft.com/office/drawing/2010/main" val="0"/>
+              </a:ext>
+            </a:extLst>
+          </a:blip>
+          <a:srcRect l="20106" t="14111" r="21440" b="21359"/>
+          <a:stretch/>
+        </p:blipFill>
+        <p:spPr bwMode="auto">
+          <a:xfrm>
+            <a:off x="1164240" y="5265695"/>
+            <a:ext cx="618032" cy="682258"/>
+          </a:xfrm>
+          <a:prstGeom prst="rect">
+            <a:avLst/>
+          </a:prstGeom>
+          <a:noFill/>
+          <a:extLst>
+            <a:ext uri="{909E8E84-426E-40DD-AFC4-6F175D3DCCD1}">
+              <a14:hiddenFill xmlns:a14="http://schemas.microsoft.com/office/drawing/2010/main">
+                <a:solidFill>
+                  <a:srgbClr val="FFFFFF"/>
+                </a:solidFill>
+              </a14:hiddenFill>
+            </a:ext>
+          </a:extLst>
+        </p:spPr>
+      </p:pic>
+      <p:grpSp>
+        <p:nvGrpSpPr>
+          <p:cNvPr id="12" name="Group 11">
+            <a:extLst>
+              <a:ext uri="{FF2B5EF4-FFF2-40B4-BE49-F238E27FC236}">
+                <a16:creationId xmlns:a16="http://schemas.microsoft.com/office/drawing/2014/main" id="{300048D2-A94D-BE40-BE11-98F2DFF2A78B}"/>
+              </a:ext>
+            </a:extLst>
+          </p:cNvPr>
+          <p:cNvGrpSpPr/>
+          <p:nvPr/>
+        </p:nvGrpSpPr>
+        <p:grpSpPr>
+          <a:xfrm>
+            <a:off x="2398137" y="3188404"/>
+            <a:ext cx="1344961" cy="1374953"/>
+            <a:chOff x="5271093" y="2723564"/>
+            <a:chExt cx="2029889" cy="2098873"/>
+          </a:xfrm>
+        </p:grpSpPr>
+        <p:sp>
+          <p:nvSpPr>
+            <p:cNvPr id="14" name="Rectangle 13">
+              <a:extLst>
+                <a:ext uri="{FF2B5EF4-FFF2-40B4-BE49-F238E27FC236}">
+                  <a16:creationId xmlns:a16="http://schemas.microsoft.com/office/drawing/2014/main" id="{335818A1-C636-7E4A-A9DC-B4599DE14137}"/>
+                </a:ext>
+              </a:extLst>
+            </p:cNvPr>
+            <p:cNvSpPr/>
+            <p:nvPr/>
+          </p:nvSpPr>
+          <p:spPr>
+            <a:xfrm>
+              <a:off x="5453134" y="2723564"/>
+              <a:ext cx="1847848" cy="1985963"/>
+            </a:xfrm>
+            <a:prstGeom prst="rect">
+              <a:avLst/>
+            </a:prstGeom>
+            <a:noFill/>
+            <a:ln>
+              <a:solidFill>
+                <a:schemeClr val="tx1"/>
+              </a:solidFill>
+              <a:prstDash val="dash"/>
+            </a:ln>
+          </p:spPr>
+          <p:style>
+            <a:lnRef idx="2">
+              <a:schemeClr val="accent1">
+                <a:shade val="50000"/>
+              </a:schemeClr>
+            </a:lnRef>
+            <a:fillRef idx="1">
+              <a:schemeClr val="accent1"/>
+            </a:fillRef>
+            <a:effectRef idx="0">
+              <a:schemeClr val="accent1"/>
+            </a:effectRef>
+            <a:fontRef idx="minor">
+              <a:schemeClr val="lt1"/>
+            </a:fontRef>
+          </p:style>
+          <p:txBody>
+            <a:bodyPr rtlCol="0" anchor="t"/>
+            <a:lstStyle/>
+            <a:p>
+              <a:r>
+                <a:rPr lang="it-IT" sz="1000" i="1" dirty="0">
+                  <a:solidFill>
+                    <a:schemeClr val="tx1"/>
+                  </a:solidFill>
+                  <a:latin typeface="IBM Plex Sans Condensed" panose="020B0506050203000203" pitchFamily="34" charset="77"/>
+                </a:rPr>
+                <a:t>security-group-ec2</a:t>
+              </a:r>
+              <a:endParaRPr lang="en-IT" sz="1000" i="1" dirty="0">
+                <a:solidFill>
+                  <a:schemeClr val="tx1"/>
+                </a:solidFill>
+                <a:latin typeface="IBM Plex Sans Condensed" panose="020B0506050203000203" pitchFamily="34" charset="77"/>
+              </a:endParaRPr>
+            </a:p>
+          </p:txBody>
+        </p:sp>
+        <p:pic>
+          <p:nvPicPr>
+            <p:cNvPr id="3" name="Picture 2" descr="Icon&#10;&#10;Description automatically generated">
+              <a:extLst>
+                <a:ext uri="{FF2B5EF4-FFF2-40B4-BE49-F238E27FC236}">
+                  <a16:creationId xmlns:a16="http://schemas.microsoft.com/office/drawing/2014/main" id="{13A00651-77CC-694D-9065-4DF486FD91DD}"/>
+                </a:ext>
+              </a:extLst>
+            </p:cNvPr>
+            <p:cNvPicPr>
+              <a:picLocks noChangeAspect="1"/>
+            </p:cNvPicPr>
+            <p:nvPr/>
+          </p:nvPicPr>
+          <p:blipFill>
+            <a:blip r:embed="rId6">
+              <a:extLst>
+                <a:ext uri="{837473B0-CC2E-450A-ABE3-18F120FF3D39}">
+                  <a1611:picAttrSrcUrl xmlns:a1611="http://schemas.microsoft.com/office/drawing/2016/11/main" r:id="rId7"/>
+                </a:ext>
+              </a:extLst>
+            </a:blip>
+            <a:stretch>
+              <a:fillRect/>
+            </a:stretch>
+          </p:blipFill>
+          <p:spPr>
+            <a:xfrm>
+              <a:off x="5980948" y="3350166"/>
+              <a:ext cx="758294" cy="758294"/>
+            </a:xfrm>
+            <a:prstGeom prst="rect">
+              <a:avLst/>
+            </a:prstGeom>
+          </p:spPr>
+        </p:pic>
+        <p:sp>
+          <p:nvSpPr>
+            <p:cNvPr id="42" name="TextBox 41">
+              <a:extLst>
+                <a:ext uri="{FF2B5EF4-FFF2-40B4-BE49-F238E27FC236}">
+                  <a16:creationId xmlns:a16="http://schemas.microsoft.com/office/drawing/2014/main" id="{ED9C0D9E-95F4-1E4F-A565-747CEBCAFC7E}"/>
+                </a:ext>
+              </a:extLst>
+            </p:cNvPr>
+            <p:cNvSpPr txBox="1"/>
+            <p:nvPr/>
+          </p:nvSpPr>
+          <p:spPr>
+            <a:xfrm>
+              <a:off x="5905015" y="4072346"/>
+              <a:ext cx="1217412" cy="375858"/>
+            </a:xfrm>
+            <a:prstGeom prst="rect">
+              <a:avLst/>
+            </a:prstGeom>
+            <a:noFill/>
+          </p:spPr>
+          <p:txBody>
+            <a:bodyPr wrap="none" rtlCol="0">
+              <a:spAutoFit/>
+            </a:bodyPr>
+            <a:lstStyle/>
+            <a:p>
+              <a:r>
+                <a:rPr lang="en-IT" sz="1000" b="1" i="1" dirty="0">
+                  <a:latin typeface="IBM Plex Sans Condensed" panose="020B0506050203000203" pitchFamily="34" charset="77"/>
+                </a:rPr>
+                <a:t>EC2 istance</a:t>
+              </a:r>
+            </a:p>
+          </p:txBody>
+        </p:sp>
+        <p:pic>
+          <p:nvPicPr>
+            <p:cNvPr id="38" name="Graphic 37" descr="Lock">
+              <a:extLst>
+                <a:ext uri="{FF2B5EF4-FFF2-40B4-BE49-F238E27FC236}">
+                  <a16:creationId xmlns:a16="http://schemas.microsoft.com/office/drawing/2014/main" id="{9EA813B4-C8CA-D244-972C-B36E479A3855}"/>
+                </a:ext>
+              </a:extLst>
+            </p:cNvPr>
+            <p:cNvPicPr>
+              <a:picLocks noChangeAspect="1"/>
+            </p:cNvPicPr>
+            <p:nvPr/>
+          </p:nvPicPr>
+          <p:blipFill>
+            <a:blip r:embed="rId8">
+              <a:extLst>
+                <a:ext uri="{96DAC541-7B7A-43D3-8B79-37D633B846F1}">
+                  <asvg:svgBlip xmlns:asvg="http://schemas.microsoft.com/office/drawing/2016/SVG/main" r:embed="rId9"/>
+                </a:ext>
+              </a:extLst>
+            </a:blip>
+            <a:stretch>
+              <a:fillRect/>
+            </a:stretch>
+          </p:blipFill>
+          <p:spPr>
+            <a:xfrm>
+              <a:off x="5271093" y="4436147"/>
+              <a:ext cx="386290" cy="386290"/>
+            </a:xfrm>
+            <a:prstGeom prst="rect">
+              <a:avLst/>
+            </a:prstGeom>
+          </p:spPr>
+        </p:pic>
+      </p:grpSp>
+      <p:grpSp>
+        <p:nvGrpSpPr>
+          <p:cNvPr id="18" name="Group 17">
+            <a:extLst>
+              <a:ext uri="{FF2B5EF4-FFF2-40B4-BE49-F238E27FC236}">
+                <a16:creationId xmlns:a16="http://schemas.microsoft.com/office/drawing/2014/main" id="{AB6BE12A-27C9-1A48-A675-6F813DAD0169}"/>
+              </a:ext>
+            </a:extLst>
+          </p:cNvPr>
+          <p:cNvGrpSpPr/>
+          <p:nvPr/>
+        </p:nvGrpSpPr>
+        <p:grpSpPr>
+          <a:xfrm>
+            <a:off x="3873205" y="3184308"/>
+            <a:ext cx="1224345" cy="1391648"/>
+            <a:chOff x="8760642" y="2727632"/>
+            <a:chExt cx="1995263" cy="2089418"/>
+          </a:xfrm>
+        </p:grpSpPr>
+        <p:pic>
+          <p:nvPicPr>
+            <p:cNvPr id="1026" name="Picture 2" descr="New Trivadis Training – AWS RDS for Oracle – daniel8192">
+              <a:extLst>
+                <a:ext uri="{FF2B5EF4-FFF2-40B4-BE49-F238E27FC236}">
+                  <a16:creationId xmlns:a16="http://schemas.microsoft.com/office/drawing/2014/main" id="{034F7943-1685-6149-996D-76C72C66B92A}"/>
+                </a:ext>
+              </a:extLst>
+            </p:cNvPr>
+            <p:cNvPicPr>
+              <a:picLocks noChangeAspect="1" noChangeArrowheads="1"/>
+            </p:cNvPicPr>
+            <p:nvPr/>
+          </p:nvPicPr>
+          <p:blipFill>
+            <a:blip r:embed="rId10">
+              <a:extLst>
+                <a:ext uri="{28A0092B-C50C-407E-A947-70E740481C1C}">
+                  <a14:useLocalDpi xmlns:a14="http://schemas.microsoft.com/office/drawing/2010/main" val="0"/>
+                </a:ext>
+              </a:extLst>
+            </a:blip>
+            <a:srcRect/>
+            <a:stretch>
+              <a:fillRect/>
+            </a:stretch>
+          </p:blipFill>
+          <p:spPr bwMode="auto">
+            <a:xfrm>
+              <a:off x="9464713" y="3447484"/>
+              <a:ext cx="745388" cy="745388"/>
+            </a:xfrm>
+            <a:prstGeom prst="rect">
+              <a:avLst/>
+            </a:prstGeom>
+            <a:noFill/>
+            <a:extLst>
+              <a:ext uri="{909E8E84-426E-40DD-AFC4-6F175D3DCCD1}">
+                <a14:hiddenFill xmlns:a14="http://schemas.microsoft.com/office/drawing/2010/main">
+                  <a:solidFill>
+                    <a:srgbClr val="FFFFFF"/>
+                  </a:solidFill>
+                </a14:hiddenFill>
+              </a:ext>
+            </a:extLst>
+          </p:spPr>
+        </p:pic>
+        <p:sp>
+          <p:nvSpPr>
+            <p:cNvPr id="7" name="Rectangle 6">
+              <a:extLst>
+                <a:ext uri="{FF2B5EF4-FFF2-40B4-BE49-F238E27FC236}">
+                  <a16:creationId xmlns:a16="http://schemas.microsoft.com/office/drawing/2014/main" id="{4DD0E37F-F829-7B4C-98F7-6205B132B3A2}"/>
+                </a:ext>
+              </a:extLst>
+            </p:cNvPr>
+            <p:cNvSpPr/>
+            <p:nvPr/>
+          </p:nvSpPr>
+          <p:spPr>
+            <a:xfrm>
+              <a:off x="8908057" y="2727632"/>
+              <a:ext cx="1847848" cy="1985963"/>
+            </a:xfrm>
+            <a:prstGeom prst="rect">
+              <a:avLst/>
+            </a:prstGeom>
+            <a:noFill/>
+            <a:ln>
+              <a:solidFill>
+                <a:schemeClr val="tx1"/>
+              </a:solidFill>
+              <a:prstDash val="dash"/>
+            </a:ln>
+          </p:spPr>
+          <p:style>
+            <a:lnRef idx="2">
+              <a:schemeClr val="accent1">
+                <a:shade val="50000"/>
+              </a:schemeClr>
+            </a:lnRef>
+            <a:fillRef idx="1">
+              <a:schemeClr val="accent1"/>
+            </a:fillRef>
+            <a:effectRef idx="0">
+              <a:schemeClr val="accent1"/>
+            </a:effectRef>
+            <a:fontRef idx="minor">
+              <a:schemeClr val="lt1"/>
+            </a:fontRef>
+          </p:style>
+          <p:txBody>
+            <a:bodyPr rtlCol="0" anchor="t"/>
+            <a:lstStyle/>
+            <a:p>
+              <a:r>
+                <a:rPr lang="it-IT" sz="900" i="1" dirty="0">
+                  <a:solidFill>
+                    <a:schemeClr val="tx1"/>
+                  </a:solidFill>
+                  <a:latin typeface="IBM Plex Sans Condensed" panose="020B0506050203000203" pitchFamily="34" charset="77"/>
+                </a:rPr>
+                <a:t>security-</a:t>
+              </a:r>
+              <a:r>
+                <a:rPr lang="it-IT" sz="900" i="1" dirty="0" err="1">
+                  <a:solidFill>
+                    <a:schemeClr val="tx1"/>
+                  </a:solidFill>
+                  <a:latin typeface="IBM Plex Sans Condensed" panose="020B0506050203000203" pitchFamily="34" charset="77"/>
+                </a:rPr>
+                <a:t>group</a:t>
+              </a:r>
+              <a:r>
+                <a:rPr lang="it-IT" sz="900" i="1" dirty="0">
+                  <a:solidFill>
+                    <a:schemeClr val="tx1"/>
+                  </a:solidFill>
+                  <a:latin typeface="IBM Plex Sans Condensed" panose="020B0506050203000203" pitchFamily="34" charset="77"/>
+                </a:rPr>
+                <a:t>-</a:t>
+              </a:r>
+              <a:r>
+                <a:rPr lang="it-IT" sz="900" i="1" dirty="0" err="1">
+                  <a:solidFill>
+                    <a:schemeClr val="tx1"/>
+                  </a:solidFill>
+                  <a:latin typeface="IBM Plex Sans Condensed" panose="020B0506050203000203" pitchFamily="34" charset="77"/>
+                </a:rPr>
+                <a:t>db</a:t>
+              </a:r>
+              <a:endParaRPr lang="en-IT" sz="900" i="1" dirty="0">
+                <a:solidFill>
+                  <a:schemeClr val="tx1"/>
+                </a:solidFill>
+                <a:latin typeface="IBM Plex Sans Condensed" panose="020B0506050203000203" pitchFamily="34" charset="77"/>
+              </a:endParaRPr>
+            </a:p>
+          </p:txBody>
+        </p:sp>
+        <p:pic>
+          <p:nvPicPr>
+            <p:cNvPr id="30" name="Picture 29" descr="Logo&#10;&#10;Description automatically generated">
+              <a:extLst>
+                <a:ext uri="{FF2B5EF4-FFF2-40B4-BE49-F238E27FC236}">
+                  <a16:creationId xmlns:a16="http://schemas.microsoft.com/office/drawing/2014/main" id="{1CEC6E91-6027-EF4E-BA29-36FC41FDF3DD}"/>
+                </a:ext>
+              </a:extLst>
+            </p:cNvPr>
+            <p:cNvPicPr>
+              <a:picLocks noChangeAspect="1"/>
+            </p:cNvPicPr>
+            <p:nvPr/>
+          </p:nvPicPr>
+          <p:blipFill>
+            <a:blip r:embed="rId11">
+              <a:extLst>
+                <a:ext uri="{837473B0-CC2E-450A-ABE3-18F120FF3D39}">
+                  <a1611:picAttrSrcUrl xmlns:a1611="http://schemas.microsoft.com/office/drawing/2016/11/main" r:id="rId12"/>
+                </a:ext>
+              </a:extLst>
+            </a:blip>
+            <a:stretch>
+              <a:fillRect/>
+            </a:stretch>
+          </p:blipFill>
+          <p:spPr>
+            <a:xfrm>
+              <a:off x="9515533" y="2968878"/>
+              <a:ext cx="657113" cy="455598"/>
+            </a:xfrm>
+            <a:prstGeom prst="rect">
+              <a:avLst/>
+            </a:prstGeom>
+          </p:spPr>
+        </p:pic>
+        <p:sp>
+          <p:nvSpPr>
+            <p:cNvPr id="32" name="TextBox 31">
+              <a:extLst>
+                <a:ext uri="{FF2B5EF4-FFF2-40B4-BE49-F238E27FC236}">
+                  <a16:creationId xmlns:a16="http://schemas.microsoft.com/office/drawing/2014/main" id="{D948D485-5579-6640-8FA8-79BBCA3C341D}"/>
+                </a:ext>
+              </a:extLst>
+            </p:cNvPr>
+            <p:cNvSpPr txBox="1"/>
+            <p:nvPr/>
+          </p:nvSpPr>
+          <p:spPr>
+            <a:xfrm>
+              <a:off x="9345291" y="4177156"/>
+              <a:ext cx="1213707" cy="352159"/>
+            </a:xfrm>
+            <a:prstGeom prst="rect">
+              <a:avLst/>
+            </a:prstGeom>
+            <a:noFill/>
+          </p:spPr>
+          <p:txBody>
+            <a:bodyPr wrap="none" rtlCol="0">
+              <a:spAutoFit/>
+            </a:bodyPr>
+            <a:lstStyle/>
+            <a:p>
+              <a:r>
+                <a:rPr lang="en-IT" sz="900" b="1" i="1" dirty="0">
+                  <a:latin typeface="IBM Plex Sans Condensed" panose="020B0506050203000203" pitchFamily="34" charset="77"/>
+                </a:rPr>
+                <a:t>RDS istance</a:t>
+              </a:r>
+            </a:p>
+          </p:txBody>
+        </p:sp>
+        <p:pic>
+          <p:nvPicPr>
+            <p:cNvPr id="45" name="Graphic 44" descr="Lock">
+              <a:extLst>
+                <a:ext uri="{FF2B5EF4-FFF2-40B4-BE49-F238E27FC236}">
+                  <a16:creationId xmlns:a16="http://schemas.microsoft.com/office/drawing/2014/main" id="{44D1EF87-204D-7B49-AB87-1E487296758A}"/>
+                </a:ext>
+              </a:extLst>
+            </p:cNvPr>
+            <p:cNvPicPr>
+              <a:picLocks noChangeAspect="1"/>
+            </p:cNvPicPr>
+            <p:nvPr/>
+          </p:nvPicPr>
+          <p:blipFill>
+            <a:blip r:embed="rId8">
+              <a:extLst>
+                <a:ext uri="{96DAC541-7B7A-43D3-8B79-37D633B846F1}">
+                  <asvg:svgBlip xmlns:asvg="http://schemas.microsoft.com/office/drawing/2016/SVG/main" r:embed="rId9"/>
+                </a:ext>
+              </a:extLst>
+            </a:blip>
+            <a:stretch>
+              <a:fillRect/>
+            </a:stretch>
+          </p:blipFill>
+          <p:spPr>
+            <a:xfrm>
+              <a:off x="8760642" y="4430760"/>
+              <a:ext cx="386290" cy="386290"/>
+            </a:xfrm>
+            <a:prstGeom prst="rect">
+              <a:avLst/>
+            </a:prstGeom>
+          </p:spPr>
+        </p:pic>
+      </p:grpSp>
+      <p:pic>
+        <p:nvPicPr>
+          <p:cNvPr id="2" name="Picture 2" descr="varunchandak (Varun Chandak) · GitHub">
+            <a:extLst>
+              <a:ext uri="{FF2B5EF4-FFF2-40B4-BE49-F238E27FC236}">
+                <a16:creationId xmlns:a16="http://schemas.microsoft.com/office/drawing/2014/main" id="{3A3A440E-CEC0-D54A-AE6B-3FB393740196}"/>
+              </a:ext>
+            </a:extLst>
+          </p:cNvPr>
+          <p:cNvPicPr>
+            <a:picLocks noChangeAspect="1" noChangeArrowheads="1"/>
+          </p:cNvPicPr>
+          <p:nvPr/>
+        </p:nvPicPr>
+        <p:blipFill>
+          <a:blip r:embed="rId13">
+            <a:extLst>
+              <a:ext uri="{28A0092B-C50C-407E-A947-70E740481C1C}">
+                <a14:useLocalDpi xmlns:a14="http://schemas.microsoft.com/office/drawing/2010/main" val="0"/>
+              </a:ext>
+            </a:extLst>
+          </a:blip>
+          <a:srcRect/>
+          <a:stretch>
+            <a:fillRect/>
+          </a:stretch>
+        </p:blipFill>
+        <p:spPr bwMode="auto">
+          <a:xfrm>
+            <a:off x="7532997" y="6097304"/>
+            <a:ext cx="540550" cy="540550"/>
+          </a:xfrm>
+          <a:prstGeom prst="rect">
+            <a:avLst/>
+          </a:prstGeom>
+          <a:noFill/>
+          <a:extLst>
+            <a:ext uri="{909E8E84-426E-40DD-AFC4-6F175D3DCCD1}">
+              <a14:hiddenFill xmlns:a14="http://schemas.microsoft.com/office/drawing/2010/main">
+                <a:solidFill>
+                  <a:srgbClr val="FFFFFF"/>
+                </a:solidFill>
+              </a14:hiddenFill>
+            </a:ext>
+          </a:extLst>
+        </p:spPr>
+      </p:pic>
+      <p:sp>
+        <p:nvSpPr>
+          <p:cNvPr id="39" name="TextBox 38">
+            <a:extLst>
+              <a:ext uri="{FF2B5EF4-FFF2-40B4-BE49-F238E27FC236}">
+                <a16:creationId xmlns:a16="http://schemas.microsoft.com/office/drawing/2014/main" id="{35A70FFC-1841-194C-8D2C-099FA74C01FA}"/>
+              </a:ext>
+            </a:extLst>
+          </p:cNvPr>
+          <p:cNvSpPr txBox="1"/>
+          <p:nvPr/>
+        </p:nvSpPr>
+        <p:spPr>
+          <a:xfrm>
+            <a:off x="6221844" y="6053943"/>
+            <a:ext cx="1218602" cy="646331"/>
+          </a:xfrm>
+          <a:prstGeom prst="rect">
+            <a:avLst/>
+          </a:prstGeom>
+          <a:noFill/>
+        </p:spPr>
+        <p:txBody>
+          <a:bodyPr wrap="none" rtlCol="0">
+            <a:spAutoFit/>
+          </a:bodyPr>
+          <a:lstStyle/>
+          <a:p>
+            <a:pPr algn="r"/>
+            <a:r>
+              <a:rPr lang="en-IT" sz="1200" b="1" i="1" dirty="0">
+                <a:latin typeface="IBM Plex Sans Condensed" panose="020B0506050203000203" pitchFamily="34" charset="77"/>
+              </a:rPr>
+              <a:t>SecretsManager</a:t>
+            </a:r>
+          </a:p>
+          <a:p>
+            <a:pPr algn="r"/>
+            <a:r>
+              <a:rPr lang="it-IT" sz="1200" i="1" dirty="0">
+                <a:latin typeface="IBM Plex Sans Condensed" panose="020B0506050203000203" pitchFamily="34" charset="77"/>
+              </a:rPr>
+              <a:t>User /Password</a:t>
+            </a:r>
+          </a:p>
+          <a:p>
+            <a:pPr algn="r"/>
+            <a:r>
+              <a:rPr lang="it-IT" sz="1200" i="1" dirty="0" err="1">
+                <a:latin typeface="IBM Plex Sans Condensed" panose="020B0506050203000203" pitchFamily="34" charset="77"/>
+              </a:rPr>
+              <a:t>db</a:t>
+            </a:r>
+            <a:r>
+              <a:rPr lang="it-IT" sz="1200" i="1" dirty="0">
+                <a:latin typeface="IBM Plex Sans Condensed" panose="020B0506050203000203" pitchFamily="34" charset="77"/>
+              </a:rPr>
+              <a:t> domain</a:t>
+            </a:r>
+            <a:endParaRPr lang="en-IT" sz="1200" i="1" dirty="0">
+              <a:latin typeface="IBM Plex Sans Condensed" panose="020B0506050203000203" pitchFamily="34" charset="77"/>
+            </a:endParaRPr>
+          </a:p>
+        </p:txBody>
+      </p:sp>
+      <p:pic>
+        <p:nvPicPr>
+          <p:cNvPr id="6" name="Picture 2" descr="IAM Role | AWS Security Identity &amp; Compliance">
+            <a:extLst>
+              <a:ext uri="{FF2B5EF4-FFF2-40B4-BE49-F238E27FC236}">
+                <a16:creationId xmlns:a16="http://schemas.microsoft.com/office/drawing/2014/main" id="{AA42BF06-4D4D-AA45-83AF-2ADE3D100063}"/>
+              </a:ext>
+            </a:extLst>
+          </p:cNvPr>
+          <p:cNvPicPr>
+            <a:picLocks noChangeAspect="1" noChangeArrowheads="1"/>
+          </p:cNvPicPr>
+          <p:nvPr/>
+        </p:nvPicPr>
+        <p:blipFill>
+          <a:blip r:embed="rId14">
+            <a:extLst>
+              <a:ext uri="{28A0092B-C50C-407E-A947-70E740481C1C}">
+                <a14:useLocalDpi xmlns:a14="http://schemas.microsoft.com/office/drawing/2010/main" val="0"/>
+              </a:ext>
+            </a:extLst>
+          </a:blip>
+          <a:srcRect/>
+          <a:stretch>
+            <a:fillRect/>
+          </a:stretch>
+        </p:blipFill>
+        <p:spPr bwMode="auto">
+          <a:xfrm>
+            <a:off x="5097729" y="6097192"/>
+            <a:ext cx="540000" cy="540000"/>
+          </a:xfrm>
+          <a:prstGeom prst="rect">
+            <a:avLst/>
+          </a:prstGeom>
+          <a:noFill/>
+          <a:extLst>
+            <a:ext uri="{909E8E84-426E-40DD-AFC4-6F175D3DCCD1}">
+              <a14:hiddenFill xmlns:a14="http://schemas.microsoft.com/office/drawing/2010/main">
+                <a:solidFill>
+                  <a:srgbClr val="FFFFFF"/>
+                </a:solidFill>
+              </a14:hiddenFill>
+            </a:ext>
+          </a:extLst>
+        </p:spPr>
+      </p:pic>
+      <p:sp>
+        <p:nvSpPr>
+          <p:cNvPr id="44" name="TextBox 43">
+            <a:extLst>
+              <a:ext uri="{FF2B5EF4-FFF2-40B4-BE49-F238E27FC236}">
+                <a16:creationId xmlns:a16="http://schemas.microsoft.com/office/drawing/2014/main" id="{F58757AE-94EE-7D4D-9DBB-A5C0E3666E78}"/>
+              </a:ext>
+            </a:extLst>
+          </p:cNvPr>
+          <p:cNvSpPr txBox="1"/>
+          <p:nvPr/>
+        </p:nvSpPr>
+        <p:spPr>
+          <a:xfrm>
+            <a:off x="3822230" y="6053943"/>
+            <a:ext cx="1201016" cy="646331"/>
+          </a:xfrm>
+          <a:prstGeom prst="rect">
+            <a:avLst/>
+          </a:prstGeom>
+          <a:noFill/>
+        </p:spPr>
+        <p:txBody>
+          <a:bodyPr wrap="square" rtlCol="0">
+            <a:spAutoFit/>
+          </a:bodyPr>
+          <a:lstStyle/>
+          <a:p>
+            <a:pPr algn="r"/>
+            <a:r>
+              <a:rPr lang="en-IT" sz="1200" b="1" i="1" dirty="0">
+                <a:latin typeface="IBM Plex Sans Condensed" panose="020B0506050203000203" pitchFamily="34" charset="77"/>
+              </a:rPr>
+              <a:t>IAM Role</a:t>
+            </a:r>
+          </a:p>
+          <a:p>
+            <a:pPr algn="r"/>
+            <a:r>
+              <a:rPr lang="it-IT" sz="1200" i="1" dirty="0" err="1">
+                <a:latin typeface="IBM Plex Sans Condensed" panose="020B0506050203000203" pitchFamily="34" charset="77"/>
+              </a:rPr>
+              <a:t>Let</a:t>
+            </a:r>
+            <a:r>
+              <a:rPr lang="it-IT" sz="1200" i="1" dirty="0">
+                <a:latin typeface="IBM Plex Sans Condensed" panose="020B0506050203000203" pitchFamily="34" charset="77"/>
+              </a:rPr>
+              <a:t> EC2 </a:t>
+            </a:r>
+            <a:r>
+              <a:rPr lang="it-IT" sz="1200" i="1" dirty="0" err="1">
+                <a:latin typeface="IBM Plex Sans Condensed" panose="020B0506050203000203" pitchFamily="34" charset="77"/>
+              </a:rPr>
+              <a:t>istance</a:t>
+            </a:r>
+            <a:r>
+              <a:rPr lang="it-IT" sz="1200" i="1" dirty="0">
+                <a:latin typeface="IBM Plex Sans Condensed" panose="020B0506050203000203" pitchFamily="34" charset="77"/>
+              </a:rPr>
+              <a:t> to </a:t>
+            </a:r>
+            <a:r>
+              <a:rPr lang="it-IT" sz="1200" i="1" dirty="0" err="1">
+                <a:latin typeface="IBM Plex Sans Condensed" panose="020B0506050203000203" pitchFamily="34" charset="77"/>
+              </a:rPr>
+              <a:t>read</a:t>
+            </a:r>
+            <a:r>
+              <a:rPr lang="it-IT" sz="1200" i="1" dirty="0">
+                <a:latin typeface="IBM Plex Sans Condensed" panose="020B0506050203000203" pitchFamily="34" charset="77"/>
+              </a:rPr>
+              <a:t> secret</a:t>
+            </a:r>
+            <a:endParaRPr lang="en-IT" sz="1200" i="1" dirty="0">
+              <a:latin typeface="IBM Plex Sans Condensed" panose="020B0506050203000203" pitchFamily="34" charset="77"/>
+            </a:endParaRPr>
+          </a:p>
+        </p:txBody>
+      </p:sp>
+      <p:sp>
+        <p:nvSpPr>
+          <p:cNvPr id="50" name="Rectangle 49">
+            <a:extLst>
+              <a:ext uri="{FF2B5EF4-FFF2-40B4-BE49-F238E27FC236}">
+                <a16:creationId xmlns:a16="http://schemas.microsoft.com/office/drawing/2014/main" id="{B39A5CAC-1E34-5042-AFBC-A5484DD427F2}"/>
+              </a:ext>
+            </a:extLst>
+          </p:cNvPr>
+          <p:cNvSpPr/>
+          <p:nvPr/>
+        </p:nvSpPr>
+        <p:spPr>
+          <a:xfrm>
+            <a:off x="5311875" y="1931717"/>
+            <a:ext cx="2834907" cy="257491"/>
+          </a:xfrm>
+          <a:prstGeom prst="rect">
+            <a:avLst/>
+          </a:prstGeom>
+          <a:noFill/>
+          <a:ln>
+            <a:solidFill>
+              <a:schemeClr val="tx1"/>
+            </a:solidFill>
+            <a:prstDash val="dash"/>
+          </a:ln>
+        </p:spPr>
+        <p:style>
+          <a:lnRef idx="2">
+            <a:schemeClr val="accent1">
+              <a:shade val="50000"/>
+            </a:schemeClr>
+          </a:lnRef>
+          <a:fillRef idx="1">
+            <a:schemeClr val="accent1"/>
+          </a:fillRef>
+          <a:effectRef idx="0">
+            <a:schemeClr val="accent1"/>
+          </a:effectRef>
+          <a:fontRef idx="minor">
+            <a:schemeClr val="lt1"/>
+          </a:fontRef>
+        </p:style>
+        <p:txBody>
+          <a:bodyPr rtlCol="0" anchor="t"/>
+          <a:lstStyle/>
+          <a:p>
+            <a:r>
+              <a:rPr lang="it-IT" sz="1000" i="1" dirty="0" err="1">
+                <a:solidFill>
+                  <a:schemeClr val="tx1"/>
+                </a:solidFill>
+                <a:latin typeface="IBM Plex Sans Condensed" panose="020B0506050203000203" pitchFamily="34" charset="77"/>
+              </a:rPr>
+              <a:t>subnet</a:t>
+            </a:r>
+            <a:r>
+              <a:rPr lang="en-IT" sz="1000" i="1" dirty="0">
+                <a:solidFill>
+                  <a:schemeClr val="tx1"/>
+                </a:solidFill>
+                <a:latin typeface="IBM Plex Sans Condensed" panose="020B0506050203000203" pitchFamily="34" charset="77"/>
+              </a:rPr>
+              <a:t>-private 10.0.200.0/21</a:t>
+            </a:r>
+          </a:p>
+        </p:txBody>
+      </p:sp>
+      <p:sp>
+        <p:nvSpPr>
+          <p:cNvPr id="51" name="Rectangle 50">
+            <a:extLst>
+              <a:ext uri="{FF2B5EF4-FFF2-40B4-BE49-F238E27FC236}">
+                <a16:creationId xmlns:a16="http://schemas.microsoft.com/office/drawing/2014/main" id="{CC090B7C-92BB-8048-8CEE-06A51A6E153B}"/>
+              </a:ext>
+            </a:extLst>
+          </p:cNvPr>
+          <p:cNvSpPr/>
+          <p:nvPr/>
+        </p:nvSpPr>
+        <p:spPr>
+          <a:xfrm>
+            <a:off x="5311875" y="1221388"/>
+            <a:ext cx="2834907" cy="257491"/>
+          </a:xfrm>
+          <a:prstGeom prst="rect">
+            <a:avLst/>
+          </a:prstGeom>
+          <a:noFill/>
+          <a:ln>
+            <a:solidFill>
+              <a:schemeClr val="tx1"/>
+            </a:solidFill>
+            <a:prstDash val="dash"/>
+          </a:ln>
+        </p:spPr>
+        <p:style>
+          <a:lnRef idx="2">
+            <a:schemeClr val="accent1">
+              <a:shade val="50000"/>
+            </a:schemeClr>
+          </a:lnRef>
+          <a:fillRef idx="1">
+            <a:schemeClr val="accent1"/>
+          </a:fillRef>
+          <a:effectRef idx="0">
+            <a:schemeClr val="accent1"/>
+          </a:effectRef>
+          <a:fontRef idx="minor">
+            <a:schemeClr val="lt1"/>
+          </a:fontRef>
+        </p:style>
+        <p:txBody>
+          <a:bodyPr rtlCol="0" anchor="t"/>
+          <a:lstStyle/>
+          <a:p>
+            <a:r>
+              <a:rPr lang="it-IT" sz="1000" i="1" dirty="0" err="1">
+                <a:solidFill>
+                  <a:schemeClr val="tx1"/>
+                </a:solidFill>
+                <a:latin typeface="IBM Plex Sans Condensed" panose="020B0506050203000203" pitchFamily="34" charset="77"/>
+              </a:rPr>
+              <a:t>subnet</a:t>
+            </a:r>
+            <a:r>
+              <a:rPr lang="en-IT" sz="1000" i="1" dirty="0">
+                <a:solidFill>
+                  <a:schemeClr val="tx1"/>
+                </a:solidFill>
+                <a:latin typeface="IBM Plex Sans Condensed" panose="020B0506050203000203" pitchFamily="34" charset="77"/>
+              </a:rPr>
+              <a:t>-private 10.0.208.0/21</a:t>
+            </a:r>
+          </a:p>
+        </p:txBody>
+      </p:sp>
+      <p:sp>
+        <p:nvSpPr>
+          <p:cNvPr id="52" name="Rectangle 51">
+            <a:extLst>
+              <a:ext uri="{FF2B5EF4-FFF2-40B4-BE49-F238E27FC236}">
+                <a16:creationId xmlns:a16="http://schemas.microsoft.com/office/drawing/2014/main" id="{BE12D9F7-2FB5-6848-8BAB-BE65C966119E}"/>
+              </a:ext>
+            </a:extLst>
+          </p:cNvPr>
+          <p:cNvSpPr/>
+          <p:nvPr/>
+        </p:nvSpPr>
+        <p:spPr>
+          <a:xfrm>
+            <a:off x="2386258" y="2879434"/>
+            <a:ext cx="2834907" cy="1755700"/>
+          </a:xfrm>
+          <a:prstGeom prst="rect">
+            <a:avLst/>
+          </a:prstGeom>
+          <a:noFill/>
+          <a:ln>
+            <a:solidFill>
+              <a:schemeClr val="tx1"/>
+            </a:solidFill>
+            <a:prstDash val="dash"/>
+          </a:ln>
+        </p:spPr>
+        <p:style>
+          <a:lnRef idx="2">
+            <a:schemeClr val="accent1">
+              <a:shade val="50000"/>
+            </a:schemeClr>
+          </a:lnRef>
+          <a:fillRef idx="1">
+            <a:schemeClr val="accent1"/>
+          </a:fillRef>
+          <a:effectRef idx="0">
+            <a:schemeClr val="accent1"/>
+          </a:effectRef>
+          <a:fontRef idx="minor">
+            <a:schemeClr val="lt1"/>
+          </a:fontRef>
+        </p:style>
+        <p:txBody>
+          <a:bodyPr rtlCol="0" anchor="t"/>
+          <a:lstStyle/>
+          <a:p>
+            <a:r>
+              <a:rPr lang="it-IT" sz="1000" i="1" dirty="0" err="1">
+                <a:solidFill>
+                  <a:schemeClr val="tx1"/>
+                </a:solidFill>
+                <a:latin typeface="IBM Plex Sans Condensed" panose="020B0506050203000203" pitchFamily="34" charset="77"/>
+              </a:rPr>
+              <a:t>subnet</a:t>
+            </a:r>
+            <a:r>
+              <a:rPr lang="en-IT" sz="1000" i="1" dirty="0">
+                <a:solidFill>
+                  <a:schemeClr val="tx1"/>
+                </a:solidFill>
+                <a:latin typeface="IBM Plex Sans Condensed" panose="020B0506050203000203" pitchFamily="34" charset="77"/>
+              </a:rPr>
+              <a:t>-public 10.0.128.0/20</a:t>
+            </a:r>
+          </a:p>
+        </p:txBody>
+      </p:sp>
+      <p:sp>
+        <p:nvSpPr>
+          <p:cNvPr id="54" name="TextBox 53">
+            <a:extLst>
+              <a:ext uri="{FF2B5EF4-FFF2-40B4-BE49-F238E27FC236}">
+                <a16:creationId xmlns:a16="http://schemas.microsoft.com/office/drawing/2014/main" id="{01098CE4-47A3-FF4D-B161-4D9C4540DE0E}"/>
+              </a:ext>
+            </a:extLst>
+          </p:cNvPr>
+          <p:cNvSpPr txBox="1"/>
+          <p:nvPr/>
+        </p:nvSpPr>
+        <p:spPr>
+          <a:xfrm>
+            <a:off x="653683" y="5904053"/>
+            <a:ext cx="893501" cy="430887"/>
+          </a:xfrm>
+          <a:prstGeom prst="rect">
+            <a:avLst/>
+          </a:prstGeom>
+          <a:noFill/>
+        </p:spPr>
+        <p:txBody>
+          <a:bodyPr wrap="square" rtlCol="0">
+            <a:spAutoFit/>
+          </a:bodyPr>
+          <a:lstStyle/>
+          <a:p>
+            <a:pPr algn="r"/>
+            <a:r>
+              <a:rPr lang="en-GB" sz="1100" b="1" i="1" dirty="0">
+                <a:latin typeface="IBM Plex Sans Condensed" panose="020B0506050203000203" pitchFamily="34" charset="77"/>
+              </a:rPr>
+              <a:t>I</a:t>
+            </a:r>
+            <a:r>
+              <a:rPr lang="en-IT" sz="1100" b="1" i="1" dirty="0">
+                <a:latin typeface="IBM Plex Sans Condensed" panose="020B0506050203000203" pitchFamily="34" charset="77"/>
+              </a:rPr>
+              <a:t>nternet gateway</a:t>
+            </a:r>
+          </a:p>
+        </p:txBody>
+      </p:sp>
+      <p:pic>
+        <p:nvPicPr>
+          <p:cNvPr id="16" name="Picture 4" descr="Networking, vpc, router, compute, copy icon - Free download">
+            <a:extLst>
+              <a:ext uri="{FF2B5EF4-FFF2-40B4-BE49-F238E27FC236}">
+                <a16:creationId xmlns:a16="http://schemas.microsoft.com/office/drawing/2014/main" id="{F052660A-B2F5-B74A-9F2B-AFC549C6A875}"/>
+              </a:ext>
+            </a:extLst>
+          </p:cNvPr>
+          <p:cNvPicPr>
+            <a:picLocks noChangeAspect="1" noChangeArrowheads="1"/>
+          </p:cNvPicPr>
+          <p:nvPr/>
+        </p:nvPicPr>
+        <p:blipFill rotWithShape="1">
+          <a:blip r:embed="rId15">
+            <a:extLst>
+              <a:ext uri="{28A0092B-C50C-407E-A947-70E740481C1C}">
+                <a14:useLocalDpi xmlns:a14="http://schemas.microsoft.com/office/drawing/2010/main" val="0"/>
+              </a:ext>
+            </a:extLst>
+          </a:blip>
+          <a:srcRect l="15886" t="13431" r="16811" b="17851"/>
+          <a:stretch/>
+        </p:blipFill>
+        <p:spPr bwMode="auto">
+          <a:xfrm>
+            <a:off x="1968985" y="5275660"/>
+            <a:ext cx="396000" cy="404331"/>
+          </a:xfrm>
+          <a:prstGeom prst="rect">
+            <a:avLst/>
+          </a:prstGeom>
+          <a:noFill/>
+          <a:extLst>
+            <a:ext uri="{909E8E84-426E-40DD-AFC4-6F175D3DCCD1}">
+              <a14:hiddenFill xmlns:a14="http://schemas.microsoft.com/office/drawing/2010/main">
+                <a:solidFill>
+                  <a:srgbClr val="FFFFFF"/>
+                </a:solidFill>
+              </a14:hiddenFill>
+            </a:ext>
+          </a:extLst>
+        </p:spPr>
+      </p:pic>
+      <p:cxnSp>
+        <p:nvCxnSpPr>
+          <p:cNvPr id="25" name="Elbow Connector 24">
+            <a:extLst>
+              <a:ext uri="{FF2B5EF4-FFF2-40B4-BE49-F238E27FC236}">
+                <a16:creationId xmlns:a16="http://schemas.microsoft.com/office/drawing/2014/main" id="{E9266033-C2E6-7F4C-82AE-6E008AE53232}"/>
+              </a:ext>
+            </a:extLst>
+          </p:cNvPr>
+          <p:cNvCxnSpPr>
+            <a:cxnSpLocks/>
+            <a:endCxn id="16" idx="1"/>
+          </p:cNvCxnSpPr>
+          <p:nvPr/>
+        </p:nvCxnSpPr>
+        <p:spPr>
+          <a:xfrm>
+            <a:off x="1751792" y="5474472"/>
+            <a:ext cx="217193" cy="3354"/>
+          </a:xfrm>
+          <a:prstGeom prst="bentConnector3">
+            <a:avLst>
+              <a:gd name="adj1" fmla="val 50000"/>
+            </a:avLst>
+          </a:prstGeom>
+          <a:ln w="19050">
+            <a:solidFill>
+              <a:srgbClr val="00B050"/>
+            </a:solidFill>
+          </a:ln>
+        </p:spPr>
+        <p:style>
+          <a:lnRef idx="1">
+            <a:schemeClr val="accent1"/>
+          </a:lnRef>
+          <a:fillRef idx="0">
+            <a:schemeClr val="accent1"/>
+          </a:fillRef>
+          <a:effectRef idx="0">
+            <a:schemeClr val="accent1"/>
+          </a:effectRef>
+          <a:fontRef idx="minor">
+            <a:schemeClr val="tx1"/>
+          </a:fontRef>
+        </p:style>
+      </p:cxnSp>
+      <p:cxnSp>
+        <p:nvCxnSpPr>
+          <p:cNvPr id="57" name="Elbow Connector 56">
+            <a:extLst>
+              <a:ext uri="{FF2B5EF4-FFF2-40B4-BE49-F238E27FC236}">
+                <a16:creationId xmlns:a16="http://schemas.microsoft.com/office/drawing/2014/main" id="{607DB377-5574-9445-907B-16DE50F359DA}"/>
+              </a:ext>
+            </a:extLst>
+          </p:cNvPr>
+          <p:cNvCxnSpPr>
+            <a:cxnSpLocks/>
+            <a:stCxn id="52" idx="1"/>
+          </p:cNvCxnSpPr>
+          <p:nvPr/>
+        </p:nvCxnSpPr>
+        <p:spPr>
+          <a:xfrm rot="10800000" flipV="1">
+            <a:off x="2166986" y="3757284"/>
+            <a:ext cx="219273" cy="1259296"/>
+          </a:xfrm>
+          <a:prstGeom prst="bentConnector2">
+            <a:avLst/>
+          </a:prstGeom>
+          <a:ln w="19050">
+            <a:solidFill>
+              <a:srgbClr val="00B050"/>
+            </a:solidFill>
+          </a:ln>
+        </p:spPr>
+        <p:style>
+          <a:lnRef idx="1">
+            <a:schemeClr val="accent1"/>
+          </a:lnRef>
+          <a:fillRef idx="0">
+            <a:schemeClr val="accent1"/>
+          </a:fillRef>
+          <a:effectRef idx="0">
+            <a:schemeClr val="accent1"/>
+          </a:effectRef>
+          <a:fontRef idx="minor">
+            <a:schemeClr val="tx1"/>
+          </a:fontRef>
+        </p:style>
+      </p:cxnSp>
+      <p:sp>
+        <p:nvSpPr>
+          <p:cNvPr id="86" name="Rectangle 85">
+            <a:extLst>
+              <a:ext uri="{FF2B5EF4-FFF2-40B4-BE49-F238E27FC236}">
+                <a16:creationId xmlns:a16="http://schemas.microsoft.com/office/drawing/2014/main" id="{1BEB0990-D567-9240-978F-469089FAFFFD}"/>
+              </a:ext>
+            </a:extLst>
+          </p:cNvPr>
+          <p:cNvSpPr/>
+          <p:nvPr/>
+        </p:nvSpPr>
+        <p:spPr>
+          <a:xfrm>
+            <a:off x="2376024" y="1931717"/>
+            <a:ext cx="2845141" cy="282257"/>
+          </a:xfrm>
+          <a:prstGeom prst="rect">
+            <a:avLst/>
+          </a:prstGeom>
+          <a:noFill/>
+          <a:ln>
+            <a:solidFill>
+              <a:schemeClr val="tx1"/>
+            </a:solidFill>
+            <a:prstDash val="dash"/>
+          </a:ln>
+        </p:spPr>
+        <p:style>
+          <a:lnRef idx="2">
+            <a:schemeClr val="accent1">
+              <a:shade val="50000"/>
+            </a:schemeClr>
+          </a:lnRef>
+          <a:fillRef idx="1">
+            <a:schemeClr val="accent1"/>
+          </a:fillRef>
+          <a:effectRef idx="0">
+            <a:schemeClr val="accent1"/>
+          </a:effectRef>
+          <a:fontRef idx="minor">
+            <a:schemeClr val="lt1"/>
+          </a:fontRef>
+        </p:style>
+        <p:txBody>
+          <a:bodyPr rtlCol="0" anchor="t"/>
+          <a:lstStyle/>
+          <a:p>
+            <a:r>
+              <a:rPr lang="it-IT" sz="1000" i="1" dirty="0" err="1">
+                <a:solidFill>
+                  <a:schemeClr val="tx1"/>
+                </a:solidFill>
+                <a:latin typeface="IBM Plex Sans Condensed" panose="020B0506050203000203" pitchFamily="34" charset="77"/>
+              </a:rPr>
+              <a:t>subnet</a:t>
+            </a:r>
+            <a:r>
+              <a:rPr lang="en-IT" sz="1000" i="1" dirty="0">
+                <a:solidFill>
+                  <a:schemeClr val="tx1"/>
+                </a:solidFill>
+                <a:latin typeface="IBM Plex Sans Condensed" panose="020B0506050203000203" pitchFamily="34" charset="77"/>
+              </a:rPr>
+              <a:t>-public 10.0.144.0/20</a:t>
+            </a:r>
+          </a:p>
+        </p:txBody>
+      </p:sp>
+      <p:sp>
+        <p:nvSpPr>
+          <p:cNvPr id="87" name="Rectangle 86">
+            <a:extLst>
+              <a:ext uri="{FF2B5EF4-FFF2-40B4-BE49-F238E27FC236}">
+                <a16:creationId xmlns:a16="http://schemas.microsoft.com/office/drawing/2014/main" id="{62474673-C6E1-1C4B-AA60-C47E22728A76}"/>
+              </a:ext>
+            </a:extLst>
+          </p:cNvPr>
+          <p:cNvSpPr/>
+          <p:nvPr/>
+        </p:nvSpPr>
+        <p:spPr>
+          <a:xfrm>
+            <a:off x="2376024" y="1221388"/>
+            <a:ext cx="2845141" cy="289566"/>
+          </a:xfrm>
+          <a:prstGeom prst="rect">
+            <a:avLst/>
+          </a:prstGeom>
+          <a:noFill/>
+          <a:ln>
+            <a:solidFill>
+              <a:schemeClr val="tx1"/>
+            </a:solidFill>
+            <a:prstDash val="dash"/>
+          </a:ln>
+        </p:spPr>
+        <p:style>
+          <a:lnRef idx="2">
+            <a:schemeClr val="accent1">
+              <a:shade val="50000"/>
+            </a:schemeClr>
+          </a:lnRef>
+          <a:fillRef idx="1">
+            <a:schemeClr val="accent1"/>
+          </a:fillRef>
+          <a:effectRef idx="0">
+            <a:schemeClr val="accent1"/>
+          </a:effectRef>
+          <a:fontRef idx="minor">
+            <a:schemeClr val="lt1"/>
+          </a:fontRef>
+        </p:style>
+        <p:txBody>
+          <a:bodyPr rtlCol="0" anchor="t"/>
+          <a:lstStyle/>
+          <a:p>
+            <a:r>
+              <a:rPr lang="it-IT" sz="1000" i="1" dirty="0" err="1">
+                <a:solidFill>
+                  <a:schemeClr val="tx1"/>
+                </a:solidFill>
+                <a:latin typeface="IBM Plex Sans Condensed" panose="020B0506050203000203" pitchFamily="34" charset="77"/>
+              </a:rPr>
+              <a:t>subnet</a:t>
+            </a:r>
+            <a:r>
+              <a:rPr lang="en-IT" sz="1000" i="1" dirty="0">
+                <a:solidFill>
+                  <a:schemeClr val="tx1"/>
+                </a:solidFill>
+                <a:latin typeface="IBM Plex Sans Condensed" panose="020B0506050203000203" pitchFamily="34" charset="77"/>
+              </a:rPr>
+              <a:t>-public 10.0.160.0/20</a:t>
+            </a:r>
+          </a:p>
+        </p:txBody>
+      </p:sp>
+      <p:cxnSp>
+        <p:nvCxnSpPr>
+          <p:cNvPr id="62" name="Elbow Connector 61">
+            <a:extLst>
+              <a:ext uri="{FF2B5EF4-FFF2-40B4-BE49-F238E27FC236}">
+                <a16:creationId xmlns:a16="http://schemas.microsoft.com/office/drawing/2014/main" id="{3F2AB826-7FE2-894B-B732-941097A6E504}"/>
+              </a:ext>
+            </a:extLst>
+          </p:cNvPr>
+          <p:cNvCxnSpPr>
+            <a:cxnSpLocks/>
+            <a:stCxn id="86" idx="1"/>
+            <a:endCxn id="16" idx="0"/>
+          </p:cNvCxnSpPr>
+          <p:nvPr/>
+        </p:nvCxnSpPr>
+        <p:spPr>
+          <a:xfrm rot="10800000" flipV="1">
+            <a:off x="2166986" y="2072846"/>
+            <a:ext cx="209039" cy="3202814"/>
+          </a:xfrm>
+          <a:prstGeom prst="bentConnector2">
+            <a:avLst/>
+          </a:prstGeom>
+          <a:ln w="19050">
+            <a:solidFill>
+              <a:srgbClr val="00B050"/>
+            </a:solidFill>
+          </a:ln>
+        </p:spPr>
+        <p:style>
+          <a:lnRef idx="1">
+            <a:schemeClr val="accent1"/>
+          </a:lnRef>
+          <a:fillRef idx="0">
+            <a:schemeClr val="accent1"/>
+          </a:fillRef>
+          <a:effectRef idx="0">
+            <a:schemeClr val="accent1"/>
+          </a:effectRef>
+          <a:fontRef idx="minor">
+            <a:schemeClr val="tx1"/>
+          </a:fontRef>
+        </p:style>
+      </p:cxnSp>
+      <p:cxnSp>
+        <p:nvCxnSpPr>
+          <p:cNvPr id="66" name="Elbow Connector 65">
+            <a:extLst>
+              <a:ext uri="{FF2B5EF4-FFF2-40B4-BE49-F238E27FC236}">
+                <a16:creationId xmlns:a16="http://schemas.microsoft.com/office/drawing/2014/main" id="{8EF613D2-D468-0B40-A9EC-01FD97F9610D}"/>
+              </a:ext>
+            </a:extLst>
+          </p:cNvPr>
+          <p:cNvCxnSpPr>
+            <a:cxnSpLocks/>
+            <a:stCxn id="87" idx="1"/>
+            <a:endCxn id="16" idx="0"/>
+          </p:cNvCxnSpPr>
+          <p:nvPr/>
+        </p:nvCxnSpPr>
+        <p:spPr>
+          <a:xfrm rot="10800000" flipV="1">
+            <a:off x="2166986" y="1366170"/>
+            <a:ext cx="209039" cy="3909489"/>
+          </a:xfrm>
+          <a:prstGeom prst="bentConnector2">
+            <a:avLst/>
+          </a:prstGeom>
+          <a:ln w="19050">
+            <a:solidFill>
+              <a:srgbClr val="00B050"/>
+            </a:solidFill>
+          </a:ln>
+        </p:spPr>
+        <p:style>
+          <a:lnRef idx="1">
+            <a:schemeClr val="accent1"/>
+          </a:lnRef>
+          <a:fillRef idx="0">
+            <a:schemeClr val="accent1"/>
+          </a:fillRef>
+          <a:effectRef idx="0">
+            <a:schemeClr val="accent1"/>
+          </a:effectRef>
+          <a:fontRef idx="minor">
+            <a:schemeClr val="tx1"/>
+          </a:fontRef>
+        </p:style>
+      </p:cxnSp>
+      <p:sp>
+        <p:nvSpPr>
+          <p:cNvPr id="56" name="TextBox 55">
+            <a:extLst>
+              <a:ext uri="{FF2B5EF4-FFF2-40B4-BE49-F238E27FC236}">
+                <a16:creationId xmlns:a16="http://schemas.microsoft.com/office/drawing/2014/main" id="{BDCD06D0-1DA9-0A47-A054-DBD8440E6A0D}"/>
+              </a:ext>
+            </a:extLst>
+          </p:cNvPr>
+          <p:cNvSpPr txBox="1"/>
+          <p:nvPr/>
+        </p:nvSpPr>
+        <p:spPr>
+          <a:xfrm>
+            <a:off x="0" y="807900"/>
+            <a:ext cx="1447187" cy="3600986"/>
+          </a:xfrm>
+          <a:prstGeom prst="rect">
+            <a:avLst/>
+          </a:prstGeom>
+          <a:solidFill>
+            <a:schemeClr val="bg2"/>
+          </a:solidFill>
+        </p:spPr>
+        <p:txBody>
+          <a:bodyPr wrap="square" rtlCol="0">
+            <a:spAutoFit/>
+          </a:bodyPr>
+          <a:lstStyle/>
+          <a:p>
+            <a:pPr algn="ctr"/>
+            <a:r>
+              <a:rPr lang="en-GB" sz="1200" b="1" dirty="0"/>
+              <a:t>T</a:t>
+            </a:r>
+            <a:r>
+              <a:rPr lang="en-IT" sz="1200" b="1" dirty="0"/>
+              <a:t>est</a:t>
+            </a:r>
+          </a:p>
+          <a:p>
+            <a:pPr algn="ctr"/>
+            <a:r>
+              <a:rPr lang="en-IT" sz="1200" b="1" dirty="0"/>
+              <a:t>Route53 on vpc custom</a:t>
+            </a:r>
+          </a:p>
+          <a:p>
+            <a:pPr algn="ctr"/>
+            <a:endParaRPr lang="en-IT" sz="1200" dirty="0"/>
+          </a:p>
+          <a:p>
+            <a:pPr algn="ctr"/>
+            <a:r>
+              <a:rPr lang="en-GB" sz="1200" dirty="0"/>
+              <a:t>R</a:t>
+            </a:r>
+            <a:r>
+              <a:rPr lang="en-IT" sz="1200" dirty="0"/>
+              <a:t>ed connections work only if you use the original RDS endpoint (Route53 doesn’t resolve the domain name)</a:t>
+            </a:r>
+          </a:p>
+          <a:p>
+            <a:pPr algn="ctr"/>
+            <a:endParaRPr lang="en-IT" sz="1200" dirty="0"/>
+          </a:p>
+          <a:p>
+            <a:pPr algn="ctr"/>
+            <a:r>
+              <a:rPr lang="en-IT" sz="1200" dirty="0"/>
+              <a:t>For Yellow connections DNS resoluiton works but the node.js app doesn’t render the DB. Probably a VPC peering must be activated</a:t>
+            </a:r>
+          </a:p>
+        </p:txBody>
+      </p:sp>
+      <p:pic>
+        <p:nvPicPr>
+          <p:cNvPr id="49" name="Graphic 48">
+            <a:extLst>
+              <a:ext uri="{FF2B5EF4-FFF2-40B4-BE49-F238E27FC236}">
+                <a16:creationId xmlns:a16="http://schemas.microsoft.com/office/drawing/2014/main" id="{7F95CA52-FC26-F042-8733-3D8F30AFC7AC}"/>
+              </a:ext>
+            </a:extLst>
+          </p:cNvPr>
+          <p:cNvPicPr>
+            <a:picLocks noChangeAspect="1"/>
+          </p:cNvPicPr>
+          <p:nvPr/>
+        </p:nvPicPr>
+        <p:blipFill>
+          <a:blip r:embed="rId16">
+            <a:extLst>
+              <a:ext uri="{96DAC541-7B7A-43D3-8B79-37D633B846F1}">
+                <asvg:svgBlip xmlns:asvg="http://schemas.microsoft.com/office/drawing/2016/SVG/main" r:embed="rId17"/>
+              </a:ext>
+            </a:extLst>
+          </a:blip>
+          <a:stretch>
+            <a:fillRect/>
+          </a:stretch>
+        </p:blipFill>
+        <p:spPr>
+          <a:xfrm>
+            <a:off x="2547213" y="5131912"/>
+            <a:ext cx="357148" cy="432591"/>
+          </a:xfrm>
+          <a:prstGeom prst="rect">
+            <a:avLst/>
+          </a:prstGeom>
+        </p:spPr>
+      </p:pic>
+      <p:sp>
+        <p:nvSpPr>
+          <p:cNvPr id="55" name="TextBox 54">
+            <a:extLst>
+              <a:ext uri="{FF2B5EF4-FFF2-40B4-BE49-F238E27FC236}">
+                <a16:creationId xmlns:a16="http://schemas.microsoft.com/office/drawing/2014/main" id="{447AA2C1-9212-F642-AAF4-F9A24EFA25DA}"/>
+              </a:ext>
+            </a:extLst>
+          </p:cNvPr>
+          <p:cNvSpPr txBox="1"/>
+          <p:nvPr/>
+        </p:nvSpPr>
+        <p:spPr>
+          <a:xfrm>
+            <a:off x="2893650" y="5051521"/>
+            <a:ext cx="996449" cy="600164"/>
+          </a:xfrm>
+          <a:prstGeom prst="rect">
+            <a:avLst/>
+          </a:prstGeom>
+          <a:noFill/>
+        </p:spPr>
+        <p:txBody>
+          <a:bodyPr wrap="square" rtlCol="0">
+            <a:spAutoFit/>
+          </a:bodyPr>
+          <a:lstStyle/>
+          <a:p>
+            <a:r>
+              <a:rPr lang="en-IT" sz="1100" b="1" i="1" dirty="0">
+                <a:latin typeface="IBM Plex Sans Condensed" panose="020B0506050203000203" pitchFamily="34" charset="77"/>
+              </a:rPr>
+              <a:t>Route53</a:t>
+            </a:r>
+          </a:p>
+          <a:p>
+            <a:r>
+              <a:rPr lang="en-GB" sz="1100" i="1" dirty="0">
+                <a:latin typeface="IBM Plex Sans Condensed" panose="020B0506050203000203" pitchFamily="34" charset="77"/>
+              </a:rPr>
+              <a:t>P</a:t>
+            </a:r>
+            <a:r>
+              <a:rPr lang="en-IT" sz="1100" i="1" dirty="0">
+                <a:latin typeface="IBM Plex Sans Condensed" panose="020B0506050203000203" pitchFamily="34" charset="77"/>
+              </a:rPr>
+              <a:t>rivate hosted zone</a:t>
+            </a:r>
+          </a:p>
+        </p:txBody>
+      </p:sp>
+      <p:pic>
+        <p:nvPicPr>
+          <p:cNvPr id="76" name="Picture 4" descr="Networking, vpc, router, compute, copy icon - Free download">
+            <a:extLst>
+              <a:ext uri="{FF2B5EF4-FFF2-40B4-BE49-F238E27FC236}">
+                <a16:creationId xmlns:a16="http://schemas.microsoft.com/office/drawing/2014/main" id="{D2F40326-7742-E841-82D5-7ADAF5704D42}"/>
+              </a:ext>
+            </a:extLst>
+          </p:cNvPr>
+          <p:cNvPicPr>
+            <a:picLocks noChangeAspect="1" noChangeArrowheads="1"/>
+          </p:cNvPicPr>
+          <p:nvPr/>
+        </p:nvPicPr>
+        <p:blipFill rotWithShape="1">
+          <a:blip r:embed="rId15">
+            <a:extLst>
+              <a:ext uri="{28A0092B-C50C-407E-A947-70E740481C1C}">
+                <a14:useLocalDpi xmlns:a14="http://schemas.microsoft.com/office/drawing/2010/main" val="0"/>
+              </a:ext>
+            </a:extLst>
+          </a:blip>
+          <a:srcRect l="15886" t="13431" r="16811" b="17851"/>
+          <a:stretch/>
+        </p:blipFill>
+        <p:spPr bwMode="auto">
+          <a:xfrm>
+            <a:off x="8480323" y="5476448"/>
+            <a:ext cx="396000" cy="404331"/>
+          </a:xfrm>
+          <a:prstGeom prst="rect">
+            <a:avLst/>
+          </a:prstGeom>
+          <a:noFill/>
+          <a:extLst>
+            <a:ext uri="{909E8E84-426E-40DD-AFC4-6F175D3DCCD1}">
+              <a14:hiddenFill xmlns:a14="http://schemas.microsoft.com/office/drawing/2010/main">
+                <a:solidFill>
+                  <a:srgbClr val="FFFFFF"/>
+                </a:solidFill>
+              </a14:hiddenFill>
+            </a:ext>
+          </a:extLst>
+        </p:spPr>
+      </p:pic>
+      <p:cxnSp>
+        <p:nvCxnSpPr>
+          <p:cNvPr id="22" name="Straight Connector 21">
+            <a:extLst>
+              <a:ext uri="{FF2B5EF4-FFF2-40B4-BE49-F238E27FC236}">
+                <a16:creationId xmlns:a16="http://schemas.microsoft.com/office/drawing/2014/main" id="{657378E5-95AD-D543-8D9B-59F8551F13FA}"/>
+              </a:ext>
+            </a:extLst>
+          </p:cNvPr>
+          <p:cNvCxnSpPr/>
+          <p:nvPr/>
+        </p:nvCxnSpPr>
+        <p:spPr>
+          <a:xfrm>
+            <a:off x="1767714" y="5708138"/>
+            <a:ext cx="6768000" cy="0"/>
+          </a:xfrm>
+          <a:prstGeom prst="line">
+            <a:avLst/>
+          </a:prstGeom>
+          <a:ln w="19050">
+            <a:solidFill>
+              <a:srgbClr val="00B050"/>
+            </a:solidFill>
+          </a:ln>
+        </p:spPr>
+        <p:style>
+          <a:lnRef idx="1">
+            <a:schemeClr val="accent1"/>
+          </a:lnRef>
+          <a:fillRef idx="0">
+            <a:schemeClr val="accent1"/>
+          </a:fillRef>
+          <a:effectRef idx="0">
+            <a:schemeClr val="accent1"/>
+          </a:effectRef>
+          <a:fontRef idx="minor">
+            <a:schemeClr val="tx1"/>
+          </a:fontRef>
+        </p:style>
+      </p:cxnSp>
+      <p:grpSp>
+        <p:nvGrpSpPr>
+          <p:cNvPr id="79" name="Group 78">
+            <a:extLst>
+              <a:ext uri="{FF2B5EF4-FFF2-40B4-BE49-F238E27FC236}">
+                <a16:creationId xmlns:a16="http://schemas.microsoft.com/office/drawing/2014/main" id="{1145C847-6A98-0A4E-811C-04EC916F5DEA}"/>
+              </a:ext>
+            </a:extLst>
+          </p:cNvPr>
+          <p:cNvGrpSpPr/>
+          <p:nvPr/>
+        </p:nvGrpSpPr>
+        <p:grpSpPr>
+          <a:xfrm>
+            <a:off x="5323754" y="3198360"/>
+            <a:ext cx="1344961" cy="1374953"/>
+            <a:chOff x="5271093" y="2723564"/>
+            <a:chExt cx="2029889" cy="2098873"/>
+          </a:xfrm>
+        </p:grpSpPr>
+        <p:sp>
+          <p:nvSpPr>
+            <p:cNvPr id="80" name="Rectangle 79">
+              <a:extLst>
+                <a:ext uri="{FF2B5EF4-FFF2-40B4-BE49-F238E27FC236}">
+                  <a16:creationId xmlns:a16="http://schemas.microsoft.com/office/drawing/2014/main" id="{F098BCC3-5797-1B4C-B7E5-D1E449DAD0C6}"/>
+                </a:ext>
+              </a:extLst>
+            </p:cNvPr>
+            <p:cNvSpPr/>
+            <p:nvPr/>
+          </p:nvSpPr>
+          <p:spPr>
+            <a:xfrm>
+              <a:off x="5453134" y="2723564"/>
+              <a:ext cx="1847848" cy="1985963"/>
+            </a:xfrm>
+            <a:prstGeom prst="rect">
+              <a:avLst/>
+            </a:prstGeom>
+            <a:noFill/>
+            <a:ln>
+              <a:solidFill>
+                <a:schemeClr val="tx1"/>
+              </a:solidFill>
+              <a:prstDash val="dash"/>
+            </a:ln>
+          </p:spPr>
+          <p:style>
+            <a:lnRef idx="2">
+              <a:schemeClr val="accent1">
+                <a:shade val="50000"/>
+              </a:schemeClr>
+            </a:lnRef>
+            <a:fillRef idx="1">
+              <a:schemeClr val="accent1"/>
+            </a:fillRef>
+            <a:effectRef idx="0">
+              <a:schemeClr val="accent1"/>
+            </a:effectRef>
+            <a:fontRef idx="minor">
+              <a:schemeClr val="lt1"/>
+            </a:fontRef>
+          </p:style>
+          <p:txBody>
+            <a:bodyPr rtlCol="0" anchor="t"/>
+            <a:lstStyle/>
+            <a:p>
+              <a:r>
+                <a:rPr lang="it-IT" sz="1000" i="1" dirty="0">
+                  <a:solidFill>
+                    <a:schemeClr val="tx1"/>
+                  </a:solidFill>
+                  <a:latin typeface="IBM Plex Sans Condensed" panose="020B0506050203000203" pitchFamily="34" charset="77"/>
+                </a:rPr>
+                <a:t>security-group-ec2</a:t>
+              </a:r>
+              <a:endParaRPr lang="en-IT" sz="1000" i="1" dirty="0">
+                <a:solidFill>
+                  <a:schemeClr val="tx1"/>
+                </a:solidFill>
+                <a:latin typeface="IBM Plex Sans Condensed" panose="020B0506050203000203" pitchFamily="34" charset="77"/>
+              </a:endParaRPr>
+            </a:p>
+          </p:txBody>
+        </p:sp>
+        <p:pic>
+          <p:nvPicPr>
+            <p:cNvPr id="81" name="Picture 80" descr="Icon&#10;&#10;Description automatically generated">
+              <a:extLst>
+                <a:ext uri="{FF2B5EF4-FFF2-40B4-BE49-F238E27FC236}">
+                  <a16:creationId xmlns:a16="http://schemas.microsoft.com/office/drawing/2014/main" id="{F4DE6EFE-F811-2A41-9C4D-EA16968580AB}"/>
+                </a:ext>
+              </a:extLst>
+            </p:cNvPr>
+            <p:cNvPicPr>
+              <a:picLocks noChangeAspect="1"/>
+            </p:cNvPicPr>
+            <p:nvPr/>
+          </p:nvPicPr>
+          <p:blipFill>
+            <a:blip r:embed="rId6">
+              <a:extLst>
+                <a:ext uri="{837473B0-CC2E-450A-ABE3-18F120FF3D39}">
+                  <a1611:picAttrSrcUrl xmlns:a1611="http://schemas.microsoft.com/office/drawing/2016/11/main" r:id="rId7"/>
+                </a:ext>
+              </a:extLst>
+            </a:blip>
+            <a:stretch>
+              <a:fillRect/>
+            </a:stretch>
+          </p:blipFill>
+          <p:spPr>
+            <a:xfrm>
+              <a:off x="5980948" y="3350166"/>
+              <a:ext cx="758294" cy="758294"/>
+            </a:xfrm>
+            <a:prstGeom prst="rect">
+              <a:avLst/>
+            </a:prstGeom>
+          </p:spPr>
+        </p:pic>
+        <p:sp>
+          <p:nvSpPr>
+            <p:cNvPr id="82" name="TextBox 81">
+              <a:extLst>
+                <a:ext uri="{FF2B5EF4-FFF2-40B4-BE49-F238E27FC236}">
+                  <a16:creationId xmlns:a16="http://schemas.microsoft.com/office/drawing/2014/main" id="{20834E85-2489-1E47-9961-8878308E5B70}"/>
+                </a:ext>
+              </a:extLst>
+            </p:cNvPr>
+            <p:cNvSpPr txBox="1"/>
+            <p:nvPr/>
+          </p:nvSpPr>
+          <p:spPr>
+            <a:xfrm>
+              <a:off x="5905015" y="4072346"/>
+              <a:ext cx="1217412" cy="375858"/>
+            </a:xfrm>
+            <a:prstGeom prst="rect">
+              <a:avLst/>
+            </a:prstGeom>
+            <a:noFill/>
+          </p:spPr>
+          <p:txBody>
+            <a:bodyPr wrap="none" rtlCol="0">
+              <a:spAutoFit/>
+            </a:bodyPr>
+            <a:lstStyle/>
+            <a:p>
+              <a:r>
+                <a:rPr lang="en-IT" sz="1000" b="1" i="1" dirty="0">
+                  <a:latin typeface="IBM Plex Sans Condensed" panose="020B0506050203000203" pitchFamily="34" charset="77"/>
+                </a:rPr>
+                <a:t>EC2 istance</a:t>
+              </a:r>
+            </a:p>
+          </p:txBody>
+        </p:sp>
+        <p:pic>
+          <p:nvPicPr>
+            <p:cNvPr id="83" name="Graphic 82" descr="Lock">
+              <a:extLst>
+                <a:ext uri="{FF2B5EF4-FFF2-40B4-BE49-F238E27FC236}">
+                  <a16:creationId xmlns:a16="http://schemas.microsoft.com/office/drawing/2014/main" id="{4AA58469-FD41-B049-89A9-173D0BE99B6D}"/>
+                </a:ext>
+              </a:extLst>
+            </p:cNvPr>
+            <p:cNvPicPr>
+              <a:picLocks noChangeAspect="1"/>
+            </p:cNvPicPr>
+            <p:nvPr/>
+          </p:nvPicPr>
+          <p:blipFill>
+            <a:blip r:embed="rId8">
+              <a:extLst>
+                <a:ext uri="{96DAC541-7B7A-43D3-8B79-37D633B846F1}">
+                  <asvg:svgBlip xmlns:asvg="http://schemas.microsoft.com/office/drawing/2016/SVG/main" r:embed="rId9"/>
+                </a:ext>
+              </a:extLst>
+            </a:blip>
+            <a:stretch>
+              <a:fillRect/>
+            </a:stretch>
+          </p:blipFill>
+          <p:spPr>
+            <a:xfrm>
+              <a:off x="5271093" y="4436147"/>
+              <a:ext cx="386290" cy="386290"/>
+            </a:xfrm>
+            <a:prstGeom prst="rect">
+              <a:avLst/>
+            </a:prstGeom>
+          </p:spPr>
+        </p:pic>
+      </p:grpSp>
+      <p:grpSp>
+        <p:nvGrpSpPr>
+          <p:cNvPr id="84" name="Group 83">
+            <a:extLst>
+              <a:ext uri="{FF2B5EF4-FFF2-40B4-BE49-F238E27FC236}">
+                <a16:creationId xmlns:a16="http://schemas.microsoft.com/office/drawing/2014/main" id="{315BE991-9296-0F48-8291-B879E92DE363}"/>
+              </a:ext>
+            </a:extLst>
+          </p:cNvPr>
+          <p:cNvGrpSpPr/>
+          <p:nvPr/>
+        </p:nvGrpSpPr>
+        <p:grpSpPr>
+          <a:xfrm>
+            <a:off x="6798822" y="3194264"/>
+            <a:ext cx="1224345" cy="1391648"/>
+            <a:chOff x="8760642" y="2727632"/>
+            <a:chExt cx="1995263" cy="2089418"/>
+          </a:xfrm>
+        </p:grpSpPr>
+        <p:pic>
+          <p:nvPicPr>
+            <p:cNvPr id="85" name="Picture 2" descr="New Trivadis Training – AWS RDS for Oracle – daniel8192">
+              <a:extLst>
+                <a:ext uri="{FF2B5EF4-FFF2-40B4-BE49-F238E27FC236}">
+                  <a16:creationId xmlns:a16="http://schemas.microsoft.com/office/drawing/2014/main" id="{3061B757-565D-6B4F-9A8C-2637DB77374A}"/>
+                </a:ext>
+              </a:extLst>
+            </p:cNvPr>
+            <p:cNvPicPr>
+              <a:picLocks noChangeAspect="1" noChangeArrowheads="1"/>
+            </p:cNvPicPr>
+            <p:nvPr/>
+          </p:nvPicPr>
+          <p:blipFill>
+            <a:blip r:embed="rId10">
+              <a:extLst>
+                <a:ext uri="{28A0092B-C50C-407E-A947-70E740481C1C}">
+                  <a14:useLocalDpi xmlns:a14="http://schemas.microsoft.com/office/drawing/2010/main" val="0"/>
+                </a:ext>
+              </a:extLst>
+            </a:blip>
+            <a:srcRect/>
+            <a:stretch>
+              <a:fillRect/>
+            </a:stretch>
+          </p:blipFill>
+          <p:spPr bwMode="auto">
+            <a:xfrm>
+              <a:off x="9464713" y="3447484"/>
+              <a:ext cx="745388" cy="745388"/>
+            </a:xfrm>
+            <a:prstGeom prst="rect">
+              <a:avLst/>
+            </a:prstGeom>
+            <a:noFill/>
+            <a:extLst>
+              <a:ext uri="{909E8E84-426E-40DD-AFC4-6F175D3DCCD1}">
+                <a14:hiddenFill xmlns:a14="http://schemas.microsoft.com/office/drawing/2010/main">
+                  <a:solidFill>
+                    <a:srgbClr val="FFFFFF"/>
+                  </a:solidFill>
+                </a14:hiddenFill>
+              </a:ext>
+            </a:extLst>
+          </p:spPr>
+        </p:pic>
+        <p:sp>
+          <p:nvSpPr>
+            <p:cNvPr id="88" name="Rectangle 87">
+              <a:extLst>
+                <a:ext uri="{FF2B5EF4-FFF2-40B4-BE49-F238E27FC236}">
+                  <a16:creationId xmlns:a16="http://schemas.microsoft.com/office/drawing/2014/main" id="{A6924F70-267F-2446-988B-24F368AD1EC2}"/>
+                </a:ext>
+              </a:extLst>
+            </p:cNvPr>
+            <p:cNvSpPr/>
+            <p:nvPr/>
+          </p:nvSpPr>
+          <p:spPr>
+            <a:xfrm>
+              <a:off x="8908057" y="2727632"/>
+              <a:ext cx="1847848" cy="1985963"/>
+            </a:xfrm>
+            <a:prstGeom prst="rect">
+              <a:avLst/>
+            </a:prstGeom>
+            <a:noFill/>
+            <a:ln>
+              <a:solidFill>
+                <a:schemeClr val="tx1"/>
+              </a:solidFill>
+              <a:prstDash val="dash"/>
+            </a:ln>
+          </p:spPr>
+          <p:style>
+            <a:lnRef idx="2">
+              <a:schemeClr val="accent1">
+                <a:shade val="50000"/>
+              </a:schemeClr>
+            </a:lnRef>
+            <a:fillRef idx="1">
+              <a:schemeClr val="accent1"/>
+            </a:fillRef>
+            <a:effectRef idx="0">
+              <a:schemeClr val="accent1"/>
+            </a:effectRef>
+            <a:fontRef idx="minor">
+              <a:schemeClr val="lt1"/>
+            </a:fontRef>
+          </p:style>
+          <p:txBody>
+            <a:bodyPr rtlCol="0" anchor="t"/>
+            <a:lstStyle/>
+            <a:p>
+              <a:r>
+                <a:rPr lang="it-IT" sz="900" i="1" dirty="0">
+                  <a:solidFill>
+                    <a:schemeClr val="tx1"/>
+                  </a:solidFill>
+                  <a:latin typeface="IBM Plex Sans Condensed" panose="020B0506050203000203" pitchFamily="34" charset="77"/>
+                </a:rPr>
+                <a:t>security-</a:t>
+              </a:r>
+              <a:r>
+                <a:rPr lang="it-IT" sz="900" i="1" dirty="0" err="1">
+                  <a:solidFill>
+                    <a:schemeClr val="tx1"/>
+                  </a:solidFill>
+                  <a:latin typeface="IBM Plex Sans Condensed" panose="020B0506050203000203" pitchFamily="34" charset="77"/>
+                </a:rPr>
+                <a:t>group</a:t>
+              </a:r>
+              <a:r>
+                <a:rPr lang="it-IT" sz="900" i="1" dirty="0">
+                  <a:solidFill>
+                    <a:schemeClr val="tx1"/>
+                  </a:solidFill>
+                  <a:latin typeface="IBM Plex Sans Condensed" panose="020B0506050203000203" pitchFamily="34" charset="77"/>
+                </a:rPr>
+                <a:t>-</a:t>
+              </a:r>
+              <a:r>
+                <a:rPr lang="it-IT" sz="900" i="1" dirty="0" err="1">
+                  <a:solidFill>
+                    <a:schemeClr val="tx1"/>
+                  </a:solidFill>
+                  <a:latin typeface="IBM Plex Sans Condensed" panose="020B0506050203000203" pitchFamily="34" charset="77"/>
+                </a:rPr>
+                <a:t>db</a:t>
+              </a:r>
+              <a:endParaRPr lang="en-IT" sz="900" i="1" dirty="0">
+                <a:solidFill>
+                  <a:schemeClr val="tx1"/>
+                </a:solidFill>
+                <a:latin typeface="IBM Plex Sans Condensed" panose="020B0506050203000203" pitchFamily="34" charset="77"/>
+              </a:endParaRPr>
+            </a:p>
+          </p:txBody>
+        </p:sp>
+        <p:pic>
+          <p:nvPicPr>
+            <p:cNvPr id="90" name="Picture 89" descr="Logo&#10;&#10;Description automatically generated">
+              <a:extLst>
+                <a:ext uri="{FF2B5EF4-FFF2-40B4-BE49-F238E27FC236}">
+                  <a16:creationId xmlns:a16="http://schemas.microsoft.com/office/drawing/2014/main" id="{DDF2A743-7678-B84B-B65A-D7B66FD40280}"/>
+                </a:ext>
+              </a:extLst>
+            </p:cNvPr>
+            <p:cNvPicPr>
+              <a:picLocks noChangeAspect="1"/>
+            </p:cNvPicPr>
+            <p:nvPr/>
+          </p:nvPicPr>
+          <p:blipFill>
+            <a:blip r:embed="rId11">
+              <a:extLst>
+                <a:ext uri="{837473B0-CC2E-450A-ABE3-18F120FF3D39}">
+                  <a1611:picAttrSrcUrl xmlns:a1611="http://schemas.microsoft.com/office/drawing/2016/11/main" r:id="rId12"/>
+                </a:ext>
+              </a:extLst>
+            </a:blip>
+            <a:stretch>
+              <a:fillRect/>
+            </a:stretch>
+          </p:blipFill>
+          <p:spPr>
+            <a:xfrm>
+              <a:off x="9515533" y="2968878"/>
+              <a:ext cx="657113" cy="455598"/>
+            </a:xfrm>
+            <a:prstGeom prst="rect">
+              <a:avLst/>
+            </a:prstGeom>
+          </p:spPr>
+        </p:pic>
+        <p:sp>
+          <p:nvSpPr>
+            <p:cNvPr id="91" name="TextBox 90">
+              <a:extLst>
+                <a:ext uri="{FF2B5EF4-FFF2-40B4-BE49-F238E27FC236}">
+                  <a16:creationId xmlns:a16="http://schemas.microsoft.com/office/drawing/2014/main" id="{C5D45A50-FB86-1D4A-BDA3-02395D2E9DC7}"/>
+                </a:ext>
+              </a:extLst>
+            </p:cNvPr>
+            <p:cNvSpPr txBox="1"/>
+            <p:nvPr/>
+          </p:nvSpPr>
+          <p:spPr>
+            <a:xfrm>
+              <a:off x="9345291" y="4177156"/>
+              <a:ext cx="1213707" cy="352159"/>
+            </a:xfrm>
+            <a:prstGeom prst="rect">
+              <a:avLst/>
+            </a:prstGeom>
+            <a:noFill/>
+          </p:spPr>
+          <p:txBody>
+            <a:bodyPr wrap="none" rtlCol="0">
+              <a:spAutoFit/>
+            </a:bodyPr>
+            <a:lstStyle/>
+            <a:p>
+              <a:r>
+                <a:rPr lang="en-IT" sz="900" b="1" i="1" dirty="0">
+                  <a:latin typeface="IBM Plex Sans Condensed" panose="020B0506050203000203" pitchFamily="34" charset="77"/>
+                </a:rPr>
+                <a:t>RDS istance</a:t>
+              </a:r>
+            </a:p>
+          </p:txBody>
+        </p:sp>
+        <p:pic>
+          <p:nvPicPr>
+            <p:cNvPr id="92" name="Graphic 91" descr="Lock">
+              <a:extLst>
+                <a:ext uri="{FF2B5EF4-FFF2-40B4-BE49-F238E27FC236}">
+                  <a16:creationId xmlns:a16="http://schemas.microsoft.com/office/drawing/2014/main" id="{CD2DBD94-EA23-8644-9277-03B8079B2428}"/>
+                </a:ext>
+              </a:extLst>
+            </p:cNvPr>
+            <p:cNvPicPr>
+              <a:picLocks noChangeAspect="1"/>
+            </p:cNvPicPr>
+            <p:nvPr/>
+          </p:nvPicPr>
+          <p:blipFill>
+            <a:blip r:embed="rId8">
+              <a:extLst>
+                <a:ext uri="{96DAC541-7B7A-43D3-8B79-37D633B846F1}">
+                  <asvg:svgBlip xmlns:asvg="http://schemas.microsoft.com/office/drawing/2016/SVG/main" r:embed="rId9"/>
+                </a:ext>
+              </a:extLst>
+            </a:blip>
+            <a:stretch>
+              <a:fillRect/>
+            </a:stretch>
+          </p:blipFill>
+          <p:spPr>
+            <a:xfrm>
+              <a:off x="8760642" y="4430760"/>
+              <a:ext cx="386290" cy="386290"/>
+            </a:xfrm>
+            <a:prstGeom prst="rect">
+              <a:avLst/>
+            </a:prstGeom>
+          </p:spPr>
+        </p:pic>
+      </p:grpSp>
+      <p:sp>
+        <p:nvSpPr>
+          <p:cNvPr id="93" name="Rectangle 92">
+            <a:extLst>
+              <a:ext uri="{FF2B5EF4-FFF2-40B4-BE49-F238E27FC236}">
+                <a16:creationId xmlns:a16="http://schemas.microsoft.com/office/drawing/2014/main" id="{384DF8B7-6EB0-7B42-A97A-D3A794AC54C3}"/>
+              </a:ext>
+            </a:extLst>
+          </p:cNvPr>
+          <p:cNvSpPr/>
+          <p:nvPr/>
+        </p:nvSpPr>
+        <p:spPr>
+          <a:xfrm>
+            <a:off x="5311875" y="2889390"/>
+            <a:ext cx="2834907" cy="1755700"/>
+          </a:xfrm>
+          <a:prstGeom prst="rect">
+            <a:avLst/>
+          </a:prstGeom>
+          <a:noFill/>
+          <a:ln>
+            <a:solidFill>
+              <a:schemeClr val="tx1"/>
+            </a:solidFill>
+            <a:prstDash val="dash"/>
+          </a:ln>
+        </p:spPr>
+        <p:style>
+          <a:lnRef idx="2">
+            <a:schemeClr val="accent1">
+              <a:shade val="50000"/>
+            </a:schemeClr>
+          </a:lnRef>
+          <a:fillRef idx="1">
+            <a:schemeClr val="accent1"/>
+          </a:fillRef>
+          <a:effectRef idx="0">
+            <a:schemeClr val="accent1"/>
+          </a:effectRef>
+          <a:fontRef idx="minor">
+            <a:schemeClr val="lt1"/>
+          </a:fontRef>
+        </p:style>
+        <p:txBody>
+          <a:bodyPr rtlCol="0" anchor="t"/>
+          <a:lstStyle/>
+          <a:p>
+            <a:r>
+              <a:rPr lang="it-IT" sz="1000" i="1" dirty="0" err="1">
+                <a:solidFill>
+                  <a:schemeClr val="tx1"/>
+                </a:solidFill>
+                <a:latin typeface="IBM Plex Sans Condensed" panose="020B0506050203000203" pitchFamily="34" charset="77"/>
+              </a:rPr>
+              <a:t>subnet</a:t>
+            </a:r>
+            <a:r>
+              <a:rPr lang="en-IT" sz="1000" i="1" dirty="0">
+                <a:solidFill>
+                  <a:schemeClr val="tx1"/>
+                </a:solidFill>
+                <a:latin typeface="IBM Plex Sans Condensed" panose="020B0506050203000203" pitchFamily="34" charset="77"/>
+              </a:rPr>
+              <a:t>-public 10.0.176.0/21</a:t>
+            </a:r>
+          </a:p>
+        </p:txBody>
+      </p:sp>
+      <p:grpSp>
+        <p:nvGrpSpPr>
+          <p:cNvPr id="94" name="Group 93">
+            <a:extLst>
+              <a:ext uri="{FF2B5EF4-FFF2-40B4-BE49-F238E27FC236}">
+                <a16:creationId xmlns:a16="http://schemas.microsoft.com/office/drawing/2014/main" id="{44AAC242-2A59-8D4F-BC01-1130A326C7EE}"/>
+              </a:ext>
+            </a:extLst>
+          </p:cNvPr>
+          <p:cNvGrpSpPr/>
+          <p:nvPr/>
+        </p:nvGrpSpPr>
+        <p:grpSpPr>
+          <a:xfrm>
+            <a:off x="8981350" y="3198360"/>
+            <a:ext cx="1344961" cy="1374953"/>
+            <a:chOff x="5271093" y="2723564"/>
+            <a:chExt cx="2029889" cy="2098873"/>
+          </a:xfrm>
+        </p:grpSpPr>
+        <p:sp>
+          <p:nvSpPr>
+            <p:cNvPr id="95" name="Rectangle 94">
+              <a:extLst>
+                <a:ext uri="{FF2B5EF4-FFF2-40B4-BE49-F238E27FC236}">
+                  <a16:creationId xmlns:a16="http://schemas.microsoft.com/office/drawing/2014/main" id="{4D6063A3-E050-8F47-9E2E-814204049328}"/>
+                </a:ext>
+              </a:extLst>
+            </p:cNvPr>
+            <p:cNvSpPr/>
+            <p:nvPr/>
+          </p:nvSpPr>
+          <p:spPr>
+            <a:xfrm>
+              <a:off x="5453134" y="2723564"/>
+              <a:ext cx="1847848" cy="1985963"/>
+            </a:xfrm>
+            <a:prstGeom prst="rect">
+              <a:avLst/>
+            </a:prstGeom>
+            <a:noFill/>
+            <a:ln>
+              <a:solidFill>
+                <a:schemeClr val="tx1"/>
+              </a:solidFill>
+              <a:prstDash val="dash"/>
+            </a:ln>
+          </p:spPr>
+          <p:style>
+            <a:lnRef idx="2">
+              <a:schemeClr val="accent1">
+                <a:shade val="50000"/>
+              </a:schemeClr>
+            </a:lnRef>
+            <a:fillRef idx="1">
+              <a:schemeClr val="accent1"/>
+            </a:fillRef>
+            <a:effectRef idx="0">
+              <a:schemeClr val="accent1"/>
+            </a:effectRef>
+            <a:fontRef idx="minor">
+              <a:schemeClr val="lt1"/>
+            </a:fontRef>
+          </p:style>
+          <p:txBody>
+            <a:bodyPr rtlCol="0" anchor="t"/>
+            <a:lstStyle/>
+            <a:p>
+              <a:r>
+                <a:rPr lang="it-IT" sz="1000" i="1" dirty="0">
+                  <a:solidFill>
+                    <a:schemeClr val="tx1"/>
+                  </a:solidFill>
+                  <a:latin typeface="IBM Plex Sans Condensed" panose="020B0506050203000203" pitchFamily="34" charset="77"/>
+                </a:rPr>
+                <a:t>security-group-ec2</a:t>
+              </a:r>
+              <a:endParaRPr lang="en-IT" sz="1000" i="1" dirty="0">
+                <a:solidFill>
+                  <a:schemeClr val="tx1"/>
+                </a:solidFill>
+                <a:latin typeface="IBM Plex Sans Condensed" panose="020B0506050203000203" pitchFamily="34" charset="77"/>
+              </a:endParaRPr>
+            </a:p>
+          </p:txBody>
+        </p:sp>
+        <p:pic>
+          <p:nvPicPr>
+            <p:cNvPr id="96" name="Picture 95" descr="Icon&#10;&#10;Description automatically generated">
+              <a:extLst>
+                <a:ext uri="{FF2B5EF4-FFF2-40B4-BE49-F238E27FC236}">
+                  <a16:creationId xmlns:a16="http://schemas.microsoft.com/office/drawing/2014/main" id="{D2116881-9EE1-034B-B736-BC37E8A5036B}"/>
+                </a:ext>
+              </a:extLst>
+            </p:cNvPr>
+            <p:cNvPicPr>
+              <a:picLocks noChangeAspect="1"/>
+            </p:cNvPicPr>
+            <p:nvPr/>
+          </p:nvPicPr>
+          <p:blipFill>
+            <a:blip r:embed="rId6">
+              <a:extLst>
+                <a:ext uri="{837473B0-CC2E-450A-ABE3-18F120FF3D39}">
+                  <a1611:picAttrSrcUrl xmlns:a1611="http://schemas.microsoft.com/office/drawing/2016/11/main" r:id="rId7"/>
+                </a:ext>
+              </a:extLst>
+            </a:blip>
+            <a:stretch>
+              <a:fillRect/>
+            </a:stretch>
+          </p:blipFill>
+          <p:spPr>
+            <a:xfrm>
+              <a:off x="5980948" y="3350166"/>
+              <a:ext cx="758294" cy="758294"/>
+            </a:xfrm>
+            <a:prstGeom prst="rect">
+              <a:avLst/>
+            </a:prstGeom>
+          </p:spPr>
+        </p:pic>
+        <p:sp>
+          <p:nvSpPr>
+            <p:cNvPr id="97" name="TextBox 96">
+              <a:extLst>
+                <a:ext uri="{FF2B5EF4-FFF2-40B4-BE49-F238E27FC236}">
+                  <a16:creationId xmlns:a16="http://schemas.microsoft.com/office/drawing/2014/main" id="{22FB615D-9278-0548-9526-B2C96F8B97CC}"/>
+                </a:ext>
+              </a:extLst>
+            </p:cNvPr>
+            <p:cNvSpPr txBox="1"/>
+            <p:nvPr/>
+          </p:nvSpPr>
+          <p:spPr>
+            <a:xfrm>
+              <a:off x="5905015" y="4072346"/>
+              <a:ext cx="1217412" cy="375858"/>
+            </a:xfrm>
+            <a:prstGeom prst="rect">
+              <a:avLst/>
+            </a:prstGeom>
+            <a:noFill/>
+          </p:spPr>
+          <p:txBody>
+            <a:bodyPr wrap="none" rtlCol="0">
+              <a:spAutoFit/>
+            </a:bodyPr>
+            <a:lstStyle/>
+            <a:p>
+              <a:r>
+                <a:rPr lang="en-IT" sz="1000" b="1" i="1" dirty="0">
+                  <a:latin typeface="IBM Plex Sans Condensed" panose="020B0506050203000203" pitchFamily="34" charset="77"/>
+                </a:rPr>
+                <a:t>EC2 istance</a:t>
+              </a:r>
+            </a:p>
+          </p:txBody>
+        </p:sp>
+        <p:pic>
+          <p:nvPicPr>
+            <p:cNvPr id="98" name="Graphic 97" descr="Lock">
+              <a:extLst>
+                <a:ext uri="{FF2B5EF4-FFF2-40B4-BE49-F238E27FC236}">
+                  <a16:creationId xmlns:a16="http://schemas.microsoft.com/office/drawing/2014/main" id="{C09D53EC-8F5C-9342-8E15-4EB4DE072196}"/>
+                </a:ext>
+              </a:extLst>
+            </p:cNvPr>
+            <p:cNvPicPr>
+              <a:picLocks noChangeAspect="1"/>
+            </p:cNvPicPr>
+            <p:nvPr/>
+          </p:nvPicPr>
+          <p:blipFill>
+            <a:blip r:embed="rId8">
+              <a:extLst>
+                <a:ext uri="{96DAC541-7B7A-43D3-8B79-37D633B846F1}">
+                  <asvg:svgBlip xmlns:asvg="http://schemas.microsoft.com/office/drawing/2016/SVG/main" r:embed="rId9"/>
+                </a:ext>
+              </a:extLst>
+            </a:blip>
+            <a:stretch>
+              <a:fillRect/>
+            </a:stretch>
+          </p:blipFill>
+          <p:spPr>
+            <a:xfrm>
+              <a:off x="5271093" y="4436147"/>
+              <a:ext cx="386290" cy="386290"/>
+            </a:xfrm>
+            <a:prstGeom prst="rect">
+              <a:avLst/>
+            </a:prstGeom>
+          </p:spPr>
+        </p:pic>
+      </p:grpSp>
+      <p:grpSp>
+        <p:nvGrpSpPr>
+          <p:cNvPr id="99" name="Group 98">
+            <a:extLst>
+              <a:ext uri="{FF2B5EF4-FFF2-40B4-BE49-F238E27FC236}">
+                <a16:creationId xmlns:a16="http://schemas.microsoft.com/office/drawing/2014/main" id="{968B0C27-E9B8-E548-895E-A30CEEB9EF36}"/>
+              </a:ext>
+            </a:extLst>
+          </p:cNvPr>
+          <p:cNvGrpSpPr/>
+          <p:nvPr/>
+        </p:nvGrpSpPr>
+        <p:grpSpPr>
+          <a:xfrm>
+            <a:off x="10456418" y="3194264"/>
+            <a:ext cx="1224345" cy="1391648"/>
+            <a:chOff x="8760642" y="2727632"/>
+            <a:chExt cx="1995263" cy="2089418"/>
+          </a:xfrm>
+        </p:grpSpPr>
+        <p:pic>
+          <p:nvPicPr>
+            <p:cNvPr id="100" name="Picture 2" descr="New Trivadis Training – AWS RDS for Oracle – daniel8192">
+              <a:extLst>
+                <a:ext uri="{FF2B5EF4-FFF2-40B4-BE49-F238E27FC236}">
+                  <a16:creationId xmlns:a16="http://schemas.microsoft.com/office/drawing/2014/main" id="{0B9250A3-DB44-CD47-A38A-D4F49B47A50D}"/>
+                </a:ext>
+              </a:extLst>
+            </p:cNvPr>
+            <p:cNvPicPr>
+              <a:picLocks noChangeAspect="1" noChangeArrowheads="1"/>
+            </p:cNvPicPr>
+            <p:nvPr/>
+          </p:nvPicPr>
+          <p:blipFill>
+            <a:blip r:embed="rId10">
+              <a:extLst>
+                <a:ext uri="{28A0092B-C50C-407E-A947-70E740481C1C}">
+                  <a14:useLocalDpi xmlns:a14="http://schemas.microsoft.com/office/drawing/2010/main" val="0"/>
+                </a:ext>
+              </a:extLst>
+            </a:blip>
+            <a:srcRect/>
+            <a:stretch>
+              <a:fillRect/>
+            </a:stretch>
+          </p:blipFill>
+          <p:spPr bwMode="auto">
+            <a:xfrm>
+              <a:off x="9464713" y="3447484"/>
+              <a:ext cx="745388" cy="745388"/>
+            </a:xfrm>
+            <a:prstGeom prst="rect">
+              <a:avLst/>
+            </a:prstGeom>
+            <a:noFill/>
+            <a:extLst>
+              <a:ext uri="{909E8E84-426E-40DD-AFC4-6F175D3DCCD1}">
+                <a14:hiddenFill xmlns:a14="http://schemas.microsoft.com/office/drawing/2010/main">
+                  <a:solidFill>
+                    <a:srgbClr val="FFFFFF"/>
+                  </a:solidFill>
+                </a14:hiddenFill>
+              </a:ext>
+            </a:extLst>
+          </p:spPr>
+        </p:pic>
+        <p:sp>
+          <p:nvSpPr>
+            <p:cNvPr id="101" name="Rectangle 100">
+              <a:extLst>
+                <a:ext uri="{FF2B5EF4-FFF2-40B4-BE49-F238E27FC236}">
+                  <a16:creationId xmlns:a16="http://schemas.microsoft.com/office/drawing/2014/main" id="{DB6319CF-63F4-4748-AB72-59E9C5BE098A}"/>
+                </a:ext>
+              </a:extLst>
+            </p:cNvPr>
+            <p:cNvSpPr/>
+            <p:nvPr/>
+          </p:nvSpPr>
+          <p:spPr>
+            <a:xfrm>
+              <a:off x="8908057" y="2727632"/>
+              <a:ext cx="1847848" cy="1985963"/>
+            </a:xfrm>
+            <a:prstGeom prst="rect">
+              <a:avLst/>
+            </a:prstGeom>
+            <a:noFill/>
+            <a:ln>
+              <a:solidFill>
+                <a:schemeClr val="tx1"/>
+              </a:solidFill>
+              <a:prstDash val="dash"/>
+            </a:ln>
+          </p:spPr>
+          <p:style>
+            <a:lnRef idx="2">
+              <a:schemeClr val="accent1">
+                <a:shade val="50000"/>
+              </a:schemeClr>
+            </a:lnRef>
+            <a:fillRef idx="1">
+              <a:schemeClr val="accent1"/>
+            </a:fillRef>
+            <a:effectRef idx="0">
+              <a:schemeClr val="accent1"/>
+            </a:effectRef>
+            <a:fontRef idx="minor">
+              <a:schemeClr val="lt1"/>
+            </a:fontRef>
+          </p:style>
+          <p:txBody>
+            <a:bodyPr rtlCol="0" anchor="t"/>
+            <a:lstStyle/>
+            <a:p>
+              <a:r>
+                <a:rPr lang="it-IT" sz="900" i="1" dirty="0">
+                  <a:solidFill>
+                    <a:schemeClr val="tx1"/>
+                  </a:solidFill>
+                  <a:latin typeface="IBM Plex Sans Condensed" panose="020B0506050203000203" pitchFamily="34" charset="77"/>
+                </a:rPr>
+                <a:t>security-</a:t>
+              </a:r>
+              <a:r>
+                <a:rPr lang="it-IT" sz="900" i="1" dirty="0" err="1">
+                  <a:solidFill>
+                    <a:schemeClr val="tx1"/>
+                  </a:solidFill>
+                  <a:latin typeface="IBM Plex Sans Condensed" panose="020B0506050203000203" pitchFamily="34" charset="77"/>
+                </a:rPr>
+                <a:t>group</a:t>
+              </a:r>
+              <a:r>
+                <a:rPr lang="it-IT" sz="900" i="1" dirty="0">
+                  <a:solidFill>
+                    <a:schemeClr val="tx1"/>
+                  </a:solidFill>
+                  <a:latin typeface="IBM Plex Sans Condensed" panose="020B0506050203000203" pitchFamily="34" charset="77"/>
+                </a:rPr>
+                <a:t>-</a:t>
+              </a:r>
+              <a:r>
+                <a:rPr lang="it-IT" sz="900" i="1" dirty="0" err="1">
+                  <a:solidFill>
+                    <a:schemeClr val="tx1"/>
+                  </a:solidFill>
+                  <a:latin typeface="IBM Plex Sans Condensed" panose="020B0506050203000203" pitchFamily="34" charset="77"/>
+                </a:rPr>
+                <a:t>db</a:t>
+              </a:r>
+              <a:endParaRPr lang="en-IT" sz="900" i="1" dirty="0">
+                <a:solidFill>
+                  <a:schemeClr val="tx1"/>
+                </a:solidFill>
+                <a:latin typeface="IBM Plex Sans Condensed" panose="020B0506050203000203" pitchFamily="34" charset="77"/>
+              </a:endParaRPr>
+            </a:p>
+          </p:txBody>
+        </p:sp>
+        <p:pic>
+          <p:nvPicPr>
+            <p:cNvPr id="102" name="Picture 101" descr="Logo&#10;&#10;Description automatically generated">
+              <a:extLst>
+                <a:ext uri="{FF2B5EF4-FFF2-40B4-BE49-F238E27FC236}">
+                  <a16:creationId xmlns:a16="http://schemas.microsoft.com/office/drawing/2014/main" id="{25D64A41-64EC-4449-AFF9-FDA08DDA1ADB}"/>
+                </a:ext>
+              </a:extLst>
+            </p:cNvPr>
+            <p:cNvPicPr>
+              <a:picLocks noChangeAspect="1"/>
+            </p:cNvPicPr>
+            <p:nvPr/>
+          </p:nvPicPr>
+          <p:blipFill>
+            <a:blip r:embed="rId11">
+              <a:extLst>
+                <a:ext uri="{837473B0-CC2E-450A-ABE3-18F120FF3D39}">
+                  <a1611:picAttrSrcUrl xmlns:a1611="http://schemas.microsoft.com/office/drawing/2016/11/main" r:id="rId12"/>
+                </a:ext>
+              </a:extLst>
+            </a:blip>
+            <a:stretch>
+              <a:fillRect/>
+            </a:stretch>
+          </p:blipFill>
+          <p:spPr>
+            <a:xfrm>
+              <a:off x="9515533" y="2968878"/>
+              <a:ext cx="657113" cy="455598"/>
+            </a:xfrm>
+            <a:prstGeom prst="rect">
+              <a:avLst/>
+            </a:prstGeom>
+          </p:spPr>
+        </p:pic>
+        <p:sp>
+          <p:nvSpPr>
+            <p:cNvPr id="103" name="TextBox 102">
+              <a:extLst>
+                <a:ext uri="{FF2B5EF4-FFF2-40B4-BE49-F238E27FC236}">
+                  <a16:creationId xmlns:a16="http://schemas.microsoft.com/office/drawing/2014/main" id="{2522FB7E-F41B-AA48-9F25-1737050AE7A4}"/>
+                </a:ext>
+              </a:extLst>
+            </p:cNvPr>
+            <p:cNvSpPr txBox="1"/>
+            <p:nvPr/>
+          </p:nvSpPr>
+          <p:spPr>
+            <a:xfrm>
+              <a:off x="9345291" y="4177156"/>
+              <a:ext cx="1213707" cy="352159"/>
+            </a:xfrm>
+            <a:prstGeom prst="rect">
+              <a:avLst/>
+            </a:prstGeom>
+            <a:noFill/>
+          </p:spPr>
+          <p:txBody>
+            <a:bodyPr wrap="none" rtlCol="0">
+              <a:spAutoFit/>
+            </a:bodyPr>
+            <a:lstStyle/>
+            <a:p>
+              <a:r>
+                <a:rPr lang="en-IT" sz="900" b="1" i="1" dirty="0">
+                  <a:latin typeface="IBM Plex Sans Condensed" panose="020B0506050203000203" pitchFamily="34" charset="77"/>
+                </a:rPr>
+                <a:t>RDS istance</a:t>
+              </a:r>
+            </a:p>
+          </p:txBody>
+        </p:sp>
+        <p:pic>
+          <p:nvPicPr>
+            <p:cNvPr id="104" name="Graphic 103" descr="Lock">
+              <a:extLst>
+                <a:ext uri="{FF2B5EF4-FFF2-40B4-BE49-F238E27FC236}">
+                  <a16:creationId xmlns:a16="http://schemas.microsoft.com/office/drawing/2014/main" id="{7C6C7D82-0F18-3347-BDCC-C0E846D8493E}"/>
+                </a:ext>
+              </a:extLst>
+            </p:cNvPr>
+            <p:cNvPicPr>
+              <a:picLocks noChangeAspect="1"/>
+            </p:cNvPicPr>
+            <p:nvPr/>
+          </p:nvPicPr>
+          <p:blipFill>
+            <a:blip r:embed="rId8">
+              <a:extLst>
+                <a:ext uri="{96DAC541-7B7A-43D3-8B79-37D633B846F1}">
+                  <asvg:svgBlip xmlns:asvg="http://schemas.microsoft.com/office/drawing/2016/SVG/main" r:embed="rId9"/>
+                </a:ext>
+              </a:extLst>
+            </a:blip>
+            <a:stretch>
+              <a:fillRect/>
+            </a:stretch>
+          </p:blipFill>
+          <p:spPr>
+            <a:xfrm>
+              <a:off x="8760642" y="4430760"/>
+              <a:ext cx="386290" cy="386290"/>
+            </a:xfrm>
+            <a:prstGeom prst="rect">
+              <a:avLst/>
+            </a:prstGeom>
+          </p:spPr>
+        </p:pic>
+      </p:grpSp>
+      <p:sp>
+        <p:nvSpPr>
+          <p:cNvPr id="105" name="Rectangle 104">
+            <a:extLst>
+              <a:ext uri="{FF2B5EF4-FFF2-40B4-BE49-F238E27FC236}">
+                <a16:creationId xmlns:a16="http://schemas.microsoft.com/office/drawing/2014/main" id="{4DD32E93-8B37-1B48-9ADC-35D398FFCCA0}"/>
+              </a:ext>
+            </a:extLst>
+          </p:cNvPr>
+          <p:cNvSpPr/>
+          <p:nvPr/>
+        </p:nvSpPr>
+        <p:spPr>
+          <a:xfrm>
+            <a:off x="8969471" y="2889390"/>
+            <a:ext cx="2834907" cy="1755700"/>
+          </a:xfrm>
+          <a:prstGeom prst="rect">
+            <a:avLst/>
+          </a:prstGeom>
+          <a:noFill/>
+          <a:ln>
+            <a:solidFill>
+              <a:schemeClr val="tx1"/>
+            </a:solidFill>
+            <a:prstDash val="dash"/>
+          </a:ln>
+        </p:spPr>
+        <p:style>
+          <a:lnRef idx="2">
+            <a:schemeClr val="accent1">
+              <a:shade val="50000"/>
+            </a:schemeClr>
+          </a:lnRef>
+          <a:fillRef idx="1">
+            <a:schemeClr val="accent1"/>
+          </a:fillRef>
+          <a:effectRef idx="0">
+            <a:schemeClr val="accent1"/>
+          </a:effectRef>
+          <a:fontRef idx="minor">
+            <a:schemeClr val="lt1"/>
+          </a:fontRef>
+        </p:style>
+        <p:txBody>
+          <a:bodyPr rtlCol="0" anchor="t"/>
+          <a:lstStyle/>
+          <a:p>
+            <a:r>
+              <a:rPr lang="it-IT" sz="1000" i="1" dirty="0" err="1">
+                <a:solidFill>
+                  <a:schemeClr val="tx1"/>
+                </a:solidFill>
+                <a:latin typeface="IBM Plex Sans Condensed" panose="020B0506050203000203" pitchFamily="34" charset="77"/>
+              </a:rPr>
+              <a:t>Subnet</a:t>
+            </a:r>
+            <a:r>
+              <a:rPr lang="it-IT" sz="1000" i="1" dirty="0">
+                <a:solidFill>
+                  <a:schemeClr val="tx1"/>
+                </a:solidFill>
+                <a:latin typeface="IBM Plex Sans Condensed" panose="020B0506050203000203" pitchFamily="34" charset="77"/>
+              </a:rPr>
+              <a:t> default </a:t>
+            </a:r>
+            <a:r>
+              <a:rPr lang="en-IT" sz="1000" i="1" dirty="0">
+                <a:solidFill>
+                  <a:schemeClr val="tx1"/>
+                </a:solidFill>
+                <a:latin typeface="IBM Plex Sans Condensed" panose="020B0506050203000203" pitchFamily="34" charset="77"/>
+              </a:rPr>
+              <a:t>172.31.16.0/20</a:t>
+            </a:r>
+          </a:p>
+        </p:txBody>
+      </p:sp>
+      <p:sp>
+        <p:nvSpPr>
+          <p:cNvPr id="106" name="Rectangle 105">
+            <a:extLst>
+              <a:ext uri="{FF2B5EF4-FFF2-40B4-BE49-F238E27FC236}">
+                <a16:creationId xmlns:a16="http://schemas.microsoft.com/office/drawing/2014/main" id="{BB28926E-11EF-1841-82AC-77AD91507450}"/>
+              </a:ext>
+            </a:extLst>
+          </p:cNvPr>
+          <p:cNvSpPr/>
+          <p:nvPr/>
+        </p:nvSpPr>
+        <p:spPr>
+          <a:xfrm>
+            <a:off x="8395225" y="548878"/>
+            <a:ext cx="3488887" cy="5400671"/>
+          </a:xfrm>
+          <a:prstGeom prst="rect">
+            <a:avLst/>
+          </a:prstGeom>
+          <a:noFill/>
+          <a:ln>
+            <a:solidFill>
+              <a:schemeClr val="tx1"/>
+            </a:solidFill>
+            <a:prstDash val="dash"/>
+          </a:ln>
+        </p:spPr>
+        <p:style>
+          <a:lnRef idx="2">
+            <a:schemeClr val="accent1">
+              <a:shade val="50000"/>
+            </a:schemeClr>
+          </a:lnRef>
+          <a:fillRef idx="1">
+            <a:schemeClr val="accent1"/>
+          </a:fillRef>
+          <a:effectRef idx="0">
+            <a:schemeClr val="accent1"/>
+          </a:effectRef>
+          <a:fontRef idx="minor">
+            <a:schemeClr val="lt1"/>
+          </a:fontRef>
+        </p:style>
+        <p:txBody>
+          <a:bodyPr rtlCol="0" anchor="t"/>
+          <a:lstStyle/>
+          <a:p>
+            <a:r>
+              <a:rPr lang="en-GB" sz="1050" i="1" dirty="0">
+                <a:solidFill>
+                  <a:schemeClr val="tx1"/>
+                </a:solidFill>
+                <a:latin typeface="IBM Plex Sans Condensed" panose="020B0506050203000203" pitchFamily="34" charset="77"/>
+              </a:rPr>
+              <a:t>v</a:t>
+            </a:r>
+            <a:r>
+              <a:rPr lang="en-IT" sz="1050" i="1" dirty="0">
+                <a:solidFill>
+                  <a:schemeClr val="tx1"/>
+                </a:solidFill>
+                <a:latin typeface="IBM Plex Sans Condensed" panose="020B0506050203000203" pitchFamily="34" charset="77"/>
+              </a:rPr>
+              <a:t>pc default</a:t>
+            </a:r>
+          </a:p>
+        </p:txBody>
+      </p:sp>
+      <p:cxnSp>
+        <p:nvCxnSpPr>
+          <p:cNvPr id="107" name="Elbow Connector 106">
+            <a:extLst>
+              <a:ext uri="{FF2B5EF4-FFF2-40B4-BE49-F238E27FC236}">
+                <a16:creationId xmlns:a16="http://schemas.microsoft.com/office/drawing/2014/main" id="{128E7FF9-B760-2342-94C9-14BD7DE4EF09}"/>
+              </a:ext>
+            </a:extLst>
+          </p:cNvPr>
+          <p:cNvCxnSpPr>
+            <a:cxnSpLocks/>
+            <a:stCxn id="105" idx="1"/>
+            <a:endCxn id="76" idx="0"/>
+          </p:cNvCxnSpPr>
+          <p:nvPr/>
+        </p:nvCxnSpPr>
+        <p:spPr>
+          <a:xfrm rot="10800000" flipV="1">
+            <a:off x="8678323" y="3767240"/>
+            <a:ext cx="291148" cy="1709208"/>
+          </a:xfrm>
+          <a:prstGeom prst="bentConnector2">
+            <a:avLst/>
+          </a:prstGeom>
+          <a:ln w="19050">
+            <a:solidFill>
+              <a:srgbClr val="00B050"/>
+            </a:solidFill>
+          </a:ln>
+        </p:spPr>
+        <p:style>
+          <a:lnRef idx="1">
+            <a:schemeClr val="accent1"/>
+          </a:lnRef>
+          <a:fillRef idx="0">
+            <a:schemeClr val="accent1"/>
+          </a:fillRef>
+          <a:effectRef idx="0">
+            <a:schemeClr val="accent1"/>
+          </a:effectRef>
+          <a:fontRef idx="minor">
+            <a:schemeClr val="tx1"/>
+          </a:fontRef>
+        </p:style>
+      </p:cxnSp>
+      <p:sp>
+        <p:nvSpPr>
+          <p:cNvPr id="108" name="Rectangle 107">
+            <a:extLst>
+              <a:ext uri="{FF2B5EF4-FFF2-40B4-BE49-F238E27FC236}">
+                <a16:creationId xmlns:a16="http://schemas.microsoft.com/office/drawing/2014/main" id="{16B9C03B-31DE-C046-AE53-F1D07166EB18}"/>
+              </a:ext>
+            </a:extLst>
+          </p:cNvPr>
+          <p:cNvSpPr/>
+          <p:nvPr/>
+        </p:nvSpPr>
+        <p:spPr>
+          <a:xfrm>
+            <a:off x="8974033" y="1901521"/>
+            <a:ext cx="2845141" cy="282257"/>
+          </a:xfrm>
+          <a:prstGeom prst="rect">
+            <a:avLst/>
+          </a:prstGeom>
+          <a:noFill/>
+          <a:ln>
+            <a:solidFill>
+              <a:schemeClr val="tx1"/>
+            </a:solidFill>
+            <a:prstDash val="dash"/>
+          </a:ln>
+        </p:spPr>
+        <p:style>
+          <a:lnRef idx="2">
+            <a:schemeClr val="accent1">
+              <a:shade val="50000"/>
+            </a:schemeClr>
+          </a:lnRef>
+          <a:fillRef idx="1">
+            <a:schemeClr val="accent1"/>
+          </a:fillRef>
+          <a:effectRef idx="0">
+            <a:schemeClr val="accent1"/>
+          </a:effectRef>
+          <a:fontRef idx="minor">
+            <a:schemeClr val="lt1"/>
+          </a:fontRef>
+        </p:style>
+        <p:txBody>
+          <a:bodyPr rtlCol="0" anchor="t"/>
+          <a:lstStyle/>
+          <a:p>
+            <a:r>
+              <a:rPr lang="it-IT" sz="1000" i="1" dirty="0" err="1">
+                <a:solidFill>
+                  <a:schemeClr val="tx1"/>
+                </a:solidFill>
+                <a:latin typeface="IBM Plex Sans Condensed" panose="020B0506050203000203" pitchFamily="34" charset="77"/>
+              </a:rPr>
+              <a:t>subnet</a:t>
+            </a:r>
+            <a:r>
+              <a:rPr lang="en-IT" sz="1000" i="1" dirty="0">
+                <a:solidFill>
+                  <a:schemeClr val="tx1"/>
+                </a:solidFill>
+                <a:latin typeface="IBM Plex Sans Condensed" panose="020B0506050203000203" pitchFamily="34" charset="77"/>
+              </a:rPr>
+              <a:t>-public 172.31.32.0/20</a:t>
+            </a:r>
+          </a:p>
+        </p:txBody>
+      </p:sp>
+      <p:sp>
+        <p:nvSpPr>
+          <p:cNvPr id="109" name="Rectangle 108">
+            <a:extLst>
+              <a:ext uri="{FF2B5EF4-FFF2-40B4-BE49-F238E27FC236}">
+                <a16:creationId xmlns:a16="http://schemas.microsoft.com/office/drawing/2014/main" id="{E45CCFA9-5E1B-8543-BAD6-8A70CA9240E7}"/>
+              </a:ext>
+            </a:extLst>
+          </p:cNvPr>
+          <p:cNvSpPr/>
+          <p:nvPr/>
+        </p:nvSpPr>
+        <p:spPr>
+          <a:xfrm>
+            <a:off x="8974033" y="1191192"/>
+            <a:ext cx="2845141" cy="289566"/>
+          </a:xfrm>
+          <a:prstGeom prst="rect">
+            <a:avLst/>
+          </a:prstGeom>
+          <a:noFill/>
+          <a:ln>
+            <a:solidFill>
+              <a:schemeClr val="tx1"/>
+            </a:solidFill>
+            <a:prstDash val="dash"/>
+          </a:ln>
+        </p:spPr>
+        <p:style>
+          <a:lnRef idx="2">
+            <a:schemeClr val="accent1">
+              <a:shade val="50000"/>
+            </a:schemeClr>
+          </a:lnRef>
+          <a:fillRef idx="1">
+            <a:schemeClr val="accent1"/>
+          </a:fillRef>
+          <a:effectRef idx="0">
+            <a:schemeClr val="accent1"/>
+          </a:effectRef>
+          <a:fontRef idx="minor">
+            <a:schemeClr val="lt1"/>
+          </a:fontRef>
+        </p:style>
+        <p:txBody>
+          <a:bodyPr rtlCol="0" anchor="t"/>
+          <a:lstStyle/>
+          <a:p>
+            <a:r>
+              <a:rPr lang="it-IT" sz="1000" i="1" dirty="0" err="1">
+                <a:solidFill>
+                  <a:schemeClr val="tx1"/>
+                </a:solidFill>
+                <a:latin typeface="IBM Plex Sans Condensed" panose="020B0506050203000203" pitchFamily="34" charset="77"/>
+              </a:rPr>
+              <a:t>subnet</a:t>
+            </a:r>
+            <a:r>
+              <a:rPr lang="en-IT" sz="1000" i="1" dirty="0">
+                <a:solidFill>
+                  <a:schemeClr val="tx1"/>
+                </a:solidFill>
+                <a:latin typeface="IBM Plex Sans Condensed" panose="020B0506050203000203" pitchFamily="34" charset="77"/>
+              </a:rPr>
+              <a:t>-public 172.31.0.0/20</a:t>
+            </a:r>
+          </a:p>
+        </p:txBody>
+      </p:sp>
+      <p:cxnSp>
+        <p:nvCxnSpPr>
+          <p:cNvPr id="110" name="Elbow Connector 109">
+            <a:extLst>
+              <a:ext uri="{FF2B5EF4-FFF2-40B4-BE49-F238E27FC236}">
+                <a16:creationId xmlns:a16="http://schemas.microsoft.com/office/drawing/2014/main" id="{188A8D10-1A5D-534D-BFF3-2671E82D89EB}"/>
+              </a:ext>
+            </a:extLst>
+          </p:cNvPr>
+          <p:cNvCxnSpPr>
+            <a:cxnSpLocks/>
+            <a:stCxn id="108" idx="1"/>
+            <a:endCxn id="76" idx="0"/>
+          </p:cNvCxnSpPr>
+          <p:nvPr/>
+        </p:nvCxnSpPr>
+        <p:spPr>
+          <a:xfrm rot="10800000" flipV="1">
+            <a:off x="8678323" y="2042650"/>
+            <a:ext cx="295710" cy="3433798"/>
+          </a:xfrm>
+          <a:prstGeom prst="bentConnector2">
+            <a:avLst/>
+          </a:prstGeom>
+          <a:ln w="19050">
+            <a:solidFill>
+              <a:srgbClr val="00B050"/>
+            </a:solidFill>
+          </a:ln>
+        </p:spPr>
+        <p:style>
+          <a:lnRef idx="1">
+            <a:schemeClr val="accent1"/>
+          </a:lnRef>
+          <a:fillRef idx="0">
+            <a:schemeClr val="accent1"/>
+          </a:fillRef>
+          <a:effectRef idx="0">
+            <a:schemeClr val="accent1"/>
+          </a:effectRef>
+          <a:fontRef idx="minor">
+            <a:schemeClr val="tx1"/>
+          </a:fontRef>
+        </p:style>
+      </p:cxnSp>
+      <p:cxnSp>
+        <p:nvCxnSpPr>
+          <p:cNvPr id="111" name="Elbow Connector 110">
+            <a:extLst>
+              <a:ext uri="{FF2B5EF4-FFF2-40B4-BE49-F238E27FC236}">
+                <a16:creationId xmlns:a16="http://schemas.microsoft.com/office/drawing/2014/main" id="{1AD3922A-B319-3948-8560-010BDD14AEBA}"/>
+              </a:ext>
+            </a:extLst>
+          </p:cNvPr>
+          <p:cNvCxnSpPr>
+            <a:cxnSpLocks/>
+            <a:stCxn id="109" idx="1"/>
+            <a:endCxn id="76" idx="0"/>
+          </p:cNvCxnSpPr>
+          <p:nvPr/>
+        </p:nvCxnSpPr>
+        <p:spPr>
+          <a:xfrm rot="10800000" flipV="1">
+            <a:off x="8678323" y="1335974"/>
+            <a:ext cx="295710" cy="4140473"/>
+          </a:xfrm>
+          <a:prstGeom prst="bentConnector2">
+            <a:avLst/>
+          </a:prstGeom>
+          <a:ln w="19050">
+            <a:solidFill>
+              <a:srgbClr val="00B050"/>
+            </a:solidFill>
+          </a:ln>
+        </p:spPr>
+        <p:style>
+          <a:lnRef idx="1">
+            <a:schemeClr val="accent1"/>
+          </a:lnRef>
+          <a:fillRef idx="0">
+            <a:schemeClr val="accent1"/>
+          </a:fillRef>
+          <a:effectRef idx="0">
+            <a:schemeClr val="accent1"/>
+          </a:effectRef>
+          <a:fontRef idx="minor">
+            <a:schemeClr val="tx1"/>
+          </a:fontRef>
+        </p:style>
+      </p:cxnSp>
+      <p:sp>
+        <p:nvSpPr>
+          <p:cNvPr id="112" name="Freeform 111">
+            <a:extLst>
+              <a:ext uri="{FF2B5EF4-FFF2-40B4-BE49-F238E27FC236}">
+                <a16:creationId xmlns:a16="http://schemas.microsoft.com/office/drawing/2014/main" id="{032A0404-E0D7-EC48-8253-F500E646D127}"/>
+              </a:ext>
+            </a:extLst>
+          </p:cNvPr>
+          <p:cNvSpPr/>
+          <p:nvPr/>
+        </p:nvSpPr>
+        <p:spPr>
+          <a:xfrm>
+            <a:off x="3078480" y="4495800"/>
+            <a:ext cx="1417320" cy="502999"/>
+          </a:xfrm>
+          <a:custGeom>
+            <a:avLst/>
+            <a:gdLst>
+              <a:gd name="connsiteX0" fmla="*/ 0 w 1417320"/>
+              <a:gd name="connsiteY0" fmla="*/ 0 h 502999"/>
+              <a:gd name="connsiteX1" fmla="*/ 472440 w 1417320"/>
+              <a:gd name="connsiteY1" fmla="*/ 502920 h 502999"/>
+              <a:gd name="connsiteX2" fmla="*/ 1417320 w 1417320"/>
+              <a:gd name="connsiteY2" fmla="*/ 30480 h 502999"/>
+            </a:gdLst>
+            <a:ahLst/>
+            <a:cxnLst>
+              <a:cxn ang="0">
+                <a:pos x="connsiteX0" y="connsiteY0"/>
+              </a:cxn>
+              <a:cxn ang="0">
+                <a:pos x="connsiteX1" y="connsiteY1"/>
+              </a:cxn>
+              <a:cxn ang="0">
+                <a:pos x="connsiteX2" y="connsiteY2"/>
+              </a:cxn>
+            </a:cxnLst>
+            <a:rect l="l" t="t" r="r" b="b"/>
+            <a:pathLst>
+              <a:path w="1417320" h="502999">
+                <a:moveTo>
+                  <a:pt x="0" y="0"/>
+                </a:moveTo>
+                <a:cubicBezTo>
+                  <a:pt x="118110" y="248920"/>
+                  <a:pt x="236220" y="497840"/>
+                  <a:pt x="472440" y="502920"/>
+                </a:cubicBezTo>
+                <a:cubicBezTo>
+                  <a:pt x="708660" y="508000"/>
+                  <a:pt x="1062990" y="269240"/>
+                  <a:pt x="1417320" y="30480"/>
+                </a:cubicBezTo>
+              </a:path>
+            </a:pathLst>
+          </a:custGeom>
+          <a:noFill/>
+          <a:ln w="19050">
+            <a:solidFill>
+              <a:srgbClr val="00B050">
+                <a:alpha val="50000"/>
+              </a:srgbClr>
+            </a:solidFill>
+            <a:prstDash val="solid"/>
+            <a:headEnd type="none"/>
+            <a:tailEnd type="triangle"/>
+          </a:ln>
+        </p:spPr>
+        <p:style>
+          <a:lnRef idx="2">
+            <a:schemeClr val="accent1">
+              <a:shade val="50000"/>
+            </a:schemeClr>
+          </a:lnRef>
+          <a:fillRef idx="1">
+            <a:schemeClr val="accent1"/>
+          </a:fillRef>
+          <a:effectRef idx="0">
+            <a:schemeClr val="accent1"/>
+          </a:effectRef>
+          <a:fontRef idx="minor">
+            <a:schemeClr val="lt1"/>
+          </a:fontRef>
+        </p:style>
+        <p:txBody>
+          <a:bodyPr rtlCol="0" anchor="ctr"/>
+          <a:lstStyle/>
+          <a:p>
+            <a:pPr algn="ctr"/>
+            <a:endParaRPr lang="en-IT"/>
+          </a:p>
+        </p:txBody>
+      </p:sp>
+      <p:sp>
+        <p:nvSpPr>
+          <p:cNvPr id="115" name="Freeform 114">
+            <a:extLst>
+              <a:ext uri="{FF2B5EF4-FFF2-40B4-BE49-F238E27FC236}">
+                <a16:creationId xmlns:a16="http://schemas.microsoft.com/office/drawing/2014/main" id="{9A978877-47D5-FA48-9721-B23C11BF6850}"/>
+              </a:ext>
+            </a:extLst>
+          </p:cNvPr>
+          <p:cNvSpPr/>
+          <p:nvPr/>
+        </p:nvSpPr>
+        <p:spPr>
+          <a:xfrm>
+            <a:off x="3063764" y="4495331"/>
+            <a:ext cx="4344154" cy="744623"/>
+          </a:xfrm>
+          <a:custGeom>
+            <a:avLst/>
+            <a:gdLst>
+              <a:gd name="connsiteX0" fmla="*/ 0 w 1417320"/>
+              <a:gd name="connsiteY0" fmla="*/ 0 h 502999"/>
+              <a:gd name="connsiteX1" fmla="*/ 472440 w 1417320"/>
+              <a:gd name="connsiteY1" fmla="*/ 502920 h 502999"/>
+              <a:gd name="connsiteX2" fmla="*/ 1417320 w 1417320"/>
+              <a:gd name="connsiteY2" fmla="*/ 30480 h 502999"/>
+            </a:gdLst>
+            <a:ahLst/>
+            <a:cxnLst>
+              <a:cxn ang="0">
+                <a:pos x="connsiteX0" y="connsiteY0"/>
+              </a:cxn>
+              <a:cxn ang="0">
+                <a:pos x="connsiteX1" y="connsiteY1"/>
+              </a:cxn>
+              <a:cxn ang="0">
+                <a:pos x="connsiteX2" y="connsiteY2"/>
+              </a:cxn>
+            </a:cxnLst>
+            <a:rect l="l" t="t" r="r" b="b"/>
+            <a:pathLst>
+              <a:path w="1417320" h="502999">
+                <a:moveTo>
+                  <a:pt x="0" y="0"/>
+                </a:moveTo>
+                <a:cubicBezTo>
+                  <a:pt x="118110" y="248920"/>
+                  <a:pt x="236220" y="497840"/>
+                  <a:pt x="472440" y="502920"/>
+                </a:cubicBezTo>
+                <a:cubicBezTo>
+                  <a:pt x="708660" y="508000"/>
+                  <a:pt x="1062990" y="269240"/>
+                  <a:pt x="1417320" y="30480"/>
+                </a:cubicBezTo>
+              </a:path>
+            </a:pathLst>
+          </a:custGeom>
+          <a:noFill/>
+          <a:ln w="19050">
+            <a:solidFill>
+              <a:srgbClr val="00B050">
+                <a:alpha val="50000"/>
+              </a:srgbClr>
+            </a:solidFill>
+            <a:prstDash val="solid"/>
+            <a:headEnd type="none"/>
+            <a:tailEnd type="triangle"/>
+          </a:ln>
+        </p:spPr>
+        <p:style>
+          <a:lnRef idx="2">
+            <a:schemeClr val="accent1">
+              <a:shade val="50000"/>
+            </a:schemeClr>
+          </a:lnRef>
+          <a:fillRef idx="1">
+            <a:schemeClr val="accent1"/>
+          </a:fillRef>
+          <a:effectRef idx="0">
+            <a:schemeClr val="accent1"/>
+          </a:effectRef>
+          <a:fontRef idx="minor">
+            <a:schemeClr val="lt1"/>
+          </a:fontRef>
+        </p:style>
+        <p:txBody>
+          <a:bodyPr rtlCol="0" anchor="ctr"/>
+          <a:lstStyle/>
+          <a:p>
+            <a:pPr algn="ctr"/>
+            <a:endParaRPr lang="en-IT"/>
+          </a:p>
+        </p:txBody>
+      </p:sp>
+      <p:sp>
+        <p:nvSpPr>
+          <p:cNvPr id="116" name="Freeform 115">
+            <a:extLst>
+              <a:ext uri="{FF2B5EF4-FFF2-40B4-BE49-F238E27FC236}">
+                <a16:creationId xmlns:a16="http://schemas.microsoft.com/office/drawing/2014/main" id="{D9C4E6AD-E3F3-384B-A301-28E0B3C68333}"/>
+              </a:ext>
+            </a:extLst>
+          </p:cNvPr>
+          <p:cNvSpPr/>
+          <p:nvPr/>
+        </p:nvSpPr>
+        <p:spPr>
+          <a:xfrm>
+            <a:off x="3094442" y="4509353"/>
+            <a:ext cx="7933317" cy="897301"/>
+          </a:xfrm>
+          <a:custGeom>
+            <a:avLst/>
+            <a:gdLst>
+              <a:gd name="connsiteX0" fmla="*/ 0 w 1417320"/>
+              <a:gd name="connsiteY0" fmla="*/ 0 h 502999"/>
+              <a:gd name="connsiteX1" fmla="*/ 472440 w 1417320"/>
+              <a:gd name="connsiteY1" fmla="*/ 502920 h 502999"/>
+              <a:gd name="connsiteX2" fmla="*/ 1417320 w 1417320"/>
+              <a:gd name="connsiteY2" fmla="*/ 30480 h 502999"/>
+            </a:gdLst>
+            <a:ahLst/>
+            <a:cxnLst>
+              <a:cxn ang="0">
+                <a:pos x="connsiteX0" y="connsiteY0"/>
+              </a:cxn>
+              <a:cxn ang="0">
+                <a:pos x="connsiteX1" y="connsiteY1"/>
+              </a:cxn>
+              <a:cxn ang="0">
+                <a:pos x="connsiteX2" y="connsiteY2"/>
+              </a:cxn>
+            </a:cxnLst>
+            <a:rect l="l" t="t" r="r" b="b"/>
+            <a:pathLst>
+              <a:path w="1417320" h="502999">
+                <a:moveTo>
+                  <a:pt x="0" y="0"/>
+                </a:moveTo>
+                <a:cubicBezTo>
+                  <a:pt x="118110" y="248920"/>
+                  <a:pt x="236220" y="497840"/>
+                  <a:pt x="472440" y="502920"/>
+                </a:cubicBezTo>
+                <a:cubicBezTo>
+                  <a:pt x="708660" y="508000"/>
+                  <a:pt x="1062990" y="269240"/>
+                  <a:pt x="1417320" y="30480"/>
+                </a:cubicBezTo>
+              </a:path>
+            </a:pathLst>
+          </a:custGeom>
+          <a:noFill/>
+          <a:ln w="19050">
+            <a:solidFill>
+              <a:srgbClr val="FFC000">
+                <a:alpha val="50000"/>
+              </a:srgbClr>
+            </a:solidFill>
+            <a:prstDash val="solid"/>
+            <a:headEnd type="none"/>
+            <a:tailEnd type="triangle"/>
+          </a:ln>
+        </p:spPr>
+        <p:style>
+          <a:lnRef idx="2">
+            <a:schemeClr val="accent1">
+              <a:shade val="50000"/>
+            </a:schemeClr>
+          </a:lnRef>
+          <a:fillRef idx="1">
+            <a:schemeClr val="accent1"/>
+          </a:fillRef>
+          <a:effectRef idx="0">
+            <a:schemeClr val="accent1"/>
+          </a:effectRef>
+          <a:fontRef idx="minor">
+            <a:schemeClr val="lt1"/>
+          </a:fontRef>
+        </p:style>
+        <p:txBody>
+          <a:bodyPr rtlCol="0" anchor="ctr"/>
+          <a:lstStyle/>
+          <a:p>
+            <a:pPr algn="ctr"/>
+            <a:endParaRPr lang="en-IT"/>
+          </a:p>
+        </p:txBody>
+      </p:sp>
+      <p:sp>
+        <p:nvSpPr>
+          <p:cNvPr id="117" name="Freeform 116">
+            <a:extLst>
+              <a:ext uri="{FF2B5EF4-FFF2-40B4-BE49-F238E27FC236}">
+                <a16:creationId xmlns:a16="http://schemas.microsoft.com/office/drawing/2014/main" id="{8561CDDC-7DF6-2A4C-BC53-4FB5946F4C32}"/>
+              </a:ext>
+            </a:extLst>
+          </p:cNvPr>
+          <p:cNvSpPr/>
+          <p:nvPr/>
+        </p:nvSpPr>
+        <p:spPr>
+          <a:xfrm>
+            <a:off x="6021276" y="4510875"/>
+            <a:ext cx="1417320" cy="502999"/>
+          </a:xfrm>
+          <a:custGeom>
+            <a:avLst/>
+            <a:gdLst>
+              <a:gd name="connsiteX0" fmla="*/ 0 w 1417320"/>
+              <a:gd name="connsiteY0" fmla="*/ 0 h 502999"/>
+              <a:gd name="connsiteX1" fmla="*/ 472440 w 1417320"/>
+              <a:gd name="connsiteY1" fmla="*/ 502920 h 502999"/>
+              <a:gd name="connsiteX2" fmla="*/ 1417320 w 1417320"/>
+              <a:gd name="connsiteY2" fmla="*/ 30480 h 502999"/>
+            </a:gdLst>
+            <a:ahLst/>
+            <a:cxnLst>
+              <a:cxn ang="0">
+                <a:pos x="connsiteX0" y="connsiteY0"/>
+              </a:cxn>
+              <a:cxn ang="0">
+                <a:pos x="connsiteX1" y="connsiteY1"/>
+              </a:cxn>
+              <a:cxn ang="0">
+                <a:pos x="connsiteX2" y="connsiteY2"/>
+              </a:cxn>
+            </a:cxnLst>
+            <a:rect l="l" t="t" r="r" b="b"/>
+            <a:pathLst>
+              <a:path w="1417320" h="502999">
+                <a:moveTo>
+                  <a:pt x="0" y="0"/>
+                </a:moveTo>
+                <a:cubicBezTo>
+                  <a:pt x="118110" y="248920"/>
+                  <a:pt x="236220" y="497840"/>
+                  <a:pt x="472440" y="502920"/>
+                </a:cubicBezTo>
+                <a:cubicBezTo>
+                  <a:pt x="708660" y="508000"/>
+                  <a:pt x="1062990" y="269240"/>
+                  <a:pt x="1417320" y="30480"/>
+                </a:cubicBezTo>
+              </a:path>
+            </a:pathLst>
+          </a:custGeom>
+          <a:noFill/>
+          <a:ln w="19050">
+            <a:solidFill>
+              <a:srgbClr val="00B050">
+                <a:alpha val="50000"/>
+              </a:srgbClr>
+            </a:solidFill>
+            <a:prstDash val="solid"/>
+            <a:headEnd type="none"/>
+            <a:tailEnd type="triangle"/>
+          </a:ln>
+        </p:spPr>
+        <p:style>
+          <a:lnRef idx="2">
+            <a:schemeClr val="accent1">
+              <a:shade val="50000"/>
+            </a:schemeClr>
+          </a:lnRef>
+          <a:fillRef idx="1">
+            <a:schemeClr val="accent1"/>
+          </a:fillRef>
+          <a:effectRef idx="0">
+            <a:schemeClr val="accent1"/>
+          </a:effectRef>
+          <a:fontRef idx="minor">
+            <a:schemeClr val="lt1"/>
+          </a:fontRef>
+        </p:style>
+        <p:txBody>
+          <a:bodyPr rtlCol="0" anchor="ctr"/>
+          <a:lstStyle/>
+          <a:p>
+            <a:pPr algn="ctr"/>
+            <a:endParaRPr lang="en-IT"/>
+          </a:p>
+        </p:txBody>
+      </p:sp>
+      <p:sp>
+        <p:nvSpPr>
+          <p:cNvPr id="118" name="Freeform 117">
+            <a:extLst>
+              <a:ext uri="{FF2B5EF4-FFF2-40B4-BE49-F238E27FC236}">
+                <a16:creationId xmlns:a16="http://schemas.microsoft.com/office/drawing/2014/main" id="{B50510D9-9CDB-CC49-B7A9-BD21FE635BBC}"/>
+              </a:ext>
+            </a:extLst>
+          </p:cNvPr>
+          <p:cNvSpPr/>
+          <p:nvPr/>
+        </p:nvSpPr>
+        <p:spPr>
+          <a:xfrm flipH="1">
+            <a:off x="4603929" y="4509948"/>
+            <a:ext cx="1417320" cy="502999"/>
+          </a:xfrm>
+          <a:custGeom>
+            <a:avLst/>
+            <a:gdLst>
+              <a:gd name="connsiteX0" fmla="*/ 0 w 1417320"/>
+              <a:gd name="connsiteY0" fmla="*/ 0 h 502999"/>
+              <a:gd name="connsiteX1" fmla="*/ 472440 w 1417320"/>
+              <a:gd name="connsiteY1" fmla="*/ 502920 h 502999"/>
+              <a:gd name="connsiteX2" fmla="*/ 1417320 w 1417320"/>
+              <a:gd name="connsiteY2" fmla="*/ 30480 h 502999"/>
+            </a:gdLst>
+            <a:ahLst/>
+            <a:cxnLst>
+              <a:cxn ang="0">
+                <a:pos x="connsiteX0" y="connsiteY0"/>
+              </a:cxn>
+              <a:cxn ang="0">
+                <a:pos x="connsiteX1" y="connsiteY1"/>
+              </a:cxn>
+              <a:cxn ang="0">
+                <a:pos x="connsiteX2" y="connsiteY2"/>
+              </a:cxn>
+            </a:cxnLst>
+            <a:rect l="l" t="t" r="r" b="b"/>
+            <a:pathLst>
+              <a:path w="1417320" h="502999">
+                <a:moveTo>
+                  <a:pt x="0" y="0"/>
+                </a:moveTo>
+                <a:cubicBezTo>
+                  <a:pt x="118110" y="248920"/>
+                  <a:pt x="236220" y="497840"/>
+                  <a:pt x="472440" y="502920"/>
+                </a:cubicBezTo>
+                <a:cubicBezTo>
+                  <a:pt x="708660" y="508000"/>
+                  <a:pt x="1062990" y="269240"/>
+                  <a:pt x="1417320" y="30480"/>
+                </a:cubicBezTo>
+              </a:path>
+            </a:pathLst>
+          </a:custGeom>
+          <a:noFill/>
+          <a:ln w="19050">
+            <a:solidFill>
+              <a:srgbClr val="00B050">
+                <a:alpha val="50000"/>
+              </a:srgbClr>
+            </a:solidFill>
+            <a:prstDash val="solid"/>
+            <a:headEnd type="none"/>
+            <a:tailEnd type="triangle"/>
+          </a:ln>
+        </p:spPr>
+        <p:style>
+          <a:lnRef idx="2">
+            <a:schemeClr val="accent1">
+              <a:shade val="50000"/>
+            </a:schemeClr>
+          </a:lnRef>
+          <a:fillRef idx="1">
+            <a:schemeClr val="accent1"/>
+          </a:fillRef>
+          <a:effectRef idx="0">
+            <a:schemeClr val="accent1"/>
+          </a:effectRef>
+          <a:fontRef idx="minor">
+            <a:schemeClr val="lt1"/>
+          </a:fontRef>
+        </p:style>
+        <p:txBody>
+          <a:bodyPr rtlCol="0" anchor="ctr"/>
+          <a:lstStyle/>
+          <a:p>
+            <a:pPr algn="ctr"/>
+            <a:endParaRPr lang="en-IT"/>
+          </a:p>
+        </p:txBody>
+      </p:sp>
+      <p:sp>
+        <p:nvSpPr>
+          <p:cNvPr id="119" name="Freeform 118">
+            <a:extLst>
+              <a:ext uri="{FF2B5EF4-FFF2-40B4-BE49-F238E27FC236}">
+                <a16:creationId xmlns:a16="http://schemas.microsoft.com/office/drawing/2014/main" id="{A6AC5C7C-DD94-3C4F-910A-ED6FF0BC4579}"/>
+              </a:ext>
+            </a:extLst>
+          </p:cNvPr>
+          <p:cNvSpPr/>
+          <p:nvPr/>
+        </p:nvSpPr>
+        <p:spPr>
+          <a:xfrm>
+            <a:off x="6005937" y="4511127"/>
+            <a:ext cx="5021822" cy="927798"/>
+          </a:xfrm>
+          <a:custGeom>
+            <a:avLst/>
+            <a:gdLst>
+              <a:gd name="connsiteX0" fmla="*/ 0 w 1417320"/>
+              <a:gd name="connsiteY0" fmla="*/ 0 h 502999"/>
+              <a:gd name="connsiteX1" fmla="*/ 472440 w 1417320"/>
+              <a:gd name="connsiteY1" fmla="*/ 502920 h 502999"/>
+              <a:gd name="connsiteX2" fmla="*/ 1417320 w 1417320"/>
+              <a:gd name="connsiteY2" fmla="*/ 30480 h 502999"/>
+            </a:gdLst>
+            <a:ahLst/>
+            <a:cxnLst>
+              <a:cxn ang="0">
+                <a:pos x="connsiteX0" y="connsiteY0"/>
+              </a:cxn>
+              <a:cxn ang="0">
+                <a:pos x="connsiteX1" y="connsiteY1"/>
+              </a:cxn>
+              <a:cxn ang="0">
+                <a:pos x="connsiteX2" y="connsiteY2"/>
+              </a:cxn>
+            </a:cxnLst>
+            <a:rect l="l" t="t" r="r" b="b"/>
+            <a:pathLst>
+              <a:path w="1417320" h="502999">
+                <a:moveTo>
+                  <a:pt x="0" y="0"/>
+                </a:moveTo>
+                <a:cubicBezTo>
+                  <a:pt x="118110" y="248920"/>
+                  <a:pt x="236220" y="497840"/>
+                  <a:pt x="472440" y="502920"/>
+                </a:cubicBezTo>
+                <a:cubicBezTo>
+                  <a:pt x="708660" y="508000"/>
+                  <a:pt x="1062990" y="269240"/>
+                  <a:pt x="1417320" y="30480"/>
+                </a:cubicBezTo>
+              </a:path>
+            </a:pathLst>
+          </a:custGeom>
+          <a:noFill/>
+          <a:ln w="19050">
+            <a:solidFill>
+              <a:srgbClr val="FFC000">
+                <a:alpha val="50000"/>
+              </a:srgbClr>
+            </a:solidFill>
+            <a:prstDash val="solid"/>
+            <a:headEnd type="none"/>
+            <a:tailEnd type="triangle"/>
+          </a:ln>
+        </p:spPr>
+        <p:style>
+          <a:lnRef idx="2">
+            <a:schemeClr val="accent1">
+              <a:shade val="50000"/>
+            </a:schemeClr>
+          </a:lnRef>
+          <a:fillRef idx="1">
+            <a:schemeClr val="accent1"/>
+          </a:fillRef>
+          <a:effectRef idx="0">
+            <a:schemeClr val="accent1"/>
+          </a:effectRef>
+          <a:fontRef idx="minor">
+            <a:schemeClr val="lt1"/>
+          </a:fontRef>
+        </p:style>
+        <p:txBody>
+          <a:bodyPr rtlCol="0" anchor="ctr"/>
+          <a:lstStyle/>
+          <a:p>
+            <a:pPr algn="ctr"/>
+            <a:endParaRPr lang="en-IT"/>
+          </a:p>
+        </p:txBody>
+      </p:sp>
+      <p:sp>
+        <p:nvSpPr>
+          <p:cNvPr id="120" name="Freeform 119">
+            <a:extLst>
+              <a:ext uri="{FF2B5EF4-FFF2-40B4-BE49-F238E27FC236}">
+                <a16:creationId xmlns:a16="http://schemas.microsoft.com/office/drawing/2014/main" id="{45FA6DCA-D31C-A24D-96DA-56E8311018B7}"/>
+              </a:ext>
+            </a:extLst>
+          </p:cNvPr>
+          <p:cNvSpPr/>
+          <p:nvPr/>
+        </p:nvSpPr>
+        <p:spPr>
+          <a:xfrm flipH="1">
+            <a:off x="7528534" y="4494787"/>
+            <a:ext cx="2241723" cy="502999"/>
+          </a:xfrm>
+          <a:custGeom>
+            <a:avLst/>
+            <a:gdLst>
+              <a:gd name="connsiteX0" fmla="*/ 0 w 1417320"/>
+              <a:gd name="connsiteY0" fmla="*/ 0 h 502999"/>
+              <a:gd name="connsiteX1" fmla="*/ 472440 w 1417320"/>
+              <a:gd name="connsiteY1" fmla="*/ 502920 h 502999"/>
+              <a:gd name="connsiteX2" fmla="*/ 1417320 w 1417320"/>
+              <a:gd name="connsiteY2" fmla="*/ 30480 h 502999"/>
+            </a:gdLst>
+            <a:ahLst/>
+            <a:cxnLst>
+              <a:cxn ang="0">
+                <a:pos x="connsiteX0" y="connsiteY0"/>
+              </a:cxn>
+              <a:cxn ang="0">
+                <a:pos x="connsiteX1" y="connsiteY1"/>
+              </a:cxn>
+              <a:cxn ang="0">
+                <a:pos x="connsiteX2" y="connsiteY2"/>
+              </a:cxn>
+            </a:cxnLst>
+            <a:rect l="l" t="t" r="r" b="b"/>
+            <a:pathLst>
+              <a:path w="1417320" h="502999">
+                <a:moveTo>
+                  <a:pt x="0" y="0"/>
+                </a:moveTo>
+                <a:cubicBezTo>
+                  <a:pt x="118110" y="248920"/>
+                  <a:pt x="236220" y="497840"/>
+                  <a:pt x="472440" y="502920"/>
+                </a:cubicBezTo>
+                <a:cubicBezTo>
+                  <a:pt x="708660" y="508000"/>
+                  <a:pt x="1062990" y="269240"/>
+                  <a:pt x="1417320" y="30480"/>
+                </a:cubicBezTo>
+              </a:path>
+            </a:pathLst>
+          </a:custGeom>
+          <a:noFill/>
+          <a:ln w="19050">
+            <a:solidFill>
+              <a:srgbClr val="FF0000">
+                <a:alpha val="50000"/>
+              </a:srgbClr>
+            </a:solidFill>
+            <a:prstDash val="solid"/>
+            <a:headEnd type="none"/>
+            <a:tailEnd type="triangle"/>
+          </a:ln>
+        </p:spPr>
+        <p:style>
+          <a:lnRef idx="2">
+            <a:schemeClr val="accent1">
+              <a:shade val="50000"/>
+            </a:schemeClr>
+          </a:lnRef>
+          <a:fillRef idx="1">
+            <a:schemeClr val="accent1"/>
+          </a:fillRef>
+          <a:effectRef idx="0">
+            <a:schemeClr val="accent1"/>
+          </a:effectRef>
+          <a:fontRef idx="minor">
+            <a:schemeClr val="lt1"/>
+          </a:fontRef>
+        </p:style>
+        <p:txBody>
+          <a:bodyPr rtlCol="0" anchor="ctr"/>
+          <a:lstStyle/>
+          <a:p>
+            <a:pPr algn="ctr"/>
+            <a:endParaRPr lang="en-IT"/>
+          </a:p>
+        </p:txBody>
+      </p:sp>
+      <p:sp>
+        <p:nvSpPr>
+          <p:cNvPr id="121" name="Freeform 120">
+            <a:extLst>
+              <a:ext uri="{FF2B5EF4-FFF2-40B4-BE49-F238E27FC236}">
+                <a16:creationId xmlns:a16="http://schemas.microsoft.com/office/drawing/2014/main" id="{A6DBA9C6-96F9-1143-99F8-B23554F435E2}"/>
+              </a:ext>
+            </a:extLst>
+          </p:cNvPr>
+          <p:cNvSpPr/>
+          <p:nvPr/>
+        </p:nvSpPr>
+        <p:spPr>
+          <a:xfrm flipH="1">
+            <a:off x="4510516" y="4509144"/>
+            <a:ext cx="5275620" cy="962103"/>
+          </a:xfrm>
+          <a:custGeom>
+            <a:avLst/>
+            <a:gdLst>
+              <a:gd name="connsiteX0" fmla="*/ 0 w 1417320"/>
+              <a:gd name="connsiteY0" fmla="*/ 0 h 502999"/>
+              <a:gd name="connsiteX1" fmla="*/ 472440 w 1417320"/>
+              <a:gd name="connsiteY1" fmla="*/ 502920 h 502999"/>
+              <a:gd name="connsiteX2" fmla="*/ 1417320 w 1417320"/>
+              <a:gd name="connsiteY2" fmla="*/ 30480 h 502999"/>
+            </a:gdLst>
+            <a:ahLst/>
+            <a:cxnLst>
+              <a:cxn ang="0">
+                <a:pos x="connsiteX0" y="connsiteY0"/>
+              </a:cxn>
+              <a:cxn ang="0">
+                <a:pos x="connsiteX1" y="connsiteY1"/>
+              </a:cxn>
+              <a:cxn ang="0">
+                <a:pos x="connsiteX2" y="connsiteY2"/>
+              </a:cxn>
+            </a:cxnLst>
+            <a:rect l="l" t="t" r="r" b="b"/>
+            <a:pathLst>
+              <a:path w="1417320" h="502999">
+                <a:moveTo>
+                  <a:pt x="0" y="0"/>
+                </a:moveTo>
+                <a:cubicBezTo>
+                  <a:pt x="118110" y="248920"/>
+                  <a:pt x="236220" y="497840"/>
+                  <a:pt x="472440" y="502920"/>
+                </a:cubicBezTo>
+                <a:cubicBezTo>
+                  <a:pt x="708660" y="508000"/>
+                  <a:pt x="1062990" y="269240"/>
+                  <a:pt x="1417320" y="30480"/>
+                </a:cubicBezTo>
+              </a:path>
+            </a:pathLst>
+          </a:custGeom>
+          <a:noFill/>
+          <a:ln w="19050">
+            <a:solidFill>
+              <a:srgbClr val="FF0000">
+                <a:alpha val="50000"/>
+              </a:srgbClr>
+            </a:solidFill>
+            <a:prstDash val="solid"/>
+            <a:headEnd type="none"/>
+            <a:tailEnd type="triangle"/>
+          </a:ln>
+        </p:spPr>
+        <p:style>
+          <a:lnRef idx="2">
+            <a:schemeClr val="accent1">
+              <a:shade val="50000"/>
+            </a:schemeClr>
+          </a:lnRef>
+          <a:fillRef idx="1">
+            <a:schemeClr val="accent1"/>
+          </a:fillRef>
+          <a:effectRef idx="0">
+            <a:schemeClr val="accent1"/>
+          </a:effectRef>
+          <a:fontRef idx="minor">
+            <a:schemeClr val="lt1"/>
+          </a:fontRef>
+        </p:style>
+        <p:txBody>
+          <a:bodyPr rtlCol="0" anchor="ctr"/>
+          <a:lstStyle/>
+          <a:p>
+            <a:pPr algn="ctr"/>
+            <a:endParaRPr lang="en-IT"/>
+          </a:p>
+        </p:txBody>
+      </p:sp>
+      <p:sp>
+        <p:nvSpPr>
+          <p:cNvPr id="122" name="Freeform 121">
+            <a:extLst>
+              <a:ext uri="{FF2B5EF4-FFF2-40B4-BE49-F238E27FC236}">
+                <a16:creationId xmlns:a16="http://schemas.microsoft.com/office/drawing/2014/main" id="{A14CE3BB-8EDA-D248-8071-35A13F63426D}"/>
+              </a:ext>
+            </a:extLst>
+          </p:cNvPr>
+          <p:cNvSpPr/>
+          <p:nvPr/>
+        </p:nvSpPr>
+        <p:spPr>
+          <a:xfrm>
+            <a:off x="9816773" y="4510512"/>
+            <a:ext cx="1383937" cy="587117"/>
+          </a:xfrm>
+          <a:custGeom>
+            <a:avLst/>
+            <a:gdLst>
+              <a:gd name="connsiteX0" fmla="*/ 0 w 1417320"/>
+              <a:gd name="connsiteY0" fmla="*/ 0 h 502999"/>
+              <a:gd name="connsiteX1" fmla="*/ 472440 w 1417320"/>
+              <a:gd name="connsiteY1" fmla="*/ 502920 h 502999"/>
+              <a:gd name="connsiteX2" fmla="*/ 1417320 w 1417320"/>
+              <a:gd name="connsiteY2" fmla="*/ 30480 h 502999"/>
+            </a:gdLst>
+            <a:ahLst/>
+            <a:cxnLst>
+              <a:cxn ang="0">
+                <a:pos x="connsiteX0" y="connsiteY0"/>
+              </a:cxn>
+              <a:cxn ang="0">
+                <a:pos x="connsiteX1" y="connsiteY1"/>
+              </a:cxn>
+              <a:cxn ang="0">
+                <a:pos x="connsiteX2" y="connsiteY2"/>
+              </a:cxn>
+            </a:cxnLst>
+            <a:rect l="l" t="t" r="r" b="b"/>
+            <a:pathLst>
+              <a:path w="1417320" h="502999">
+                <a:moveTo>
+                  <a:pt x="0" y="0"/>
+                </a:moveTo>
+                <a:cubicBezTo>
+                  <a:pt x="118110" y="248920"/>
+                  <a:pt x="236220" y="497840"/>
+                  <a:pt x="472440" y="502920"/>
+                </a:cubicBezTo>
+                <a:cubicBezTo>
+                  <a:pt x="708660" y="508000"/>
+                  <a:pt x="1062990" y="269240"/>
+                  <a:pt x="1417320" y="30480"/>
+                </a:cubicBezTo>
+              </a:path>
+            </a:pathLst>
+          </a:custGeom>
+          <a:noFill/>
+          <a:ln w="19050">
+            <a:solidFill>
+              <a:srgbClr val="FF0000">
+                <a:alpha val="50000"/>
+              </a:srgbClr>
+            </a:solidFill>
+            <a:prstDash val="solid"/>
+            <a:headEnd type="none"/>
+            <a:tailEnd type="triangle"/>
+          </a:ln>
+        </p:spPr>
+        <p:style>
+          <a:lnRef idx="2">
+            <a:schemeClr val="accent1">
+              <a:shade val="50000"/>
+            </a:schemeClr>
+          </a:lnRef>
+          <a:fillRef idx="1">
+            <a:schemeClr val="accent1"/>
+          </a:fillRef>
+          <a:effectRef idx="0">
+            <a:schemeClr val="accent1"/>
+          </a:effectRef>
+          <a:fontRef idx="minor">
+            <a:schemeClr val="lt1"/>
+          </a:fontRef>
+        </p:style>
+        <p:txBody>
+          <a:bodyPr rtlCol="0" anchor="ctr"/>
+          <a:lstStyle/>
+          <a:p>
+            <a:pPr algn="ctr"/>
+            <a:endParaRPr lang="en-IT"/>
+          </a:p>
+        </p:txBody>
+      </p:sp>
+    </p:spTree>
+    <p:extLst>
+      <p:ext uri="{BB962C8B-B14F-4D97-AF65-F5344CB8AC3E}">
+        <p14:creationId xmlns:p14="http://schemas.microsoft.com/office/powerpoint/2010/main" val="2653849771"/>
       </p:ext>
     </p:extLst>
   </p:cSld>
